--- a/BZSH Külker Leltár.pptx
+++ b/BZSH Külker Leltár.pptx
@@ -149,7 +149,7 @@
           <p:cNvPr id="2" name="Cím 1">
             <a:extLst>
               <a:ext uri="{FF2B5EF4-FFF2-40B4-BE49-F238E27FC236}">
-                <a16:creationId xmlns:a16="http://schemas.microsoft.com/office/drawing/2014/main" id="{F43D28F1-0D94-238D-34C2-FE2B13D96739}"/>
+                <a16:creationId xmlns:a16="http://schemas.microsoft.com/office/drawing/2014/main" xmlns="" id="{F43D28F1-0D94-238D-34C2-FE2B13D96739}"/>
               </a:ext>
             </a:extLst>
           </p:cNvPr>
@@ -186,7 +186,7 @@
           <p:cNvPr id="3" name="Alcím 2">
             <a:extLst>
               <a:ext uri="{FF2B5EF4-FFF2-40B4-BE49-F238E27FC236}">
-                <a16:creationId xmlns:a16="http://schemas.microsoft.com/office/drawing/2014/main" id="{CC8680F3-0D1D-D736-672C-86648D955D28}"/>
+                <a16:creationId xmlns:a16="http://schemas.microsoft.com/office/drawing/2014/main" xmlns="" id="{CC8680F3-0D1D-D736-672C-86648D955D28}"/>
               </a:ext>
             </a:extLst>
           </p:cNvPr>
@@ -256,7 +256,7 @@
           <p:cNvPr id="4" name="Dátum helye 3">
             <a:extLst>
               <a:ext uri="{FF2B5EF4-FFF2-40B4-BE49-F238E27FC236}">
-                <a16:creationId xmlns:a16="http://schemas.microsoft.com/office/drawing/2014/main" id="{6E938D85-B098-E16F-A84F-785B1028F96E}"/>
+                <a16:creationId xmlns:a16="http://schemas.microsoft.com/office/drawing/2014/main" xmlns="" id="{6E938D85-B098-E16F-A84F-785B1028F96E}"/>
               </a:ext>
             </a:extLst>
           </p:cNvPr>
@@ -274,7 +274,7 @@
           <a:p>
             <a:fld id="{3434F148-A0AF-4A6C-8AF6-D648C57AC67D}" type="datetimeFigureOut">
               <a:rPr lang="hu-HU" smtClean="0"/>
-              <a:t>2025. 05. 24.</a:t>
+              <a:t>2025. 05. 26.</a:t>
             </a:fld>
             <a:endParaRPr lang="hu-HU"/>
           </a:p>
@@ -285,7 +285,7 @@
           <p:cNvPr id="5" name="Élőláb helye 4">
             <a:extLst>
               <a:ext uri="{FF2B5EF4-FFF2-40B4-BE49-F238E27FC236}">
-                <a16:creationId xmlns:a16="http://schemas.microsoft.com/office/drawing/2014/main" id="{ED1DD9C6-B4CE-10D8-7BAC-3C3BD2AADD5B}"/>
+                <a16:creationId xmlns:a16="http://schemas.microsoft.com/office/drawing/2014/main" xmlns="" id="{ED1DD9C6-B4CE-10D8-7BAC-3C3BD2AADD5B}"/>
               </a:ext>
             </a:extLst>
           </p:cNvPr>
@@ -310,7 +310,7 @@
           <p:cNvPr id="6" name="Dia számának helye 5">
             <a:extLst>
               <a:ext uri="{FF2B5EF4-FFF2-40B4-BE49-F238E27FC236}">
-                <a16:creationId xmlns:a16="http://schemas.microsoft.com/office/drawing/2014/main" id="{796CDBEB-AAAB-9A09-4E4D-621CD58DBB1D}"/>
+                <a16:creationId xmlns:a16="http://schemas.microsoft.com/office/drawing/2014/main" xmlns="" id="{796CDBEB-AAAB-9A09-4E4D-621CD58DBB1D}"/>
               </a:ext>
             </a:extLst>
           </p:cNvPr>
@@ -369,7 +369,7 @@
           <p:cNvPr id="2" name="Cím 1">
             <a:extLst>
               <a:ext uri="{FF2B5EF4-FFF2-40B4-BE49-F238E27FC236}">
-                <a16:creationId xmlns:a16="http://schemas.microsoft.com/office/drawing/2014/main" id="{BB5E1BBF-530D-C58D-C641-012AF8454339}"/>
+                <a16:creationId xmlns:a16="http://schemas.microsoft.com/office/drawing/2014/main" xmlns="" id="{BB5E1BBF-530D-C58D-C641-012AF8454339}"/>
               </a:ext>
             </a:extLst>
           </p:cNvPr>
@@ -397,7 +397,7 @@
           <p:cNvPr id="3" name="Függőleges szöveg helye 2">
             <a:extLst>
               <a:ext uri="{FF2B5EF4-FFF2-40B4-BE49-F238E27FC236}">
-                <a16:creationId xmlns:a16="http://schemas.microsoft.com/office/drawing/2014/main" id="{8F144DCE-A322-A30F-9E12-6E469BF50B2A}"/>
+                <a16:creationId xmlns:a16="http://schemas.microsoft.com/office/drawing/2014/main" xmlns="" id="{8F144DCE-A322-A30F-9E12-6E469BF50B2A}"/>
               </a:ext>
             </a:extLst>
           </p:cNvPr>
@@ -454,7 +454,7 @@
           <p:cNvPr id="4" name="Dátum helye 3">
             <a:extLst>
               <a:ext uri="{FF2B5EF4-FFF2-40B4-BE49-F238E27FC236}">
-                <a16:creationId xmlns:a16="http://schemas.microsoft.com/office/drawing/2014/main" id="{91C83273-C185-67EC-5C55-0A140848355A}"/>
+                <a16:creationId xmlns:a16="http://schemas.microsoft.com/office/drawing/2014/main" xmlns="" id="{91C83273-C185-67EC-5C55-0A140848355A}"/>
               </a:ext>
             </a:extLst>
           </p:cNvPr>
@@ -472,7 +472,7 @@
           <a:p>
             <a:fld id="{3434F148-A0AF-4A6C-8AF6-D648C57AC67D}" type="datetimeFigureOut">
               <a:rPr lang="hu-HU" smtClean="0"/>
-              <a:t>2025. 05. 24.</a:t>
+              <a:t>2025. 05. 26.</a:t>
             </a:fld>
             <a:endParaRPr lang="hu-HU"/>
           </a:p>
@@ -483,7 +483,7 @@
           <p:cNvPr id="5" name="Élőláb helye 4">
             <a:extLst>
               <a:ext uri="{FF2B5EF4-FFF2-40B4-BE49-F238E27FC236}">
-                <a16:creationId xmlns:a16="http://schemas.microsoft.com/office/drawing/2014/main" id="{4B4E6BA0-D993-9AD2-D50C-666D8B9642EE}"/>
+                <a16:creationId xmlns:a16="http://schemas.microsoft.com/office/drawing/2014/main" xmlns="" id="{4B4E6BA0-D993-9AD2-D50C-666D8B9642EE}"/>
               </a:ext>
             </a:extLst>
           </p:cNvPr>
@@ -508,7 +508,7 @@
           <p:cNvPr id="6" name="Dia számának helye 5">
             <a:extLst>
               <a:ext uri="{FF2B5EF4-FFF2-40B4-BE49-F238E27FC236}">
-                <a16:creationId xmlns:a16="http://schemas.microsoft.com/office/drawing/2014/main" id="{5DCD11B6-E8F2-B688-5C5B-62F6E9229279}"/>
+                <a16:creationId xmlns:a16="http://schemas.microsoft.com/office/drawing/2014/main" xmlns="" id="{5DCD11B6-E8F2-B688-5C5B-62F6E9229279}"/>
               </a:ext>
             </a:extLst>
           </p:cNvPr>
@@ -567,7 +567,7 @@
           <p:cNvPr id="2" name="Függőleges cím 1">
             <a:extLst>
               <a:ext uri="{FF2B5EF4-FFF2-40B4-BE49-F238E27FC236}">
-                <a16:creationId xmlns:a16="http://schemas.microsoft.com/office/drawing/2014/main" id="{8C0A087C-65BE-9C56-C7DA-AEE02471E67E}"/>
+                <a16:creationId xmlns:a16="http://schemas.microsoft.com/office/drawing/2014/main" xmlns="" id="{8C0A087C-65BE-9C56-C7DA-AEE02471E67E}"/>
               </a:ext>
             </a:extLst>
           </p:cNvPr>
@@ -600,7 +600,7 @@
           <p:cNvPr id="3" name="Függőleges szöveg helye 2">
             <a:extLst>
               <a:ext uri="{FF2B5EF4-FFF2-40B4-BE49-F238E27FC236}">
-                <a16:creationId xmlns:a16="http://schemas.microsoft.com/office/drawing/2014/main" id="{6F43C972-63A6-9E92-1554-663A1D556A7A}"/>
+                <a16:creationId xmlns:a16="http://schemas.microsoft.com/office/drawing/2014/main" xmlns="" id="{6F43C972-63A6-9E92-1554-663A1D556A7A}"/>
               </a:ext>
             </a:extLst>
           </p:cNvPr>
@@ -662,7 +662,7 @@
           <p:cNvPr id="4" name="Dátum helye 3">
             <a:extLst>
               <a:ext uri="{FF2B5EF4-FFF2-40B4-BE49-F238E27FC236}">
-                <a16:creationId xmlns:a16="http://schemas.microsoft.com/office/drawing/2014/main" id="{D0E41B63-7D2A-24A4-AB61-0AC5AF8F0C4A}"/>
+                <a16:creationId xmlns:a16="http://schemas.microsoft.com/office/drawing/2014/main" xmlns="" id="{D0E41B63-7D2A-24A4-AB61-0AC5AF8F0C4A}"/>
               </a:ext>
             </a:extLst>
           </p:cNvPr>
@@ -680,7 +680,7 @@
           <a:p>
             <a:fld id="{3434F148-A0AF-4A6C-8AF6-D648C57AC67D}" type="datetimeFigureOut">
               <a:rPr lang="hu-HU" smtClean="0"/>
-              <a:t>2025. 05. 24.</a:t>
+              <a:t>2025. 05. 26.</a:t>
             </a:fld>
             <a:endParaRPr lang="hu-HU"/>
           </a:p>
@@ -691,7 +691,7 @@
           <p:cNvPr id="5" name="Élőláb helye 4">
             <a:extLst>
               <a:ext uri="{FF2B5EF4-FFF2-40B4-BE49-F238E27FC236}">
-                <a16:creationId xmlns:a16="http://schemas.microsoft.com/office/drawing/2014/main" id="{AC1BD6AB-3F08-CFAB-6DB1-805058A1B70F}"/>
+                <a16:creationId xmlns:a16="http://schemas.microsoft.com/office/drawing/2014/main" xmlns="" id="{AC1BD6AB-3F08-CFAB-6DB1-805058A1B70F}"/>
               </a:ext>
             </a:extLst>
           </p:cNvPr>
@@ -716,7 +716,7 @@
           <p:cNvPr id="6" name="Dia számának helye 5">
             <a:extLst>
               <a:ext uri="{FF2B5EF4-FFF2-40B4-BE49-F238E27FC236}">
-                <a16:creationId xmlns:a16="http://schemas.microsoft.com/office/drawing/2014/main" id="{5AF40C4A-A27E-EB8B-2278-1FB8F7C66DFA}"/>
+                <a16:creationId xmlns:a16="http://schemas.microsoft.com/office/drawing/2014/main" xmlns="" id="{5AF40C4A-A27E-EB8B-2278-1FB8F7C66DFA}"/>
               </a:ext>
             </a:extLst>
           </p:cNvPr>
@@ -775,7 +775,7 @@
           <p:cNvPr id="2" name="Cím 1">
             <a:extLst>
               <a:ext uri="{FF2B5EF4-FFF2-40B4-BE49-F238E27FC236}">
-                <a16:creationId xmlns:a16="http://schemas.microsoft.com/office/drawing/2014/main" id="{72BE27F1-A3F7-05D6-4450-E78AD211EFFA}"/>
+                <a16:creationId xmlns:a16="http://schemas.microsoft.com/office/drawing/2014/main" xmlns="" id="{72BE27F1-A3F7-05D6-4450-E78AD211EFFA}"/>
               </a:ext>
             </a:extLst>
           </p:cNvPr>
@@ -803,7 +803,7 @@
           <p:cNvPr id="3" name="Tartalom helye 2">
             <a:extLst>
               <a:ext uri="{FF2B5EF4-FFF2-40B4-BE49-F238E27FC236}">
-                <a16:creationId xmlns:a16="http://schemas.microsoft.com/office/drawing/2014/main" id="{6485F2B7-A39B-4B9A-B527-DAC98AB0790C}"/>
+                <a16:creationId xmlns:a16="http://schemas.microsoft.com/office/drawing/2014/main" xmlns="" id="{6485F2B7-A39B-4B9A-B527-DAC98AB0790C}"/>
               </a:ext>
             </a:extLst>
           </p:cNvPr>
@@ -860,7 +860,7 @@
           <p:cNvPr id="4" name="Dátum helye 3">
             <a:extLst>
               <a:ext uri="{FF2B5EF4-FFF2-40B4-BE49-F238E27FC236}">
-                <a16:creationId xmlns:a16="http://schemas.microsoft.com/office/drawing/2014/main" id="{676CE1DF-3837-FE1D-901A-A742A19A7C11}"/>
+                <a16:creationId xmlns:a16="http://schemas.microsoft.com/office/drawing/2014/main" xmlns="" id="{676CE1DF-3837-FE1D-901A-A742A19A7C11}"/>
               </a:ext>
             </a:extLst>
           </p:cNvPr>
@@ -878,7 +878,7 @@
           <a:p>
             <a:fld id="{3434F148-A0AF-4A6C-8AF6-D648C57AC67D}" type="datetimeFigureOut">
               <a:rPr lang="hu-HU" smtClean="0"/>
-              <a:t>2025. 05. 24.</a:t>
+              <a:t>2025. 05. 26.</a:t>
             </a:fld>
             <a:endParaRPr lang="hu-HU"/>
           </a:p>
@@ -889,7 +889,7 @@
           <p:cNvPr id="5" name="Élőláb helye 4">
             <a:extLst>
               <a:ext uri="{FF2B5EF4-FFF2-40B4-BE49-F238E27FC236}">
-                <a16:creationId xmlns:a16="http://schemas.microsoft.com/office/drawing/2014/main" id="{BA390FFD-FA87-E57A-BD00-E54A51A7E1D9}"/>
+                <a16:creationId xmlns:a16="http://schemas.microsoft.com/office/drawing/2014/main" xmlns="" id="{BA390FFD-FA87-E57A-BD00-E54A51A7E1D9}"/>
               </a:ext>
             </a:extLst>
           </p:cNvPr>
@@ -914,7 +914,7 @@
           <p:cNvPr id="6" name="Dia számának helye 5">
             <a:extLst>
               <a:ext uri="{FF2B5EF4-FFF2-40B4-BE49-F238E27FC236}">
-                <a16:creationId xmlns:a16="http://schemas.microsoft.com/office/drawing/2014/main" id="{D97EC763-AF94-46BF-7460-B966094315B9}"/>
+                <a16:creationId xmlns:a16="http://schemas.microsoft.com/office/drawing/2014/main" xmlns="" id="{D97EC763-AF94-46BF-7460-B966094315B9}"/>
               </a:ext>
             </a:extLst>
           </p:cNvPr>
@@ -973,7 +973,7 @@
           <p:cNvPr id="2" name="Cím 1">
             <a:extLst>
               <a:ext uri="{FF2B5EF4-FFF2-40B4-BE49-F238E27FC236}">
-                <a16:creationId xmlns:a16="http://schemas.microsoft.com/office/drawing/2014/main" id="{CF8913D7-85C4-2A22-F3C6-98E4BD6B1D29}"/>
+                <a16:creationId xmlns:a16="http://schemas.microsoft.com/office/drawing/2014/main" xmlns="" id="{CF8913D7-85C4-2A22-F3C6-98E4BD6B1D29}"/>
               </a:ext>
             </a:extLst>
           </p:cNvPr>
@@ -1010,7 +1010,7 @@
           <p:cNvPr id="3" name="Szöveg helye 2">
             <a:extLst>
               <a:ext uri="{FF2B5EF4-FFF2-40B4-BE49-F238E27FC236}">
-                <a16:creationId xmlns:a16="http://schemas.microsoft.com/office/drawing/2014/main" id="{1611F5D2-4F9A-94EA-B791-E48941D49EB1}"/>
+                <a16:creationId xmlns:a16="http://schemas.microsoft.com/office/drawing/2014/main" xmlns="" id="{1611F5D2-4F9A-94EA-B791-E48941D49EB1}"/>
               </a:ext>
             </a:extLst>
           </p:cNvPr>
@@ -1135,7 +1135,7 @@
           <p:cNvPr id="4" name="Dátum helye 3">
             <a:extLst>
               <a:ext uri="{FF2B5EF4-FFF2-40B4-BE49-F238E27FC236}">
-                <a16:creationId xmlns:a16="http://schemas.microsoft.com/office/drawing/2014/main" id="{5AF5DE06-1A8D-91BB-EE70-6D64240C2A93}"/>
+                <a16:creationId xmlns:a16="http://schemas.microsoft.com/office/drawing/2014/main" xmlns="" id="{5AF5DE06-1A8D-91BB-EE70-6D64240C2A93}"/>
               </a:ext>
             </a:extLst>
           </p:cNvPr>
@@ -1153,7 +1153,7 @@
           <a:p>
             <a:fld id="{3434F148-A0AF-4A6C-8AF6-D648C57AC67D}" type="datetimeFigureOut">
               <a:rPr lang="hu-HU" smtClean="0"/>
-              <a:t>2025. 05. 24.</a:t>
+              <a:t>2025. 05. 26.</a:t>
             </a:fld>
             <a:endParaRPr lang="hu-HU"/>
           </a:p>
@@ -1164,7 +1164,7 @@
           <p:cNvPr id="5" name="Élőláb helye 4">
             <a:extLst>
               <a:ext uri="{FF2B5EF4-FFF2-40B4-BE49-F238E27FC236}">
-                <a16:creationId xmlns:a16="http://schemas.microsoft.com/office/drawing/2014/main" id="{CC9F8B4C-3835-D694-EE34-821C8C99DEEC}"/>
+                <a16:creationId xmlns:a16="http://schemas.microsoft.com/office/drawing/2014/main" xmlns="" id="{CC9F8B4C-3835-D694-EE34-821C8C99DEEC}"/>
               </a:ext>
             </a:extLst>
           </p:cNvPr>
@@ -1189,7 +1189,7 @@
           <p:cNvPr id="6" name="Dia számának helye 5">
             <a:extLst>
               <a:ext uri="{FF2B5EF4-FFF2-40B4-BE49-F238E27FC236}">
-                <a16:creationId xmlns:a16="http://schemas.microsoft.com/office/drawing/2014/main" id="{40512473-C685-9E59-3906-9AB4AE745D5F}"/>
+                <a16:creationId xmlns:a16="http://schemas.microsoft.com/office/drawing/2014/main" xmlns="" id="{40512473-C685-9E59-3906-9AB4AE745D5F}"/>
               </a:ext>
             </a:extLst>
           </p:cNvPr>
@@ -1248,7 +1248,7 @@
           <p:cNvPr id="2" name="Cím 1">
             <a:extLst>
               <a:ext uri="{FF2B5EF4-FFF2-40B4-BE49-F238E27FC236}">
-                <a16:creationId xmlns:a16="http://schemas.microsoft.com/office/drawing/2014/main" id="{F68920D2-C1B1-B8A5-3420-8B5D2B9BB320}"/>
+                <a16:creationId xmlns:a16="http://schemas.microsoft.com/office/drawing/2014/main" xmlns="" id="{F68920D2-C1B1-B8A5-3420-8B5D2B9BB320}"/>
               </a:ext>
             </a:extLst>
           </p:cNvPr>
@@ -1276,7 +1276,7 @@
           <p:cNvPr id="3" name="Tartalom helye 2">
             <a:extLst>
               <a:ext uri="{FF2B5EF4-FFF2-40B4-BE49-F238E27FC236}">
-                <a16:creationId xmlns:a16="http://schemas.microsoft.com/office/drawing/2014/main" id="{D43CFDB4-F2B9-8712-C624-B45F13EAF33D}"/>
+                <a16:creationId xmlns:a16="http://schemas.microsoft.com/office/drawing/2014/main" xmlns="" id="{D43CFDB4-F2B9-8712-C624-B45F13EAF33D}"/>
               </a:ext>
             </a:extLst>
           </p:cNvPr>
@@ -1338,7 +1338,7 @@
           <p:cNvPr id="4" name="Tartalom helye 3">
             <a:extLst>
               <a:ext uri="{FF2B5EF4-FFF2-40B4-BE49-F238E27FC236}">
-                <a16:creationId xmlns:a16="http://schemas.microsoft.com/office/drawing/2014/main" id="{A3C85B65-1B1F-8EE0-909F-C8B67296919E}"/>
+                <a16:creationId xmlns:a16="http://schemas.microsoft.com/office/drawing/2014/main" xmlns="" id="{A3C85B65-1B1F-8EE0-909F-C8B67296919E}"/>
               </a:ext>
             </a:extLst>
           </p:cNvPr>
@@ -1400,7 +1400,7 @@
           <p:cNvPr id="5" name="Dátum helye 4">
             <a:extLst>
               <a:ext uri="{FF2B5EF4-FFF2-40B4-BE49-F238E27FC236}">
-                <a16:creationId xmlns:a16="http://schemas.microsoft.com/office/drawing/2014/main" id="{4557A5C6-41D5-D457-A8A9-40F05F560E33}"/>
+                <a16:creationId xmlns:a16="http://schemas.microsoft.com/office/drawing/2014/main" xmlns="" id="{4557A5C6-41D5-D457-A8A9-40F05F560E33}"/>
               </a:ext>
             </a:extLst>
           </p:cNvPr>
@@ -1418,7 +1418,7 @@
           <a:p>
             <a:fld id="{3434F148-A0AF-4A6C-8AF6-D648C57AC67D}" type="datetimeFigureOut">
               <a:rPr lang="hu-HU" smtClean="0"/>
-              <a:t>2025. 05. 24.</a:t>
+              <a:t>2025. 05. 26.</a:t>
             </a:fld>
             <a:endParaRPr lang="hu-HU"/>
           </a:p>
@@ -1429,7 +1429,7 @@
           <p:cNvPr id="6" name="Élőláb helye 5">
             <a:extLst>
               <a:ext uri="{FF2B5EF4-FFF2-40B4-BE49-F238E27FC236}">
-                <a16:creationId xmlns:a16="http://schemas.microsoft.com/office/drawing/2014/main" id="{98BCDB77-34DE-8FA1-D105-FAD3651F6A46}"/>
+                <a16:creationId xmlns:a16="http://schemas.microsoft.com/office/drawing/2014/main" xmlns="" id="{98BCDB77-34DE-8FA1-D105-FAD3651F6A46}"/>
               </a:ext>
             </a:extLst>
           </p:cNvPr>
@@ -1454,7 +1454,7 @@
           <p:cNvPr id="7" name="Dia számának helye 6">
             <a:extLst>
               <a:ext uri="{FF2B5EF4-FFF2-40B4-BE49-F238E27FC236}">
-                <a16:creationId xmlns:a16="http://schemas.microsoft.com/office/drawing/2014/main" id="{390BBE7A-D307-555E-AB12-0B41EEA253D6}"/>
+                <a16:creationId xmlns:a16="http://schemas.microsoft.com/office/drawing/2014/main" xmlns="" id="{390BBE7A-D307-555E-AB12-0B41EEA253D6}"/>
               </a:ext>
             </a:extLst>
           </p:cNvPr>
@@ -1513,7 +1513,7 @@
           <p:cNvPr id="2" name="Cím 1">
             <a:extLst>
               <a:ext uri="{FF2B5EF4-FFF2-40B4-BE49-F238E27FC236}">
-                <a16:creationId xmlns:a16="http://schemas.microsoft.com/office/drawing/2014/main" id="{07EA2236-15AE-DDD2-4BA6-89D4702F1F31}"/>
+                <a16:creationId xmlns:a16="http://schemas.microsoft.com/office/drawing/2014/main" xmlns="" id="{07EA2236-15AE-DDD2-4BA6-89D4702F1F31}"/>
               </a:ext>
             </a:extLst>
           </p:cNvPr>
@@ -1546,7 +1546,7 @@
           <p:cNvPr id="3" name="Szöveg helye 2">
             <a:extLst>
               <a:ext uri="{FF2B5EF4-FFF2-40B4-BE49-F238E27FC236}">
-                <a16:creationId xmlns:a16="http://schemas.microsoft.com/office/drawing/2014/main" id="{BB583008-9EE5-B737-672F-BD71CB49EBE6}"/>
+                <a16:creationId xmlns:a16="http://schemas.microsoft.com/office/drawing/2014/main" xmlns="" id="{BB583008-9EE5-B737-672F-BD71CB49EBE6}"/>
               </a:ext>
             </a:extLst>
           </p:cNvPr>
@@ -1617,7 +1617,7 @@
           <p:cNvPr id="4" name="Tartalom helye 3">
             <a:extLst>
               <a:ext uri="{FF2B5EF4-FFF2-40B4-BE49-F238E27FC236}">
-                <a16:creationId xmlns:a16="http://schemas.microsoft.com/office/drawing/2014/main" id="{624AC8C2-EBA4-169C-1443-DC6E649194DF}"/>
+                <a16:creationId xmlns:a16="http://schemas.microsoft.com/office/drawing/2014/main" xmlns="" id="{624AC8C2-EBA4-169C-1443-DC6E649194DF}"/>
               </a:ext>
             </a:extLst>
           </p:cNvPr>
@@ -1679,7 +1679,7 @@
           <p:cNvPr id="5" name="Szöveg helye 4">
             <a:extLst>
               <a:ext uri="{FF2B5EF4-FFF2-40B4-BE49-F238E27FC236}">
-                <a16:creationId xmlns:a16="http://schemas.microsoft.com/office/drawing/2014/main" id="{A372FB06-0713-22DF-F416-4F98CC820171}"/>
+                <a16:creationId xmlns:a16="http://schemas.microsoft.com/office/drawing/2014/main" xmlns="" id="{A372FB06-0713-22DF-F416-4F98CC820171}"/>
               </a:ext>
             </a:extLst>
           </p:cNvPr>
@@ -1750,7 +1750,7 @@
           <p:cNvPr id="6" name="Tartalom helye 5">
             <a:extLst>
               <a:ext uri="{FF2B5EF4-FFF2-40B4-BE49-F238E27FC236}">
-                <a16:creationId xmlns:a16="http://schemas.microsoft.com/office/drawing/2014/main" id="{44044FD2-F5CB-3AD9-8D3B-D6D9CAD8003A}"/>
+                <a16:creationId xmlns:a16="http://schemas.microsoft.com/office/drawing/2014/main" xmlns="" id="{44044FD2-F5CB-3AD9-8D3B-D6D9CAD8003A}"/>
               </a:ext>
             </a:extLst>
           </p:cNvPr>
@@ -1812,7 +1812,7 @@
           <p:cNvPr id="7" name="Dátum helye 6">
             <a:extLst>
               <a:ext uri="{FF2B5EF4-FFF2-40B4-BE49-F238E27FC236}">
-                <a16:creationId xmlns:a16="http://schemas.microsoft.com/office/drawing/2014/main" id="{0F34A2A3-1490-B255-AA40-4FBAA6ED1F39}"/>
+                <a16:creationId xmlns:a16="http://schemas.microsoft.com/office/drawing/2014/main" xmlns="" id="{0F34A2A3-1490-B255-AA40-4FBAA6ED1F39}"/>
               </a:ext>
             </a:extLst>
           </p:cNvPr>
@@ -1830,7 +1830,7 @@
           <a:p>
             <a:fld id="{3434F148-A0AF-4A6C-8AF6-D648C57AC67D}" type="datetimeFigureOut">
               <a:rPr lang="hu-HU" smtClean="0"/>
-              <a:t>2025. 05. 24.</a:t>
+              <a:t>2025. 05. 26.</a:t>
             </a:fld>
             <a:endParaRPr lang="hu-HU"/>
           </a:p>
@@ -1841,7 +1841,7 @@
           <p:cNvPr id="8" name="Élőláb helye 7">
             <a:extLst>
               <a:ext uri="{FF2B5EF4-FFF2-40B4-BE49-F238E27FC236}">
-                <a16:creationId xmlns:a16="http://schemas.microsoft.com/office/drawing/2014/main" id="{4D7A472D-2CFC-082D-72CC-54CFA4243196}"/>
+                <a16:creationId xmlns:a16="http://schemas.microsoft.com/office/drawing/2014/main" xmlns="" id="{4D7A472D-2CFC-082D-72CC-54CFA4243196}"/>
               </a:ext>
             </a:extLst>
           </p:cNvPr>
@@ -1866,7 +1866,7 @@
           <p:cNvPr id="9" name="Dia számának helye 8">
             <a:extLst>
               <a:ext uri="{FF2B5EF4-FFF2-40B4-BE49-F238E27FC236}">
-                <a16:creationId xmlns:a16="http://schemas.microsoft.com/office/drawing/2014/main" id="{C7BC0E91-0D57-BCDA-5227-885B1E39CC7E}"/>
+                <a16:creationId xmlns:a16="http://schemas.microsoft.com/office/drawing/2014/main" xmlns="" id="{C7BC0E91-0D57-BCDA-5227-885B1E39CC7E}"/>
               </a:ext>
             </a:extLst>
           </p:cNvPr>
@@ -1925,7 +1925,7 @@
           <p:cNvPr id="2" name="Cím 1">
             <a:extLst>
               <a:ext uri="{FF2B5EF4-FFF2-40B4-BE49-F238E27FC236}">
-                <a16:creationId xmlns:a16="http://schemas.microsoft.com/office/drawing/2014/main" id="{9DDE6F42-0F86-68AD-8520-02C1DC540C0C}"/>
+                <a16:creationId xmlns:a16="http://schemas.microsoft.com/office/drawing/2014/main" xmlns="" id="{9DDE6F42-0F86-68AD-8520-02C1DC540C0C}"/>
               </a:ext>
             </a:extLst>
           </p:cNvPr>
@@ -1953,7 +1953,7 @@
           <p:cNvPr id="3" name="Dátum helye 2">
             <a:extLst>
               <a:ext uri="{FF2B5EF4-FFF2-40B4-BE49-F238E27FC236}">
-                <a16:creationId xmlns:a16="http://schemas.microsoft.com/office/drawing/2014/main" id="{8D787FCC-5084-9DFC-BF9F-5640729133DD}"/>
+                <a16:creationId xmlns:a16="http://schemas.microsoft.com/office/drawing/2014/main" xmlns="" id="{8D787FCC-5084-9DFC-BF9F-5640729133DD}"/>
               </a:ext>
             </a:extLst>
           </p:cNvPr>
@@ -1971,7 +1971,7 @@
           <a:p>
             <a:fld id="{3434F148-A0AF-4A6C-8AF6-D648C57AC67D}" type="datetimeFigureOut">
               <a:rPr lang="hu-HU" smtClean="0"/>
-              <a:t>2025. 05. 24.</a:t>
+              <a:t>2025. 05. 26.</a:t>
             </a:fld>
             <a:endParaRPr lang="hu-HU"/>
           </a:p>
@@ -1982,7 +1982,7 @@
           <p:cNvPr id="4" name="Élőláb helye 3">
             <a:extLst>
               <a:ext uri="{FF2B5EF4-FFF2-40B4-BE49-F238E27FC236}">
-                <a16:creationId xmlns:a16="http://schemas.microsoft.com/office/drawing/2014/main" id="{624E877A-30FF-4EBA-2B4B-EFAB852B7B2F}"/>
+                <a16:creationId xmlns:a16="http://schemas.microsoft.com/office/drawing/2014/main" xmlns="" id="{624E877A-30FF-4EBA-2B4B-EFAB852B7B2F}"/>
               </a:ext>
             </a:extLst>
           </p:cNvPr>
@@ -2007,7 +2007,7 @@
           <p:cNvPr id="5" name="Dia számának helye 4">
             <a:extLst>
               <a:ext uri="{FF2B5EF4-FFF2-40B4-BE49-F238E27FC236}">
-                <a16:creationId xmlns:a16="http://schemas.microsoft.com/office/drawing/2014/main" id="{31443C7A-9198-3E1E-F393-14841977E35D}"/>
+                <a16:creationId xmlns:a16="http://schemas.microsoft.com/office/drawing/2014/main" xmlns="" id="{31443C7A-9198-3E1E-F393-14841977E35D}"/>
               </a:ext>
             </a:extLst>
           </p:cNvPr>
@@ -2066,7 +2066,7 @@
           <p:cNvPr id="2" name="Dátum helye 1">
             <a:extLst>
               <a:ext uri="{FF2B5EF4-FFF2-40B4-BE49-F238E27FC236}">
-                <a16:creationId xmlns:a16="http://schemas.microsoft.com/office/drawing/2014/main" id="{1AE7904D-A8B9-303A-E6B9-ED09FA2061D0}"/>
+                <a16:creationId xmlns:a16="http://schemas.microsoft.com/office/drawing/2014/main" xmlns="" id="{1AE7904D-A8B9-303A-E6B9-ED09FA2061D0}"/>
               </a:ext>
             </a:extLst>
           </p:cNvPr>
@@ -2084,7 +2084,7 @@
           <a:p>
             <a:fld id="{3434F148-A0AF-4A6C-8AF6-D648C57AC67D}" type="datetimeFigureOut">
               <a:rPr lang="hu-HU" smtClean="0"/>
-              <a:t>2025. 05. 24.</a:t>
+              <a:t>2025. 05. 26.</a:t>
             </a:fld>
             <a:endParaRPr lang="hu-HU"/>
           </a:p>
@@ -2095,7 +2095,7 @@
           <p:cNvPr id="3" name="Élőláb helye 2">
             <a:extLst>
               <a:ext uri="{FF2B5EF4-FFF2-40B4-BE49-F238E27FC236}">
-                <a16:creationId xmlns:a16="http://schemas.microsoft.com/office/drawing/2014/main" id="{EB7F6395-785F-8D9D-A0B2-D5FA4B1CB867}"/>
+                <a16:creationId xmlns:a16="http://schemas.microsoft.com/office/drawing/2014/main" xmlns="" id="{EB7F6395-785F-8D9D-A0B2-D5FA4B1CB867}"/>
               </a:ext>
             </a:extLst>
           </p:cNvPr>
@@ -2120,7 +2120,7 @@
           <p:cNvPr id="4" name="Dia számának helye 3">
             <a:extLst>
               <a:ext uri="{FF2B5EF4-FFF2-40B4-BE49-F238E27FC236}">
-                <a16:creationId xmlns:a16="http://schemas.microsoft.com/office/drawing/2014/main" id="{A2347D24-7D32-EF92-86E3-3D9B194C8B3E}"/>
+                <a16:creationId xmlns:a16="http://schemas.microsoft.com/office/drawing/2014/main" xmlns="" id="{A2347D24-7D32-EF92-86E3-3D9B194C8B3E}"/>
               </a:ext>
             </a:extLst>
           </p:cNvPr>
@@ -2179,7 +2179,7 @@
           <p:cNvPr id="2" name="Cím 1">
             <a:extLst>
               <a:ext uri="{FF2B5EF4-FFF2-40B4-BE49-F238E27FC236}">
-                <a16:creationId xmlns:a16="http://schemas.microsoft.com/office/drawing/2014/main" id="{1E360EAC-2FD8-97BA-05D0-359BBF3FEFB6}"/>
+                <a16:creationId xmlns:a16="http://schemas.microsoft.com/office/drawing/2014/main" xmlns="" id="{1E360EAC-2FD8-97BA-05D0-359BBF3FEFB6}"/>
               </a:ext>
             </a:extLst>
           </p:cNvPr>
@@ -2216,7 +2216,7 @@
           <p:cNvPr id="3" name="Tartalom helye 2">
             <a:extLst>
               <a:ext uri="{FF2B5EF4-FFF2-40B4-BE49-F238E27FC236}">
-                <a16:creationId xmlns:a16="http://schemas.microsoft.com/office/drawing/2014/main" id="{854D6F55-A988-5133-0B07-DA2DDE1AB0AD}"/>
+                <a16:creationId xmlns:a16="http://schemas.microsoft.com/office/drawing/2014/main" xmlns="" id="{854D6F55-A988-5133-0B07-DA2DDE1AB0AD}"/>
               </a:ext>
             </a:extLst>
           </p:cNvPr>
@@ -2306,7 +2306,7 @@
           <p:cNvPr id="4" name="Szöveg helye 3">
             <a:extLst>
               <a:ext uri="{FF2B5EF4-FFF2-40B4-BE49-F238E27FC236}">
-                <a16:creationId xmlns:a16="http://schemas.microsoft.com/office/drawing/2014/main" id="{5DB63E90-A431-1E0B-B372-727DE151ECAA}"/>
+                <a16:creationId xmlns:a16="http://schemas.microsoft.com/office/drawing/2014/main" xmlns="" id="{5DB63E90-A431-1E0B-B372-727DE151ECAA}"/>
               </a:ext>
             </a:extLst>
           </p:cNvPr>
@@ -2377,7 +2377,7 @@
           <p:cNvPr id="5" name="Dátum helye 4">
             <a:extLst>
               <a:ext uri="{FF2B5EF4-FFF2-40B4-BE49-F238E27FC236}">
-                <a16:creationId xmlns:a16="http://schemas.microsoft.com/office/drawing/2014/main" id="{B03E9A80-B675-E2BB-E59D-4034E54368B3}"/>
+                <a16:creationId xmlns:a16="http://schemas.microsoft.com/office/drawing/2014/main" xmlns="" id="{B03E9A80-B675-E2BB-E59D-4034E54368B3}"/>
               </a:ext>
             </a:extLst>
           </p:cNvPr>
@@ -2395,7 +2395,7 @@
           <a:p>
             <a:fld id="{3434F148-A0AF-4A6C-8AF6-D648C57AC67D}" type="datetimeFigureOut">
               <a:rPr lang="hu-HU" smtClean="0"/>
-              <a:t>2025. 05. 24.</a:t>
+              <a:t>2025. 05. 26.</a:t>
             </a:fld>
             <a:endParaRPr lang="hu-HU"/>
           </a:p>
@@ -2406,7 +2406,7 @@
           <p:cNvPr id="6" name="Élőláb helye 5">
             <a:extLst>
               <a:ext uri="{FF2B5EF4-FFF2-40B4-BE49-F238E27FC236}">
-                <a16:creationId xmlns:a16="http://schemas.microsoft.com/office/drawing/2014/main" id="{E57FBA2A-E6F3-B32C-E43C-6E9DF62464E3}"/>
+                <a16:creationId xmlns:a16="http://schemas.microsoft.com/office/drawing/2014/main" xmlns="" id="{E57FBA2A-E6F3-B32C-E43C-6E9DF62464E3}"/>
               </a:ext>
             </a:extLst>
           </p:cNvPr>
@@ -2431,7 +2431,7 @@
           <p:cNvPr id="7" name="Dia számának helye 6">
             <a:extLst>
               <a:ext uri="{FF2B5EF4-FFF2-40B4-BE49-F238E27FC236}">
-                <a16:creationId xmlns:a16="http://schemas.microsoft.com/office/drawing/2014/main" id="{076A9DA0-EACF-1A4A-AD8A-95D949D22BD9}"/>
+                <a16:creationId xmlns:a16="http://schemas.microsoft.com/office/drawing/2014/main" xmlns="" id="{076A9DA0-EACF-1A4A-AD8A-95D949D22BD9}"/>
               </a:ext>
             </a:extLst>
           </p:cNvPr>
@@ -2490,7 +2490,7 @@
           <p:cNvPr id="2" name="Cím 1">
             <a:extLst>
               <a:ext uri="{FF2B5EF4-FFF2-40B4-BE49-F238E27FC236}">
-                <a16:creationId xmlns:a16="http://schemas.microsoft.com/office/drawing/2014/main" id="{D9CBA1E7-1BD1-E0BA-ADEF-35435472D52C}"/>
+                <a16:creationId xmlns:a16="http://schemas.microsoft.com/office/drawing/2014/main" xmlns="" id="{D9CBA1E7-1BD1-E0BA-ADEF-35435472D52C}"/>
               </a:ext>
             </a:extLst>
           </p:cNvPr>
@@ -2527,7 +2527,7 @@
           <p:cNvPr id="3" name="Kép helye 2">
             <a:extLst>
               <a:ext uri="{FF2B5EF4-FFF2-40B4-BE49-F238E27FC236}">
-                <a16:creationId xmlns:a16="http://schemas.microsoft.com/office/drawing/2014/main" id="{4C869A2D-CF1C-26BE-7B33-EE901B1A16C1}"/>
+                <a16:creationId xmlns:a16="http://schemas.microsoft.com/office/drawing/2014/main" xmlns="" id="{4C869A2D-CF1C-26BE-7B33-EE901B1A16C1}"/>
               </a:ext>
             </a:extLst>
           </p:cNvPr>
@@ -2594,7 +2594,7 @@
           <p:cNvPr id="4" name="Szöveg helye 3">
             <a:extLst>
               <a:ext uri="{FF2B5EF4-FFF2-40B4-BE49-F238E27FC236}">
-                <a16:creationId xmlns:a16="http://schemas.microsoft.com/office/drawing/2014/main" id="{67BC8E21-25BB-6C38-6AAB-8FD4A369DE60}"/>
+                <a16:creationId xmlns:a16="http://schemas.microsoft.com/office/drawing/2014/main" xmlns="" id="{67BC8E21-25BB-6C38-6AAB-8FD4A369DE60}"/>
               </a:ext>
             </a:extLst>
           </p:cNvPr>
@@ -2665,7 +2665,7 @@
           <p:cNvPr id="5" name="Dátum helye 4">
             <a:extLst>
               <a:ext uri="{FF2B5EF4-FFF2-40B4-BE49-F238E27FC236}">
-                <a16:creationId xmlns:a16="http://schemas.microsoft.com/office/drawing/2014/main" id="{C1D36AC9-2581-EB4B-123F-AF6151CF37E1}"/>
+                <a16:creationId xmlns:a16="http://schemas.microsoft.com/office/drawing/2014/main" xmlns="" id="{C1D36AC9-2581-EB4B-123F-AF6151CF37E1}"/>
               </a:ext>
             </a:extLst>
           </p:cNvPr>
@@ -2683,7 +2683,7 @@
           <a:p>
             <a:fld id="{3434F148-A0AF-4A6C-8AF6-D648C57AC67D}" type="datetimeFigureOut">
               <a:rPr lang="hu-HU" smtClean="0"/>
-              <a:t>2025. 05. 24.</a:t>
+              <a:t>2025. 05. 26.</a:t>
             </a:fld>
             <a:endParaRPr lang="hu-HU"/>
           </a:p>
@@ -2694,7 +2694,7 @@
           <p:cNvPr id="6" name="Élőláb helye 5">
             <a:extLst>
               <a:ext uri="{FF2B5EF4-FFF2-40B4-BE49-F238E27FC236}">
-                <a16:creationId xmlns:a16="http://schemas.microsoft.com/office/drawing/2014/main" id="{27A25DD1-4872-EB8C-9A15-958F390F123D}"/>
+                <a16:creationId xmlns:a16="http://schemas.microsoft.com/office/drawing/2014/main" xmlns="" id="{27A25DD1-4872-EB8C-9A15-958F390F123D}"/>
               </a:ext>
             </a:extLst>
           </p:cNvPr>
@@ -2719,7 +2719,7 @@
           <p:cNvPr id="7" name="Dia számának helye 6">
             <a:extLst>
               <a:ext uri="{FF2B5EF4-FFF2-40B4-BE49-F238E27FC236}">
-                <a16:creationId xmlns:a16="http://schemas.microsoft.com/office/drawing/2014/main" id="{6EC02751-8DD0-BA93-ECE2-EF4E1B01D2EA}"/>
+                <a16:creationId xmlns:a16="http://schemas.microsoft.com/office/drawing/2014/main" xmlns="" id="{6EC02751-8DD0-BA93-ECE2-EF4E1B01D2EA}"/>
               </a:ext>
             </a:extLst>
           </p:cNvPr>
@@ -2786,7 +2786,7 @@
           <p:cNvPr id="2" name="Cím helye 1">
             <a:extLst>
               <a:ext uri="{FF2B5EF4-FFF2-40B4-BE49-F238E27FC236}">
-                <a16:creationId xmlns:a16="http://schemas.microsoft.com/office/drawing/2014/main" id="{240D39A3-B419-CDDA-9D50-27EBF0920DCB}"/>
+                <a16:creationId xmlns:a16="http://schemas.microsoft.com/office/drawing/2014/main" xmlns="" id="{240D39A3-B419-CDDA-9D50-27EBF0920DCB}"/>
               </a:ext>
             </a:extLst>
           </p:cNvPr>
@@ -2824,7 +2824,7 @@
           <p:cNvPr id="3" name="Szöveg helye 2">
             <a:extLst>
               <a:ext uri="{FF2B5EF4-FFF2-40B4-BE49-F238E27FC236}">
-                <a16:creationId xmlns:a16="http://schemas.microsoft.com/office/drawing/2014/main" id="{F21D3007-480D-2651-9C5B-E1491807286A}"/>
+                <a16:creationId xmlns:a16="http://schemas.microsoft.com/office/drawing/2014/main" xmlns="" id="{F21D3007-480D-2651-9C5B-E1491807286A}"/>
               </a:ext>
             </a:extLst>
           </p:cNvPr>
@@ -2891,7 +2891,7 @@
           <p:cNvPr id="4" name="Dátum helye 3">
             <a:extLst>
               <a:ext uri="{FF2B5EF4-FFF2-40B4-BE49-F238E27FC236}">
-                <a16:creationId xmlns:a16="http://schemas.microsoft.com/office/drawing/2014/main" id="{DD214F30-DDAE-58D6-13BC-ADD239443915}"/>
+                <a16:creationId xmlns:a16="http://schemas.microsoft.com/office/drawing/2014/main" xmlns="" id="{DD214F30-DDAE-58D6-13BC-ADD239443915}"/>
               </a:ext>
             </a:extLst>
           </p:cNvPr>
@@ -2927,7 +2927,7 @@
           <a:p>
             <a:fld id="{3434F148-A0AF-4A6C-8AF6-D648C57AC67D}" type="datetimeFigureOut">
               <a:rPr lang="hu-HU" smtClean="0"/>
-              <a:t>2025. 05. 24.</a:t>
+              <a:t>2025. 05. 26.</a:t>
             </a:fld>
             <a:endParaRPr lang="hu-HU"/>
           </a:p>
@@ -2938,7 +2938,7 @@
           <p:cNvPr id="5" name="Élőláb helye 4">
             <a:extLst>
               <a:ext uri="{FF2B5EF4-FFF2-40B4-BE49-F238E27FC236}">
-                <a16:creationId xmlns:a16="http://schemas.microsoft.com/office/drawing/2014/main" id="{135BDBAC-551C-9370-3599-C43BA5A89CFF}"/>
+                <a16:creationId xmlns:a16="http://schemas.microsoft.com/office/drawing/2014/main" xmlns="" id="{135BDBAC-551C-9370-3599-C43BA5A89CFF}"/>
               </a:ext>
             </a:extLst>
           </p:cNvPr>
@@ -2981,7 +2981,7 @@
           <p:cNvPr id="6" name="Dia számának helye 5">
             <a:extLst>
               <a:ext uri="{FF2B5EF4-FFF2-40B4-BE49-F238E27FC236}">
-                <a16:creationId xmlns:a16="http://schemas.microsoft.com/office/drawing/2014/main" id="{5D05E3A7-8777-D047-CD84-4552368DAD49}"/>
+                <a16:creationId xmlns:a16="http://schemas.microsoft.com/office/drawing/2014/main" xmlns="" id="{5D05E3A7-8777-D047-CD84-4552368DAD49}"/>
               </a:ext>
             </a:extLst>
           </p:cNvPr>
@@ -3357,7 +3357,7 @@
           <p:cNvPr id="2" name="Cím 1">
             <a:extLst>
               <a:ext uri="{FF2B5EF4-FFF2-40B4-BE49-F238E27FC236}">
-                <a16:creationId xmlns:a16="http://schemas.microsoft.com/office/drawing/2014/main" id="{95731D92-F354-2090-8D62-55510B014160}"/>
+                <a16:creationId xmlns:a16="http://schemas.microsoft.com/office/drawing/2014/main" xmlns="" id="{95731D92-F354-2090-8D62-55510B014160}"/>
               </a:ext>
             </a:extLst>
           </p:cNvPr>
@@ -3387,7 +3387,7 @@
           <p:cNvPr id="3" name="Alcím 2">
             <a:extLst>
               <a:ext uri="{FF2B5EF4-FFF2-40B4-BE49-F238E27FC236}">
-                <a16:creationId xmlns:a16="http://schemas.microsoft.com/office/drawing/2014/main" id="{65EE1472-BB5A-0178-9305-A8F1C398355C}"/>
+                <a16:creationId xmlns:a16="http://schemas.microsoft.com/office/drawing/2014/main" xmlns="" id="{65EE1472-BB5A-0178-9305-A8F1C398355C}"/>
               </a:ext>
             </a:extLst>
           </p:cNvPr>
@@ -3422,6 +3422,13 @@
   <p:clrMapOvr>
     <a:masterClrMapping/>
   </p:clrMapOvr>
+  <p:timing>
+    <p:tnLst>
+      <p:par>
+        <p:cTn id="1" dur="indefinite" restart="never" nodeType="tmRoot"/>
+      </p:par>
+    </p:tnLst>
+  </p:timing>
 </p:sld>
 </file>
 
@@ -3447,7 +3454,7 @@
           <p:cNvPr id="2" name="Cím 1">
             <a:extLst>
               <a:ext uri="{FF2B5EF4-FFF2-40B4-BE49-F238E27FC236}">
-                <a16:creationId xmlns:a16="http://schemas.microsoft.com/office/drawing/2014/main" id="{EA970709-3BCE-5144-9A69-45E15E3D51C0}"/>
+                <a16:creationId xmlns:a16="http://schemas.microsoft.com/office/drawing/2014/main" xmlns="" id="{EA970709-3BCE-5144-9A69-45E15E3D51C0}"/>
               </a:ext>
             </a:extLst>
           </p:cNvPr>
@@ -3482,7 +3489,7 @@
           <p:cNvPr id="3" name="Tartalom helye 2">
             <a:extLst>
               <a:ext uri="{FF2B5EF4-FFF2-40B4-BE49-F238E27FC236}">
-                <a16:creationId xmlns:a16="http://schemas.microsoft.com/office/drawing/2014/main" id="{A6F78135-C67A-3A8A-13BD-EA557CD9DBE4}"/>
+                <a16:creationId xmlns:a16="http://schemas.microsoft.com/office/drawing/2014/main" xmlns="" id="{A6F78135-C67A-3A8A-13BD-EA557CD9DBE4}"/>
               </a:ext>
             </a:extLst>
           </p:cNvPr>
@@ -3495,7 +3502,9 @@
         </p:nvSpPr>
         <p:spPr/>
         <p:txBody>
-          <a:bodyPr/>
+          <a:bodyPr>
+            <a:normAutofit fontScale="92500" lnSpcReduction="10000"/>
+          </a:bodyPr>
           <a:lstStyle/>
           <a:p>
             <a:pPr>
@@ -3571,7 +3580,7 @@
               <a:t>Admin </a:t>
             </a:r>
             <a:r>
-              <a:rPr lang="en-GB" noProof="0" dirty="0" err="1"/>
+              <a:rPr lang="en-GB" noProof="0" dirty="0" err="1" smtClean="0"/>
               <a:t>felület</a:t>
             </a:r>
             <a:endParaRPr lang="hu-HU" noProof="0" dirty="0"/>
@@ -3591,9 +3600,29 @@
               <a:t> </a:t>
             </a:r>
             <a:r>
-              <a:rPr lang="en-GB" dirty="0" err="1"/>
+              <a:rPr lang="en-GB" dirty="0" err="1" smtClean="0"/>
               <a:t>lehetőségek</a:t>
             </a:r>
+            <a:endParaRPr lang="hu-HU" dirty="0" smtClean="0"/>
+          </a:p>
+          <a:p>
+            <a:pPr>
+              <a:lnSpc>
+                <a:spcPct val="150000"/>
+              </a:lnSpc>
+            </a:pPr>
+            <a:r>
+              <a:rPr lang="hu-HU" dirty="0" smtClean="0"/>
+              <a:t>Kód</a:t>
+            </a:r>
+            <a:endParaRPr lang="hu-HU" dirty="0" smtClean="0"/>
+          </a:p>
+          <a:p>
+            <a:pPr>
+              <a:lnSpc>
+                <a:spcPct val="150000"/>
+              </a:lnSpc>
+            </a:pPr>
             <a:endParaRPr lang="hu-HU" noProof="0" dirty="0"/>
           </a:p>
         </p:txBody>
@@ -3608,6 +3637,13 @@
   <p:clrMapOvr>
     <a:masterClrMapping/>
   </p:clrMapOvr>
+  <p:timing>
+    <p:tnLst>
+      <p:par>
+        <p:cTn id="1" dur="indefinite" restart="never" nodeType="tmRoot"/>
+      </p:par>
+    </p:tnLst>
+  </p:timing>
 </p:sld>
 </file>
 
@@ -3633,7 +3669,7 @@
           <p:cNvPr id="2" name="Cím 1">
             <a:extLst>
               <a:ext uri="{FF2B5EF4-FFF2-40B4-BE49-F238E27FC236}">
-                <a16:creationId xmlns:a16="http://schemas.microsoft.com/office/drawing/2014/main" id="{2C5C7AAD-F2C5-6C79-6297-677583C5C0FD}"/>
+                <a16:creationId xmlns:a16="http://schemas.microsoft.com/office/drawing/2014/main" xmlns="" id="{2C5C7AAD-F2C5-6C79-6297-677583C5C0FD}"/>
               </a:ext>
             </a:extLst>
           </p:cNvPr>
@@ -3663,7 +3699,7 @@
           <p:cNvPr id="3" name="Tartalom helye 2">
             <a:extLst>
               <a:ext uri="{FF2B5EF4-FFF2-40B4-BE49-F238E27FC236}">
-                <a16:creationId xmlns:a16="http://schemas.microsoft.com/office/drawing/2014/main" id="{D1300D89-F45B-0B16-AE8D-F67C1B031217}"/>
+                <a16:creationId xmlns:a16="http://schemas.microsoft.com/office/drawing/2014/main" xmlns="" id="{D1300D89-F45B-0B16-AE8D-F67C1B031217}"/>
               </a:ext>
             </a:extLst>
           </p:cNvPr>
@@ -3677,7 +3713,7 @@
         <p:spPr/>
         <p:txBody>
           <a:bodyPr>
-            <a:normAutofit fontScale="92500"/>
+            <a:normAutofit fontScale="77500" lnSpcReduction="20000"/>
           </a:bodyPr>
           <a:lstStyle/>
           <a:p>
@@ -3728,6 +3764,13 @@
   <p:clrMapOvr>
     <a:masterClrMapping/>
   </p:clrMapOvr>
+  <p:timing>
+    <p:tnLst>
+      <p:par>
+        <p:cTn id="1" dur="indefinite" restart="never" nodeType="tmRoot"/>
+      </p:par>
+    </p:tnLst>
+  </p:timing>
 </p:sld>
 </file>
 
@@ -3753,7 +3796,7 @@
           <p:cNvPr id="2" name="Cím 1">
             <a:extLst>
               <a:ext uri="{FF2B5EF4-FFF2-40B4-BE49-F238E27FC236}">
-                <a16:creationId xmlns:a16="http://schemas.microsoft.com/office/drawing/2014/main" id="{245EA668-FC36-240B-2891-997517891F95}"/>
+                <a16:creationId xmlns:a16="http://schemas.microsoft.com/office/drawing/2014/main" xmlns="" id="{245EA668-FC36-240B-2891-997517891F95}"/>
               </a:ext>
             </a:extLst>
           </p:cNvPr>
@@ -3782,7 +3825,7 @@
           <p:cNvPr id="5" name="Tartalom helye 4">
             <a:extLst>
               <a:ext uri="{FF2B5EF4-FFF2-40B4-BE49-F238E27FC236}">
-                <a16:creationId xmlns:a16="http://schemas.microsoft.com/office/drawing/2014/main" id="{BA1D8273-E9E8-818D-3A94-81D744FCD986}"/>
+                <a16:creationId xmlns:a16="http://schemas.microsoft.com/office/drawing/2014/main" xmlns="" id="{BA1D8273-E9E8-818D-3A94-81D744FCD986}"/>
               </a:ext>
             </a:extLst>
           </p:cNvPr>
@@ -3811,7 +3854,7 @@
           <p:cNvPr id="9" name="Kép 8">
             <a:extLst>
               <a:ext uri="{FF2B5EF4-FFF2-40B4-BE49-F238E27FC236}">
-                <a16:creationId xmlns:a16="http://schemas.microsoft.com/office/drawing/2014/main" id="{1866824C-47CD-9344-D8C1-15DC0E9BD721}"/>
+                <a16:creationId xmlns:a16="http://schemas.microsoft.com/office/drawing/2014/main" xmlns="" id="{1866824C-47CD-9344-D8C1-15DC0E9BD721}"/>
               </a:ext>
             </a:extLst>
           </p:cNvPr>
@@ -3973,7 +4016,7 @@
           <p:cNvPr id="7" name="Kép 6">
             <a:extLst>
               <a:ext uri="{FF2B5EF4-FFF2-40B4-BE49-F238E27FC236}">
-                <a16:creationId xmlns:a16="http://schemas.microsoft.com/office/drawing/2014/main" id="{252B1897-D80D-921E-3E37-F29611969CE9}"/>
+                <a16:creationId xmlns:a16="http://schemas.microsoft.com/office/drawing/2014/main" xmlns="" id="{252B1897-D80D-921E-3E37-F29611969CE9}"/>
               </a:ext>
             </a:extLst>
           </p:cNvPr>
@@ -4003,7 +4046,7 @@
           <p:cNvPr id="9" name="Kép 8">
             <a:extLst>
               <a:ext uri="{FF2B5EF4-FFF2-40B4-BE49-F238E27FC236}">
-                <a16:creationId xmlns:a16="http://schemas.microsoft.com/office/drawing/2014/main" id="{EAD5090D-7793-BC25-D41B-D1309502ACD9}"/>
+                <a16:creationId xmlns:a16="http://schemas.microsoft.com/office/drawing/2014/main" xmlns="" id="{EAD5090D-7793-BC25-D41B-D1309502ACD9}"/>
               </a:ext>
             </a:extLst>
           </p:cNvPr>
@@ -4033,7 +4076,7 @@
           <p:cNvPr id="11" name="Kép 10">
             <a:extLst>
               <a:ext uri="{FF2B5EF4-FFF2-40B4-BE49-F238E27FC236}">
-                <a16:creationId xmlns:a16="http://schemas.microsoft.com/office/drawing/2014/main" id="{F56C9E0B-641E-9C29-FD59-8F4AA8FE2F8B}"/>
+                <a16:creationId xmlns:a16="http://schemas.microsoft.com/office/drawing/2014/main" xmlns="" id="{F56C9E0B-641E-9C29-FD59-8F4AA8FE2F8B}"/>
               </a:ext>
             </a:extLst>
           </p:cNvPr>
@@ -4063,7 +4106,7 @@
           <p:cNvPr id="17" name="Szövegdoboz 16">
             <a:extLst>
               <a:ext uri="{FF2B5EF4-FFF2-40B4-BE49-F238E27FC236}">
-                <a16:creationId xmlns:a16="http://schemas.microsoft.com/office/drawing/2014/main" id="{0AC3402A-F2E6-AAAC-B5D4-E8E741B2766E}"/>
+                <a16:creationId xmlns:a16="http://schemas.microsoft.com/office/drawing/2014/main" xmlns="" id="{0AC3402A-F2E6-AAAC-B5D4-E8E741B2766E}"/>
               </a:ext>
             </a:extLst>
           </p:cNvPr>
@@ -4099,7 +4142,7 @@
           <p:cNvPr id="18" name="Szövegdoboz 17">
             <a:extLst>
               <a:ext uri="{FF2B5EF4-FFF2-40B4-BE49-F238E27FC236}">
-                <a16:creationId xmlns:a16="http://schemas.microsoft.com/office/drawing/2014/main" id="{071C04A1-0E02-0FE0-3478-1DF958168D3B}"/>
+                <a16:creationId xmlns:a16="http://schemas.microsoft.com/office/drawing/2014/main" xmlns="" id="{071C04A1-0E02-0FE0-3478-1DF958168D3B}"/>
               </a:ext>
             </a:extLst>
           </p:cNvPr>
@@ -4143,7 +4186,7 @@
           <p:cNvPr id="19" name="Szövegdoboz 18">
             <a:extLst>
               <a:ext uri="{FF2B5EF4-FFF2-40B4-BE49-F238E27FC236}">
-                <a16:creationId xmlns:a16="http://schemas.microsoft.com/office/drawing/2014/main" id="{5B3B5F66-E36E-17AE-25D4-646B2DEF276D}"/>
+                <a16:creationId xmlns:a16="http://schemas.microsoft.com/office/drawing/2014/main" xmlns="" id="{5B3B5F66-E36E-17AE-25D4-646B2DEF276D}"/>
               </a:ext>
             </a:extLst>
           </p:cNvPr>
@@ -4403,7 +4446,7 @@
           <p:cNvPr id="2" name="Cím 1">
             <a:extLst>
               <a:ext uri="{FF2B5EF4-FFF2-40B4-BE49-F238E27FC236}">
-                <a16:creationId xmlns:a16="http://schemas.microsoft.com/office/drawing/2014/main" id="{F112EA45-9EA5-0DCB-9C88-DB772AFA2B75}"/>
+                <a16:creationId xmlns:a16="http://schemas.microsoft.com/office/drawing/2014/main" xmlns="" id="{F112EA45-9EA5-0DCB-9C88-DB772AFA2B75}"/>
               </a:ext>
             </a:extLst>
           </p:cNvPr>
@@ -4431,7 +4474,7 @@
           <p:cNvPr id="9" name="Kép 8">
             <a:extLst>
               <a:ext uri="{FF2B5EF4-FFF2-40B4-BE49-F238E27FC236}">
-                <a16:creationId xmlns:a16="http://schemas.microsoft.com/office/drawing/2014/main" id="{8C990788-A662-6A78-2401-8B6CB704384A}"/>
+                <a16:creationId xmlns:a16="http://schemas.microsoft.com/office/drawing/2014/main" xmlns="" id="{8C990788-A662-6A78-2401-8B6CB704384A}"/>
               </a:ext>
             </a:extLst>
           </p:cNvPr>
@@ -4461,7 +4504,7 @@
           <p:cNvPr id="13" name="Kép 12">
             <a:extLst>
               <a:ext uri="{FF2B5EF4-FFF2-40B4-BE49-F238E27FC236}">
-                <a16:creationId xmlns:a16="http://schemas.microsoft.com/office/drawing/2014/main" id="{2A0D0057-78FD-89E4-C000-F46D0216D3E1}"/>
+                <a16:creationId xmlns:a16="http://schemas.microsoft.com/office/drawing/2014/main" xmlns="" id="{2A0D0057-78FD-89E4-C000-F46D0216D3E1}"/>
               </a:ext>
             </a:extLst>
           </p:cNvPr>
@@ -4623,7 +4666,7 @@
           <p:cNvPr id="2" name="Cím 1">
             <a:extLst>
               <a:ext uri="{FF2B5EF4-FFF2-40B4-BE49-F238E27FC236}">
-                <a16:creationId xmlns:a16="http://schemas.microsoft.com/office/drawing/2014/main" id="{77523038-2A0E-2292-08BC-685F1238E0E3}"/>
+                <a16:creationId xmlns:a16="http://schemas.microsoft.com/office/drawing/2014/main" xmlns="" id="{77523038-2A0E-2292-08BC-685F1238E0E3}"/>
               </a:ext>
             </a:extLst>
           </p:cNvPr>
@@ -4652,7 +4695,7 @@
           <p:cNvPr id="5" name="Tartalom helye 4">
             <a:extLst>
               <a:ext uri="{FF2B5EF4-FFF2-40B4-BE49-F238E27FC236}">
-                <a16:creationId xmlns:a16="http://schemas.microsoft.com/office/drawing/2014/main" id="{FF8DF6C7-92E9-B5FA-D180-E81D84A9D980}"/>
+                <a16:creationId xmlns:a16="http://schemas.microsoft.com/office/drawing/2014/main" xmlns="" id="{FF8DF6C7-92E9-B5FA-D180-E81D84A9D980}"/>
               </a:ext>
             </a:extLst>
           </p:cNvPr>
@@ -4681,7 +4724,7 @@
           <p:cNvPr id="7" name="Kép 6">
             <a:extLst>
               <a:ext uri="{FF2B5EF4-FFF2-40B4-BE49-F238E27FC236}">
-                <a16:creationId xmlns:a16="http://schemas.microsoft.com/office/drawing/2014/main" id="{F013B305-6F0A-5D50-C51E-DF51244DFFF9}"/>
+                <a16:creationId xmlns:a16="http://schemas.microsoft.com/office/drawing/2014/main" xmlns="" id="{F013B305-6F0A-5D50-C51E-DF51244DFFF9}"/>
               </a:ext>
             </a:extLst>
           </p:cNvPr>
@@ -4711,7 +4754,7 @@
           <p:cNvPr id="11" name="Kép 10">
             <a:extLst>
               <a:ext uri="{FF2B5EF4-FFF2-40B4-BE49-F238E27FC236}">
-                <a16:creationId xmlns:a16="http://schemas.microsoft.com/office/drawing/2014/main" id="{0DF894E4-E167-8EEB-994D-298E283AF3C1}"/>
+                <a16:creationId xmlns:a16="http://schemas.microsoft.com/office/drawing/2014/main" xmlns="" id="{0DF894E4-E167-8EEB-994D-298E283AF3C1}"/>
               </a:ext>
             </a:extLst>
           </p:cNvPr>
@@ -4741,7 +4784,7 @@
           <p:cNvPr id="18" name="Kép 17">
             <a:extLst>
               <a:ext uri="{FF2B5EF4-FFF2-40B4-BE49-F238E27FC236}">
-                <a16:creationId xmlns:a16="http://schemas.microsoft.com/office/drawing/2014/main" id="{7592C0F7-37F7-2964-DC05-56DED86CEC4E}"/>
+                <a16:creationId xmlns:a16="http://schemas.microsoft.com/office/drawing/2014/main" xmlns="" id="{7592C0F7-37F7-2964-DC05-56DED86CEC4E}"/>
               </a:ext>
             </a:extLst>
           </p:cNvPr>
@@ -4771,7 +4814,7 @@
           <p:cNvPr id="21" name="Kép 20">
             <a:extLst>
               <a:ext uri="{FF2B5EF4-FFF2-40B4-BE49-F238E27FC236}">
-                <a16:creationId xmlns:a16="http://schemas.microsoft.com/office/drawing/2014/main" id="{12413BDF-7A02-151B-E6E1-C302D1278151}"/>
+                <a16:creationId xmlns:a16="http://schemas.microsoft.com/office/drawing/2014/main" xmlns="" id="{12413BDF-7A02-151B-E6E1-C302D1278151}"/>
               </a:ext>
             </a:extLst>
           </p:cNvPr>
@@ -5086,7 +5129,7 @@
           <p:cNvPr id="2" name="Cím 1">
             <a:extLst>
               <a:ext uri="{FF2B5EF4-FFF2-40B4-BE49-F238E27FC236}">
-                <a16:creationId xmlns:a16="http://schemas.microsoft.com/office/drawing/2014/main" id="{2102A77B-DBE6-2814-3699-0C88D708B2FB}"/>
+                <a16:creationId xmlns:a16="http://schemas.microsoft.com/office/drawing/2014/main" xmlns="" id="{2102A77B-DBE6-2814-3699-0C88D708B2FB}"/>
               </a:ext>
             </a:extLst>
           </p:cNvPr>
@@ -5103,24 +5146,35 @@
           <a:lstStyle/>
           <a:p>
             <a:endParaRPr lang="hu-HU" dirty="0"/>
+          </a:p>
+        </p:txBody>
+      </p:sp>
+      <p:sp>
+        <p:nvSpPr>
+          <p:cNvPr id="3" name="Tartalom helye 2"/>
+          <p:cNvSpPr>
+            <a:spLocks noGrp="1"/>
+          </p:cNvSpPr>
+          <p:nvPr>
+            <p:ph idx="1"/>
+          </p:nvPr>
+        </p:nvSpPr>
+        <p:spPr/>
+        <p:txBody>
+          <a:bodyPr/>
+          <a:lstStyle/>
+          <a:p>
+            <a:endParaRPr lang="hu-HU"/>
           </a:p>
         </p:txBody>
       </p:sp>
       <p:pic>
         <p:nvPicPr>
-          <p:cNvPr id="9" name="Tartalom helye 8" descr="A képen szöveg, képernyőkép látható&#10;&#10;Előfordulhat, hogy a mesterséges intelligencia által létrehozott tartalom helytelen.">
-            <a:extLst>
-              <a:ext uri="{FF2B5EF4-FFF2-40B4-BE49-F238E27FC236}">
-                <a16:creationId xmlns:a16="http://schemas.microsoft.com/office/drawing/2014/main" id="{64DC441A-4510-4019-17FF-D3054B49A836}"/>
-              </a:ext>
-            </a:extLst>
-          </p:cNvPr>
+          <p:cNvPr id="1026" name="Picture 2" descr="https://cdn.discordapp.com/attachments/1266335986896338966/1372267736045977702/image.png?ex=683550ab&amp;is=6833ff2b&amp;hm=a909c8bf96562febd7d334207f29fd93f1e5f40ca98af530dab7b46ac32cbb86&amp;"/>
           <p:cNvPicPr>
-            <a:picLocks noGrp="1" noChangeAspect="1"/>
+            <a:picLocks noChangeAspect="1" noChangeArrowheads="1"/>
           </p:cNvPicPr>
-          <p:nvPr>
-            <p:ph idx="1"/>
-          </p:nvPr>
+          <p:nvPr/>
         </p:nvPicPr>
         <p:blipFill>
           <a:blip r:embed="rId2">
@@ -5130,15 +5184,29 @@
               </a:ext>
             </a:extLst>
           </a:blip>
+          <a:srcRect/>
           <a:stretch>
             <a:fillRect/>
           </a:stretch>
         </p:blipFill>
-        <p:spPr>
+        <p:spPr bwMode="auto">
           <a:xfrm>
-            <a:off x="2745394" y="565502"/>
-            <a:ext cx="6701211" cy="5726996"/>
+            <a:off x="3186158" y="156755"/>
+            <a:ext cx="5644333" cy="6541790"/>
           </a:xfrm>
+          <a:prstGeom prst="rect">
+            <a:avLst/>
+          </a:prstGeom>
+          <a:noFill/>
+          <a:extLst>
+            <a:ext uri="{909E8E84-426E-40DD-AFC4-6F175D3DCCD1}">
+              <a14:hiddenFill xmlns:a14="http://schemas.microsoft.com/office/drawing/2010/main">
+                <a:solidFill>
+                  <a:srgbClr val="FFFFFF"/>
+                </a:solidFill>
+              </a14:hiddenFill>
+            </a:ext>
+          </a:extLst>
         </p:spPr>
       </p:pic>
     </p:spTree>
@@ -5151,6 +5219,13 @@
   <p:clrMapOvr>
     <a:masterClrMapping/>
   </p:clrMapOvr>
+  <p:timing>
+    <p:tnLst>
+      <p:par>
+        <p:cTn id="1" dur="indefinite" restart="never" nodeType="tmRoot"/>
+      </p:par>
+    </p:tnLst>
+  </p:timing>
 </p:sld>
 </file>
 

--- a/BZSH Külker Leltár.pptx
+++ b/BZSH Külker Leltár.pptx
@@ -12,7 +12,11 @@
     <p:sldId id="258" r:id="rId6"/>
     <p:sldId id="259" r:id="rId7"/>
     <p:sldId id="260" r:id="rId8"/>
-    <p:sldId id="265" r:id="rId9"/>
+    <p:sldId id="267" r:id="rId9"/>
+    <p:sldId id="265" r:id="rId10"/>
+    <p:sldId id="266" r:id="rId11"/>
+    <p:sldId id="268" r:id="rId12"/>
+    <p:sldId id="269" r:id="rId13"/>
   </p:sldIdLst>
   <p:sldSz cx="12192000" cy="6858000"/>
   <p:notesSz cx="6858000" cy="9144000"/>
@@ -149,7 +153,7 @@
           <p:cNvPr id="2" name="Cím 1">
             <a:extLst>
               <a:ext uri="{FF2B5EF4-FFF2-40B4-BE49-F238E27FC236}">
-                <a16:creationId xmlns:a16="http://schemas.microsoft.com/office/drawing/2014/main" xmlns="" id="{F43D28F1-0D94-238D-34C2-FE2B13D96739}"/>
+                <a16:creationId xmlns="" xmlns:a16="http://schemas.microsoft.com/office/drawing/2014/main" id="{F43D28F1-0D94-238D-34C2-FE2B13D96739}"/>
               </a:ext>
             </a:extLst>
           </p:cNvPr>
@@ -186,7 +190,7 @@
           <p:cNvPr id="3" name="Alcím 2">
             <a:extLst>
               <a:ext uri="{FF2B5EF4-FFF2-40B4-BE49-F238E27FC236}">
-                <a16:creationId xmlns:a16="http://schemas.microsoft.com/office/drawing/2014/main" xmlns="" id="{CC8680F3-0D1D-D736-672C-86648D955D28}"/>
+                <a16:creationId xmlns="" xmlns:a16="http://schemas.microsoft.com/office/drawing/2014/main" id="{CC8680F3-0D1D-D736-672C-86648D955D28}"/>
               </a:ext>
             </a:extLst>
           </p:cNvPr>
@@ -256,7 +260,7 @@
           <p:cNvPr id="4" name="Dátum helye 3">
             <a:extLst>
               <a:ext uri="{FF2B5EF4-FFF2-40B4-BE49-F238E27FC236}">
-                <a16:creationId xmlns:a16="http://schemas.microsoft.com/office/drawing/2014/main" xmlns="" id="{6E938D85-B098-E16F-A84F-785B1028F96E}"/>
+                <a16:creationId xmlns="" xmlns:a16="http://schemas.microsoft.com/office/drawing/2014/main" id="{6E938D85-B098-E16F-A84F-785B1028F96E}"/>
               </a:ext>
             </a:extLst>
           </p:cNvPr>
@@ -285,7 +289,7 @@
           <p:cNvPr id="5" name="Élőláb helye 4">
             <a:extLst>
               <a:ext uri="{FF2B5EF4-FFF2-40B4-BE49-F238E27FC236}">
-                <a16:creationId xmlns:a16="http://schemas.microsoft.com/office/drawing/2014/main" xmlns="" id="{ED1DD9C6-B4CE-10D8-7BAC-3C3BD2AADD5B}"/>
+                <a16:creationId xmlns="" xmlns:a16="http://schemas.microsoft.com/office/drawing/2014/main" id="{ED1DD9C6-B4CE-10D8-7BAC-3C3BD2AADD5B}"/>
               </a:ext>
             </a:extLst>
           </p:cNvPr>
@@ -310,7 +314,7 @@
           <p:cNvPr id="6" name="Dia számának helye 5">
             <a:extLst>
               <a:ext uri="{FF2B5EF4-FFF2-40B4-BE49-F238E27FC236}">
-                <a16:creationId xmlns:a16="http://schemas.microsoft.com/office/drawing/2014/main" xmlns="" id="{796CDBEB-AAAB-9A09-4E4D-621CD58DBB1D}"/>
+                <a16:creationId xmlns="" xmlns:a16="http://schemas.microsoft.com/office/drawing/2014/main" id="{796CDBEB-AAAB-9A09-4E4D-621CD58DBB1D}"/>
               </a:ext>
             </a:extLst>
           </p:cNvPr>
@@ -369,7 +373,7 @@
           <p:cNvPr id="2" name="Cím 1">
             <a:extLst>
               <a:ext uri="{FF2B5EF4-FFF2-40B4-BE49-F238E27FC236}">
-                <a16:creationId xmlns:a16="http://schemas.microsoft.com/office/drawing/2014/main" xmlns="" id="{BB5E1BBF-530D-C58D-C641-012AF8454339}"/>
+                <a16:creationId xmlns="" xmlns:a16="http://schemas.microsoft.com/office/drawing/2014/main" id="{BB5E1BBF-530D-C58D-C641-012AF8454339}"/>
               </a:ext>
             </a:extLst>
           </p:cNvPr>
@@ -397,7 +401,7 @@
           <p:cNvPr id="3" name="Függőleges szöveg helye 2">
             <a:extLst>
               <a:ext uri="{FF2B5EF4-FFF2-40B4-BE49-F238E27FC236}">
-                <a16:creationId xmlns:a16="http://schemas.microsoft.com/office/drawing/2014/main" xmlns="" id="{8F144DCE-A322-A30F-9E12-6E469BF50B2A}"/>
+                <a16:creationId xmlns="" xmlns:a16="http://schemas.microsoft.com/office/drawing/2014/main" id="{8F144DCE-A322-A30F-9E12-6E469BF50B2A}"/>
               </a:ext>
             </a:extLst>
           </p:cNvPr>
@@ -454,7 +458,7 @@
           <p:cNvPr id="4" name="Dátum helye 3">
             <a:extLst>
               <a:ext uri="{FF2B5EF4-FFF2-40B4-BE49-F238E27FC236}">
-                <a16:creationId xmlns:a16="http://schemas.microsoft.com/office/drawing/2014/main" xmlns="" id="{91C83273-C185-67EC-5C55-0A140848355A}"/>
+                <a16:creationId xmlns="" xmlns:a16="http://schemas.microsoft.com/office/drawing/2014/main" id="{91C83273-C185-67EC-5C55-0A140848355A}"/>
               </a:ext>
             </a:extLst>
           </p:cNvPr>
@@ -483,7 +487,7 @@
           <p:cNvPr id="5" name="Élőláb helye 4">
             <a:extLst>
               <a:ext uri="{FF2B5EF4-FFF2-40B4-BE49-F238E27FC236}">
-                <a16:creationId xmlns:a16="http://schemas.microsoft.com/office/drawing/2014/main" xmlns="" id="{4B4E6BA0-D993-9AD2-D50C-666D8B9642EE}"/>
+                <a16:creationId xmlns="" xmlns:a16="http://schemas.microsoft.com/office/drawing/2014/main" id="{4B4E6BA0-D993-9AD2-D50C-666D8B9642EE}"/>
               </a:ext>
             </a:extLst>
           </p:cNvPr>
@@ -508,7 +512,7 @@
           <p:cNvPr id="6" name="Dia számának helye 5">
             <a:extLst>
               <a:ext uri="{FF2B5EF4-FFF2-40B4-BE49-F238E27FC236}">
-                <a16:creationId xmlns:a16="http://schemas.microsoft.com/office/drawing/2014/main" xmlns="" id="{5DCD11B6-E8F2-B688-5C5B-62F6E9229279}"/>
+                <a16:creationId xmlns="" xmlns:a16="http://schemas.microsoft.com/office/drawing/2014/main" id="{5DCD11B6-E8F2-B688-5C5B-62F6E9229279}"/>
               </a:ext>
             </a:extLst>
           </p:cNvPr>
@@ -567,7 +571,7 @@
           <p:cNvPr id="2" name="Függőleges cím 1">
             <a:extLst>
               <a:ext uri="{FF2B5EF4-FFF2-40B4-BE49-F238E27FC236}">
-                <a16:creationId xmlns:a16="http://schemas.microsoft.com/office/drawing/2014/main" xmlns="" id="{8C0A087C-65BE-9C56-C7DA-AEE02471E67E}"/>
+                <a16:creationId xmlns="" xmlns:a16="http://schemas.microsoft.com/office/drawing/2014/main" id="{8C0A087C-65BE-9C56-C7DA-AEE02471E67E}"/>
               </a:ext>
             </a:extLst>
           </p:cNvPr>
@@ -600,7 +604,7 @@
           <p:cNvPr id="3" name="Függőleges szöveg helye 2">
             <a:extLst>
               <a:ext uri="{FF2B5EF4-FFF2-40B4-BE49-F238E27FC236}">
-                <a16:creationId xmlns:a16="http://schemas.microsoft.com/office/drawing/2014/main" xmlns="" id="{6F43C972-63A6-9E92-1554-663A1D556A7A}"/>
+                <a16:creationId xmlns="" xmlns:a16="http://schemas.microsoft.com/office/drawing/2014/main" id="{6F43C972-63A6-9E92-1554-663A1D556A7A}"/>
               </a:ext>
             </a:extLst>
           </p:cNvPr>
@@ -662,7 +666,7 @@
           <p:cNvPr id="4" name="Dátum helye 3">
             <a:extLst>
               <a:ext uri="{FF2B5EF4-FFF2-40B4-BE49-F238E27FC236}">
-                <a16:creationId xmlns:a16="http://schemas.microsoft.com/office/drawing/2014/main" xmlns="" id="{D0E41B63-7D2A-24A4-AB61-0AC5AF8F0C4A}"/>
+                <a16:creationId xmlns="" xmlns:a16="http://schemas.microsoft.com/office/drawing/2014/main" id="{D0E41B63-7D2A-24A4-AB61-0AC5AF8F0C4A}"/>
               </a:ext>
             </a:extLst>
           </p:cNvPr>
@@ -691,7 +695,7 @@
           <p:cNvPr id="5" name="Élőláb helye 4">
             <a:extLst>
               <a:ext uri="{FF2B5EF4-FFF2-40B4-BE49-F238E27FC236}">
-                <a16:creationId xmlns:a16="http://schemas.microsoft.com/office/drawing/2014/main" xmlns="" id="{AC1BD6AB-3F08-CFAB-6DB1-805058A1B70F}"/>
+                <a16:creationId xmlns="" xmlns:a16="http://schemas.microsoft.com/office/drawing/2014/main" id="{AC1BD6AB-3F08-CFAB-6DB1-805058A1B70F}"/>
               </a:ext>
             </a:extLst>
           </p:cNvPr>
@@ -716,7 +720,7 @@
           <p:cNvPr id="6" name="Dia számának helye 5">
             <a:extLst>
               <a:ext uri="{FF2B5EF4-FFF2-40B4-BE49-F238E27FC236}">
-                <a16:creationId xmlns:a16="http://schemas.microsoft.com/office/drawing/2014/main" xmlns="" id="{5AF40C4A-A27E-EB8B-2278-1FB8F7C66DFA}"/>
+                <a16:creationId xmlns="" xmlns:a16="http://schemas.microsoft.com/office/drawing/2014/main" id="{5AF40C4A-A27E-EB8B-2278-1FB8F7C66DFA}"/>
               </a:ext>
             </a:extLst>
           </p:cNvPr>
@@ -775,7 +779,7 @@
           <p:cNvPr id="2" name="Cím 1">
             <a:extLst>
               <a:ext uri="{FF2B5EF4-FFF2-40B4-BE49-F238E27FC236}">
-                <a16:creationId xmlns:a16="http://schemas.microsoft.com/office/drawing/2014/main" xmlns="" id="{72BE27F1-A3F7-05D6-4450-E78AD211EFFA}"/>
+                <a16:creationId xmlns="" xmlns:a16="http://schemas.microsoft.com/office/drawing/2014/main" id="{72BE27F1-A3F7-05D6-4450-E78AD211EFFA}"/>
               </a:ext>
             </a:extLst>
           </p:cNvPr>
@@ -803,7 +807,7 @@
           <p:cNvPr id="3" name="Tartalom helye 2">
             <a:extLst>
               <a:ext uri="{FF2B5EF4-FFF2-40B4-BE49-F238E27FC236}">
-                <a16:creationId xmlns:a16="http://schemas.microsoft.com/office/drawing/2014/main" xmlns="" id="{6485F2B7-A39B-4B9A-B527-DAC98AB0790C}"/>
+                <a16:creationId xmlns="" xmlns:a16="http://schemas.microsoft.com/office/drawing/2014/main" id="{6485F2B7-A39B-4B9A-B527-DAC98AB0790C}"/>
               </a:ext>
             </a:extLst>
           </p:cNvPr>
@@ -860,7 +864,7 @@
           <p:cNvPr id="4" name="Dátum helye 3">
             <a:extLst>
               <a:ext uri="{FF2B5EF4-FFF2-40B4-BE49-F238E27FC236}">
-                <a16:creationId xmlns:a16="http://schemas.microsoft.com/office/drawing/2014/main" xmlns="" id="{676CE1DF-3837-FE1D-901A-A742A19A7C11}"/>
+                <a16:creationId xmlns="" xmlns:a16="http://schemas.microsoft.com/office/drawing/2014/main" id="{676CE1DF-3837-FE1D-901A-A742A19A7C11}"/>
               </a:ext>
             </a:extLst>
           </p:cNvPr>
@@ -889,7 +893,7 @@
           <p:cNvPr id="5" name="Élőláb helye 4">
             <a:extLst>
               <a:ext uri="{FF2B5EF4-FFF2-40B4-BE49-F238E27FC236}">
-                <a16:creationId xmlns:a16="http://schemas.microsoft.com/office/drawing/2014/main" xmlns="" id="{BA390FFD-FA87-E57A-BD00-E54A51A7E1D9}"/>
+                <a16:creationId xmlns="" xmlns:a16="http://schemas.microsoft.com/office/drawing/2014/main" id="{BA390FFD-FA87-E57A-BD00-E54A51A7E1D9}"/>
               </a:ext>
             </a:extLst>
           </p:cNvPr>
@@ -914,7 +918,7 @@
           <p:cNvPr id="6" name="Dia számának helye 5">
             <a:extLst>
               <a:ext uri="{FF2B5EF4-FFF2-40B4-BE49-F238E27FC236}">
-                <a16:creationId xmlns:a16="http://schemas.microsoft.com/office/drawing/2014/main" xmlns="" id="{D97EC763-AF94-46BF-7460-B966094315B9}"/>
+                <a16:creationId xmlns="" xmlns:a16="http://schemas.microsoft.com/office/drawing/2014/main" id="{D97EC763-AF94-46BF-7460-B966094315B9}"/>
               </a:ext>
             </a:extLst>
           </p:cNvPr>
@@ -973,7 +977,7 @@
           <p:cNvPr id="2" name="Cím 1">
             <a:extLst>
               <a:ext uri="{FF2B5EF4-FFF2-40B4-BE49-F238E27FC236}">
-                <a16:creationId xmlns:a16="http://schemas.microsoft.com/office/drawing/2014/main" xmlns="" id="{CF8913D7-85C4-2A22-F3C6-98E4BD6B1D29}"/>
+                <a16:creationId xmlns="" xmlns:a16="http://schemas.microsoft.com/office/drawing/2014/main" id="{CF8913D7-85C4-2A22-F3C6-98E4BD6B1D29}"/>
               </a:ext>
             </a:extLst>
           </p:cNvPr>
@@ -1010,7 +1014,7 @@
           <p:cNvPr id="3" name="Szöveg helye 2">
             <a:extLst>
               <a:ext uri="{FF2B5EF4-FFF2-40B4-BE49-F238E27FC236}">
-                <a16:creationId xmlns:a16="http://schemas.microsoft.com/office/drawing/2014/main" xmlns="" id="{1611F5D2-4F9A-94EA-B791-E48941D49EB1}"/>
+                <a16:creationId xmlns="" xmlns:a16="http://schemas.microsoft.com/office/drawing/2014/main" id="{1611F5D2-4F9A-94EA-B791-E48941D49EB1}"/>
               </a:ext>
             </a:extLst>
           </p:cNvPr>
@@ -1135,7 +1139,7 @@
           <p:cNvPr id="4" name="Dátum helye 3">
             <a:extLst>
               <a:ext uri="{FF2B5EF4-FFF2-40B4-BE49-F238E27FC236}">
-                <a16:creationId xmlns:a16="http://schemas.microsoft.com/office/drawing/2014/main" xmlns="" id="{5AF5DE06-1A8D-91BB-EE70-6D64240C2A93}"/>
+                <a16:creationId xmlns="" xmlns:a16="http://schemas.microsoft.com/office/drawing/2014/main" id="{5AF5DE06-1A8D-91BB-EE70-6D64240C2A93}"/>
               </a:ext>
             </a:extLst>
           </p:cNvPr>
@@ -1164,7 +1168,7 @@
           <p:cNvPr id="5" name="Élőláb helye 4">
             <a:extLst>
               <a:ext uri="{FF2B5EF4-FFF2-40B4-BE49-F238E27FC236}">
-                <a16:creationId xmlns:a16="http://schemas.microsoft.com/office/drawing/2014/main" xmlns="" id="{CC9F8B4C-3835-D694-EE34-821C8C99DEEC}"/>
+                <a16:creationId xmlns="" xmlns:a16="http://schemas.microsoft.com/office/drawing/2014/main" id="{CC9F8B4C-3835-D694-EE34-821C8C99DEEC}"/>
               </a:ext>
             </a:extLst>
           </p:cNvPr>
@@ -1189,7 +1193,7 @@
           <p:cNvPr id="6" name="Dia számának helye 5">
             <a:extLst>
               <a:ext uri="{FF2B5EF4-FFF2-40B4-BE49-F238E27FC236}">
-                <a16:creationId xmlns:a16="http://schemas.microsoft.com/office/drawing/2014/main" xmlns="" id="{40512473-C685-9E59-3906-9AB4AE745D5F}"/>
+                <a16:creationId xmlns="" xmlns:a16="http://schemas.microsoft.com/office/drawing/2014/main" id="{40512473-C685-9E59-3906-9AB4AE745D5F}"/>
               </a:ext>
             </a:extLst>
           </p:cNvPr>
@@ -1248,7 +1252,7 @@
           <p:cNvPr id="2" name="Cím 1">
             <a:extLst>
               <a:ext uri="{FF2B5EF4-FFF2-40B4-BE49-F238E27FC236}">
-                <a16:creationId xmlns:a16="http://schemas.microsoft.com/office/drawing/2014/main" xmlns="" id="{F68920D2-C1B1-B8A5-3420-8B5D2B9BB320}"/>
+                <a16:creationId xmlns="" xmlns:a16="http://schemas.microsoft.com/office/drawing/2014/main" id="{F68920D2-C1B1-B8A5-3420-8B5D2B9BB320}"/>
               </a:ext>
             </a:extLst>
           </p:cNvPr>
@@ -1276,7 +1280,7 @@
           <p:cNvPr id="3" name="Tartalom helye 2">
             <a:extLst>
               <a:ext uri="{FF2B5EF4-FFF2-40B4-BE49-F238E27FC236}">
-                <a16:creationId xmlns:a16="http://schemas.microsoft.com/office/drawing/2014/main" xmlns="" id="{D43CFDB4-F2B9-8712-C624-B45F13EAF33D}"/>
+                <a16:creationId xmlns="" xmlns:a16="http://schemas.microsoft.com/office/drawing/2014/main" id="{D43CFDB4-F2B9-8712-C624-B45F13EAF33D}"/>
               </a:ext>
             </a:extLst>
           </p:cNvPr>
@@ -1338,7 +1342,7 @@
           <p:cNvPr id="4" name="Tartalom helye 3">
             <a:extLst>
               <a:ext uri="{FF2B5EF4-FFF2-40B4-BE49-F238E27FC236}">
-                <a16:creationId xmlns:a16="http://schemas.microsoft.com/office/drawing/2014/main" xmlns="" id="{A3C85B65-1B1F-8EE0-909F-C8B67296919E}"/>
+                <a16:creationId xmlns="" xmlns:a16="http://schemas.microsoft.com/office/drawing/2014/main" id="{A3C85B65-1B1F-8EE0-909F-C8B67296919E}"/>
               </a:ext>
             </a:extLst>
           </p:cNvPr>
@@ -1400,7 +1404,7 @@
           <p:cNvPr id="5" name="Dátum helye 4">
             <a:extLst>
               <a:ext uri="{FF2B5EF4-FFF2-40B4-BE49-F238E27FC236}">
-                <a16:creationId xmlns:a16="http://schemas.microsoft.com/office/drawing/2014/main" xmlns="" id="{4557A5C6-41D5-D457-A8A9-40F05F560E33}"/>
+                <a16:creationId xmlns="" xmlns:a16="http://schemas.microsoft.com/office/drawing/2014/main" id="{4557A5C6-41D5-D457-A8A9-40F05F560E33}"/>
               </a:ext>
             </a:extLst>
           </p:cNvPr>
@@ -1429,7 +1433,7 @@
           <p:cNvPr id="6" name="Élőláb helye 5">
             <a:extLst>
               <a:ext uri="{FF2B5EF4-FFF2-40B4-BE49-F238E27FC236}">
-                <a16:creationId xmlns:a16="http://schemas.microsoft.com/office/drawing/2014/main" xmlns="" id="{98BCDB77-34DE-8FA1-D105-FAD3651F6A46}"/>
+                <a16:creationId xmlns="" xmlns:a16="http://schemas.microsoft.com/office/drawing/2014/main" id="{98BCDB77-34DE-8FA1-D105-FAD3651F6A46}"/>
               </a:ext>
             </a:extLst>
           </p:cNvPr>
@@ -1454,7 +1458,7 @@
           <p:cNvPr id="7" name="Dia számának helye 6">
             <a:extLst>
               <a:ext uri="{FF2B5EF4-FFF2-40B4-BE49-F238E27FC236}">
-                <a16:creationId xmlns:a16="http://schemas.microsoft.com/office/drawing/2014/main" xmlns="" id="{390BBE7A-D307-555E-AB12-0B41EEA253D6}"/>
+                <a16:creationId xmlns="" xmlns:a16="http://schemas.microsoft.com/office/drawing/2014/main" id="{390BBE7A-D307-555E-AB12-0B41EEA253D6}"/>
               </a:ext>
             </a:extLst>
           </p:cNvPr>
@@ -1513,7 +1517,7 @@
           <p:cNvPr id="2" name="Cím 1">
             <a:extLst>
               <a:ext uri="{FF2B5EF4-FFF2-40B4-BE49-F238E27FC236}">
-                <a16:creationId xmlns:a16="http://schemas.microsoft.com/office/drawing/2014/main" xmlns="" id="{07EA2236-15AE-DDD2-4BA6-89D4702F1F31}"/>
+                <a16:creationId xmlns="" xmlns:a16="http://schemas.microsoft.com/office/drawing/2014/main" id="{07EA2236-15AE-DDD2-4BA6-89D4702F1F31}"/>
               </a:ext>
             </a:extLst>
           </p:cNvPr>
@@ -1546,7 +1550,7 @@
           <p:cNvPr id="3" name="Szöveg helye 2">
             <a:extLst>
               <a:ext uri="{FF2B5EF4-FFF2-40B4-BE49-F238E27FC236}">
-                <a16:creationId xmlns:a16="http://schemas.microsoft.com/office/drawing/2014/main" xmlns="" id="{BB583008-9EE5-B737-672F-BD71CB49EBE6}"/>
+                <a16:creationId xmlns="" xmlns:a16="http://schemas.microsoft.com/office/drawing/2014/main" id="{BB583008-9EE5-B737-672F-BD71CB49EBE6}"/>
               </a:ext>
             </a:extLst>
           </p:cNvPr>
@@ -1617,7 +1621,7 @@
           <p:cNvPr id="4" name="Tartalom helye 3">
             <a:extLst>
               <a:ext uri="{FF2B5EF4-FFF2-40B4-BE49-F238E27FC236}">
-                <a16:creationId xmlns:a16="http://schemas.microsoft.com/office/drawing/2014/main" xmlns="" id="{624AC8C2-EBA4-169C-1443-DC6E649194DF}"/>
+                <a16:creationId xmlns="" xmlns:a16="http://schemas.microsoft.com/office/drawing/2014/main" id="{624AC8C2-EBA4-169C-1443-DC6E649194DF}"/>
               </a:ext>
             </a:extLst>
           </p:cNvPr>
@@ -1679,7 +1683,7 @@
           <p:cNvPr id="5" name="Szöveg helye 4">
             <a:extLst>
               <a:ext uri="{FF2B5EF4-FFF2-40B4-BE49-F238E27FC236}">
-                <a16:creationId xmlns:a16="http://schemas.microsoft.com/office/drawing/2014/main" xmlns="" id="{A372FB06-0713-22DF-F416-4F98CC820171}"/>
+                <a16:creationId xmlns="" xmlns:a16="http://schemas.microsoft.com/office/drawing/2014/main" id="{A372FB06-0713-22DF-F416-4F98CC820171}"/>
               </a:ext>
             </a:extLst>
           </p:cNvPr>
@@ -1750,7 +1754,7 @@
           <p:cNvPr id="6" name="Tartalom helye 5">
             <a:extLst>
               <a:ext uri="{FF2B5EF4-FFF2-40B4-BE49-F238E27FC236}">
-                <a16:creationId xmlns:a16="http://schemas.microsoft.com/office/drawing/2014/main" xmlns="" id="{44044FD2-F5CB-3AD9-8D3B-D6D9CAD8003A}"/>
+                <a16:creationId xmlns="" xmlns:a16="http://schemas.microsoft.com/office/drawing/2014/main" id="{44044FD2-F5CB-3AD9-8D3B-D6D9CAD8003A}"/>
               </a:ext>
             </a:extLst>
           </p:cNvPr>
@@ -1812,7 +1816,7 @@
           <p:cNvPr id="7" name="Dátum helye 6">
             <a:extLst>
               <a:ext uri="{FF2B5EF4-FFF2-40B4-BE49-F238E27FC236}">
-                <a16:creationId xmlns:a16="http://schemas.microsoft.com/office/drawing/2014/main" xmlns="" id="{0F34A2A3-1490-B255-AA40-4FBAA6ED1F39}"/>
+                <a16:creationId xmlns="" xmlns:a16="http://schemas.microsoft.com/office/drawing/2014/main" id="{0F34A2A3-1490-B255-AA40-4FBAA6ED1F39}"/>
               </a:ext>
             </a:extLst>
           </p:cNvPr>
@@ -1841,7 +1845,7 @@
           <p:cNvPr id="8" name="Élőláb helye 7">
             <a:extLst>
               <a:ext uri="{FF2B5EF4-FFF2-40B4-BE49-F238E27FC236}">
-                <a16:creationId xmlns:a16="http://schemas.microsoft.com/office/drawing/2014/main" xmlns="" id="{4D7A472D-2CFC-082D-72CC-54CFA4243196}"/>
+                <a16:creationId xmlns="" xmlns:a16="http://schemas.microsoft.com/office/drawing/2014/main" id="{4D7A472D-2CFC-082D-72CC-54CFA4243196}"/>
               </a:ext>
             </a:extLst>
           </p:cNvPr>
@@ -1866,7 +1870,7 @@
           <p:cNvPr id="9" name="Dia számának helye 8">
             <a:extLst>
               <a:ext uri="{FF2B5EF4-FFF2-40B4-BE49-F238E27FC236}">
-                <a16:creationId xmlns:a16="http://schemas.microsoft.com/office/drawing/2014/main" xmlns="" id="{C7BC0E91-0D57-BCDA-5227-885B1E39CC7E}"/>
+                <a16:creationId xmlns="" xmlns:a16="http://schemas.microsoft.com/office/drawing/2014/main" id="{C7BC0E91-0D57-BCDA-5227-885B1E39CC7E}"/>
               </a:ext>
             </a:extLst>
           </p:cNvPr>
@@ -1925,7 +1929,7 @@
           <p:cNvPr id="2" name="Cím 1">
             <a:extLst>
               <a:ext uri="{FF2B5EF4-FFF2-40B4-BE49-F238E27FC236}">
-                <a16:creationId xmlns:a16="http://schemas.microsoft.com/office/drawing/2014/main" xmlns="" id="{9DDE6F42-0F86-68AD-8520-02C1DC540C0C}"/>
+                <a16:creationId xmlns="" xmlns:a16="http://schemas.microsoft.com/office/drawing/2014/main" id="{9DDE6F42-0F86-68AD-8520-02C1DC540C0C}"/>
               </a:ext>
             </a:extLst>
           </p:cNvPr>
@@ -1953,7 +1957,7 @@
           <p:cNvPr id="3" name="Dátum helye 2">
             <a:extLst>
               <a:ext uri="{FF2B5EF4-FFF2-40B4-BE49-F238E27FC236}">
-                <a16:creationId xmlns:a16="http://schemas.microsoft.com/office/drawing/2014/main" xmlns="" id="{8D787FCC-5084-9DFC-BF9F-5640729133DD}"/>
+                <a16:creationId xmlns="" xmlns:a16="http://schemas.microsoft.com/office/drawing/2014/main" id="{8D787FCC-5084-9DFC-BF9F-5640729133DD}"/>
               </a:ext>
             </a:extLst>
           </p:cNvPr>
@@ -1982,7 +1986,7 @@
           <p:cNvPr id="4" name="Élőláb helye 3">
             <a:extLst>
               <a:ext uri="{FF2B5EF4-FFF2-40B4-BE49-F238E27FC236}">
-                <a16:creationId xmlns:a16="http://schemas.microsoft.com/office/drawing/2014/main" xmlns="" id="{624E877A-30FF-4EBA-2B4B-EFAB852B7B2F}"/>
+                <a16:creationId xmlns="" xmlns:a16="http://schemas.microsoft.com/office/drawing/2014/main" id="{624E877A-30FF-4EBA-2B4B-EFAB852B7B2F}"/>
               </a:ext>
             </a:extLst>
           </p:cNvPr>
@@ -2007,7 +2011,7 @@
           <p:cNvPr id="5" name="Dia számának helye 4">
             <a:extLst>
               <a:ext uri="{FF2B5EF4-FFF2-40B4-BE49-F238E27FC236}">
-                <a16:creationId xmlns:a16="http://schemas.microsoft.com/office/drawing/2014/main" xmlns="" id="{31443C7A-9198-3E1E-F393-14841977E35D}"/>
+                <a16:creationId xmlns="" xmlns:a16="http://schemas.microsoft.com/office/drawing/2014/main" id="{31443C7A-9198-3E1E-F393-14841977E35D}"/>
               </a:ext>
             </a:extLst>
           </p:cNvPr>
@@ -2066,7 +2070,7 @@
           <p:cNvPr id="2" name="Dátum helye 1">
             <a:extLst>
               <a:ext uri="{FF2B5EF4-FFF2-40B4-BE49-F238E27FC236}">
-                <a16:creationId xmlns:a16="http://schemas.microsoft.com/office/drawing/2014/main" xmlns="" id="{1AE7904D-A8B9-303A-E6B9-ED09FA2061D0}"/>
+                <a16:creationId xmlns="" xmlns:a16="http://schemas.microsoft.com/office/drawing/2014/main" id="{1AE7904D-A8B9-303A-E6B9-ED09FA2061D0}"/>
               </a:ext>
             </a:extLst>
           </p:cNvPr>
@@ -2095,7 +2099,7 @@
           <p:cNvPr id="3" name="Élőláb helye 2">
             <a:extLst>
               <a:ext uri="{FF2B5EF4-FFF2-40B4-BE49-F238E27FC236}">
-                <a16:creationId xmlns:a16="http://schemas.microsoft.com/office/drawing/2014/main" xmlns="" id="{EB7F6395-785F-8D9D-A0B2-D5FA4B1CB867}"/>
+                <a16:creationId xmlns="" xmlns:a16="http://schemas.microsoft.com/office/drawing/2014/main" id="{EB7F6395-785F-8D9D-A0B2-D5FA4B1CB867}"/>
               </a:ext>
             </a:extLst>
           </p:cNvPr>
@@ -2120,7 +2124,7 @@
           <p:cNvPr id="4" name="Dia számának helye 3">
             <a:extLst>
               <a:ext uri="{FF2B5EF4-FFF2-40B4-BE49-F238E27FC236}">
-                <a16:creationId xmlns:a16="http://schemas.microsoft.com/office/drawing/2014/main" xmlns="" id="{A2347D24-7D32-EF92-86E3-3D9B194C8B3E}"/>
+                <a16:creationId xmlns="" xmlns:a16="http://schemas.microsoft.com/office/drawing/2014/main" id="{A2347D24-7D32-EF92-86E3-3D9B194C8B3E}"/>
               </a:ext>
             </a:extLst>
           </p:cNvPr>
@@ -2179,7 +2183,7 @@
           <p:cNvPr id="2" name="Cím 1">
             <a:extLst>
               <a:ext uri="{FF2B5EF4-FFF2-40B4-BE49-F238E27FC236}">
-                <a16:creationId xmlns:a16="http://schemas.microsoft.com/office/drawing/2014/main" xmlns="" id="{1E360EAC-2FD8-97BA-05D0-359BBF3FEFB6}"/>
+                <a16:creationId xmlns="" xmlns:a16="http://schemas.microsoft.com/office/drawing/2014/main" id="{1E360EAC-2FD8-97BA-05D0-359BBF3FEFB6}"/>
               </a:ext>
             </a:extLst>
           </p:cNvPr>
@@ -2216,7 +2220,7 @@
           <p:cNvPr id="3" name="Tartalom helye 2">
             <a:extLst>
               <a:ext uri="{FF2B5EF4-FFF2-40B4-BE49-F238E27FC236}">
-                <a16:creationId xmlns:a16="http://schemas.microsoft.com/office/drawing/2014/main" xmlns="" id="{854D6F55-A988-5133-0B07-DA2DDE1AB0AD}"/>
+                <a16:creationId xmlns="" xmlns:a16="http://schemas.microsoft.com/office/drawing/2014/main" id="{854D6F55-A988-5133-0B07-DA2DDE1AB0AD}"/>
               </a:ext>
             </a:extLst>
           </p:cNvPr>
@@ -2306,7 +2310,7 @@
           <p:cNvPr id="4" name="Szöveg helye 3">
             <a:extLst>
               <a:ext uri="{FF2B5EF4-FFF2-40B4-BE49-F238E27FC236}">
-                <a16:creationId xmlns:a16="http://schemas.microsoft.com/office/drawing/2014/main" xmlns="" id="{5DB63E90-A431-1E0B-B372-727DE151ECAA}"/>
+                <a16:creationId xmlns="" xmlns:a16="http://schemas.microsoft.com/office/drawing/2014/main" id="{5DB63E90-A431-1E0B-B372-727DE151ECAA}"/>
               </a:ext>
             </a:extLst>
           </p:cNvPr>
@@ -2377,7 +2381,7 @@
           <p:cNvPr id="5" name="Dátum helye 4">
             <a:extLst>
               <a:ext uri="{FF2B5EF4-FFF2-40B4-BE49-F238E27FC236}">
-                <a16:creationId xmlns:a16="http://schemas.microsoft.com/office/drawing/2014/main" xmlns="" id="{B03E9A80-B675-E2BB-E59D-4034E54368B3}"/>
+                <a16:creationId xmlns="" xmlns:a16="http://schemas.microsoft.com/office/drawing/2014/main" id="{B03E9A80-B675-E2BB-E59D-4034E54368B3}"/>
               </a:ext>
             </a:extLst>
           </p:cNvPr>
@@ -2406,7 +2410,7 @@
           <p:cNvPr id="6" name="Élőláb helye 5">
             <a:extLst>
               <a:ext uri="{FF2B5EF4-FFF2-40B4-BE49-F238E27FC236}">
-                <a16:creationId xmlns:a16="http://schemas.microsoft.com/office/drawing/2014/main" xmlns="" id="{E57FBA2A-E6F3-B32C-E43C-6E9DF62464E3}"/>
+                <a16:creationId xmlns="" xmlns:a16="http://schemas.microsoft.com/office/drawing/2014/main" id="{E57FBA2A-E6F3-B32C-E43C-6E9DF62464E3}"/>
               </a:ext>
             </a:extLst>
           </p:cNvPr>
@@ -2431,7 +2435,7 @@
           <p:cNvPr id="7" name="Dia számának helye 6">
             <a:extLst>
               <a:ext uri="{FF2B5EF4-FFF2-40B4-BE49-F238E27FC236}">
-                <a16:creationId xmlns:a16="http://schemas.microsoft.com/office/drawing/2014/main" xmlns="" id="{076A9DA0-EACF-1A4A-AD8A-95D949D22BD9}"/>
+                <a16:creationId xmlns="" xmlns:a16="http://schemas.microsoft.com/office/drawing/2014/main" id="{076A9DA0-EACF-1A4A-AD8A-95D949D22BD9}"/>
               </a:ext>
             </a:extLst>
           </p:cNvPr>
@@ -2490,7 +2494,7 @@
           <p:cNvPr id="2" name="Cím 1">
             <a:extLst>
               <a:ext uri="{FF2B5EF4-FFF2-40B4-BE49-F238E27FC236}">
-                <a16:creationId xmlns:a16="http://schemas.microsoft.com/office/drawing/2014/main" xmlns="" id="{D9CBA1E7-1BD1-E0BA-ADEF-35435472D52C}"/>
+                <a16:creationId xmlns="" xmlns:a16="http://schemas.microsoft.com/office/drawing/2014/main" id="{D9CBA1E7-1BD1-E0BA-ADEF-35435472D52C}"/>
               </a:ext>
             </a:extLst>
           </p:cNvPr>
@@ -2527,7 +2531,7 @@
           <p:cNvPr id="3" name="Kép helye 2">
             <a:extLst>
               <a:ext uri="{FF2B5EF4-FFF2-40B4-BE49-F238E27FC236}">
-                <a16:creationId xmlns:a16="http://schemas.microsoft.com/office/drawing/2014/main" xmlns="" id="{4C869A2D-CF1C-26BE-7B33-EE901B1A16C1}"/>
+                <a16:creationId xmlns="" xmlns:a16="http://schemas.microsoft.com/office/drawing/2014/main" id="{4C869A2D-CF1C-26BE-7B33-EE901B1A16C1}"/>
               </a:ext>
             </a:extLst>
           </p:cNvPr>
@@ -2594,7 +2598,7 @@
           <p:cNvPr id="4" name="Szöveg helye 3">
             <a:extLst>
               <a:ext uri="{FF2B5EF4-FFF2-40B4-BE49-F238E27FC236}">
-                <a16:creationId xmlns:a16="http://schemas.microsoft.com/office/drawing/2014/main" xmlns="" id="{67BC8E21-25BB-6C38-6AAB-8FD4A369DE60}"/>
+                <a16:creationId xmlns="" xmlns:a16="http://schemas.microsoft.com/office/drawing/2014/main" id="{67BC8E21-25BB-6C38-6AAB-8FD4A369DE60}"/>
               </a:ext>
             </a:extLst>
           </p:cNvPr>
@@ -2665,7 +2669,7 @@
           <p:cNvPr id="5" name="Dátum helye 4">
             <a:extLst>
               <a:ext uri="{FF2B5EF4-FFF2-40B4-BE49-F238E27FC236}">
-                <a16:creationId xmlns:a16="http://schemas.microsoft.com/office/drawing/2014/main" xmlns="" id="{C1D36AC9-2581-EB4B-123F-AF6151CF37E1}"/>
+                <a16:creationId xmlns="" xmlns:a16="http://schemas.microsoft.com/office/drawing/2014/main" id="{C1D36AC9-2581-EB4B-123F-AF6151CF37E1}"/>
               </a:ext>
             </a:extLst>
           </p:cNvPr>
@@ -2694,7 +2698,7 @@
           <p:cNvPr id="6" name="Élőláb helye 5">
             <a:extLst>
               <a:ext uri="{FF2B5EF4-FFF2-40B4-BE49-F238E27FC236}">
-                <a16:creationId xmlns:a16="http://schemas.microsoft.com/office/drawing/2014/main" xmlns="" id="{27A25DD1-4872-EB8C-9A15-958F390F123D}"/>
+                <a16:creationId xmlns="" xmlns:a16="http://schemas.microsoft.com/office/drawing/2014/main" id="{27A25DD1-4872-EB8C-9A15-958F390F123D}"/>
               </a:ext>
             </a:extLst>
           </p:cNvPr>
@@ -2719,7 +2723,7 @@
           <p:cNvPr id="7" name="Dia számának helye 6">
             <a:extLst>
               <a:ext uri="{FF2B5EF4-FFF2-40B4-BE49-F238E27FC236}">
-                <a16:creationId xmlns:a16="http://schemas.microsoft.com/office/drawing/2014/main" xmlns="" id="{6EC02751-8DD0-BA93-ECE2-EF4E1B01D2EA}"/>
+                <a16:creationId xmlns="" xmlns:a16="http://schemas.microsoft.com/office/drawing/2014/main" id="{6EC02751-8DD0-BA93-ECE2-EF4E1B01D2EA}"/>
               </a:ext>
             </a:extLst>
           </p:cNvPr>
@@ -2786,7 +2790,7 @@
           <p:cNvPr id="2" name="Cím helye 1">
             <a:extLst>
               <a:ext uri="{FF2B5EF4-FFF2-40B4-BE49-F238E27FC236}">
-                <a16:creationId xmlns:a16="http://schemas.microsoft.com/office/drawing/2014/main" xmlns="" id="{240D39A3-B419-CDDA-9D50-27EBF0920DCB}"/>
+                <a16:creationId xmlns="" xmlns:a16="http://schemas.microsoft.com/office/drawing/2014/main" id="{240D39A3-B419-CDDA-9D50-27EBF0920DCB}"/>
               </a:ext>
             </a:extLst>
           </p:cNvPr>
@@ -2824,7 +2828,7 @@
           <p:cNvPr id="3" name="Szöveg helye 2">
             <a:extLst>
               <a:ext uri="{FF2B5EF4-FFF2-40B4-BE49-F238E27FC236}">
-                <a16:creationId xmlns:a16="http://schemas.microsoft.com/office/drawing/2014/main" xmlns="" id="{F21D3007-480D-2651-9C5B-E1491807286A}"/>
+                <a16:creationId xmlns="" xmlns:a16="http://schemas.microsoft.com/office/drawing/2014/main" id="{F21D3007-480D-2651-9C5B-E1491807286A}"/>
               </a:ext>
             </a:extLst>
           </p:cNvPr>
@@ -2891,7 +2895,7 @@
           <p:cNvPr id="4" name="Dátum helye 3">
             <a:extLst>
               <a:ext uri="{FF2B5EF4-FFF2-40B4-BE49-F238E27FC236}">
-                <a16:creationId xmlns:a16="http://schemas.microsoft.com/office/drawing/2014/main" xmlns="" id="{DD214F30-DDAE-58D6-13BC-ADD239443915}"/>
+                <a16:creationId xmlns="" xmlns:a16="http://schemas.microsoft.com/office/drawing/2014/main" id="{DD214F30-DDAE-58D6-13BC-ADD239443915}"/>
               </a:ext>
             </a:extLst>
           </p:cNvPr>
@@ -2938,7 +2942,7 @@
           <p:cNvPr id="5" name="Élőláb helye 4">
             <a:extLst>
               <a:ext uri="{FF2B5EF4-FFF2-40B4-BE49-F238E27FC236}">
-                <a16:creationId xmlns:a16="http://schemas.microsoft.com/office/drawing/2014/main" xmlns="" id="{135BDBAC-551C-9370-3599-C43BA5A89CFF}"/>
+                <a16:creationId xmlns="" xmlns:a16="http://schemas.microsoft.com/office/drawing/2014/main" id="{135BDBAC-551C-9370-3599-C43BA5A89CFF}"/>
               </a:ext>
             </a:extLst>
           </p:cNvPr>
@@ -2981,7 +2985,7 @@
           <p:cNvPr id="6" name="Dia számának helye 5">
             <a:extLst>
               <a:ext uri="{FF2B5EF4-FFF2-40B4-BE49-F238E27FC236}">
-                <a16:creationId xmlns:a16="http://schemas.microsoft.com/office/drawing/2014/main" xmlns="" id="{5D05E3A7-8777-D047-CD84-4552368DAD49}"/>
+                <a16:creationId xmlns="" xmlns:a16="http://schemas.microsoft.com/office/drawing/2014/main" id="{5D05E3A7-8777-D047-CD84-4552368DAD49}"/>
               </a:ext>
             </a:extLst>
           </p:cNvPr>
@@ -3357,7 +3361,7 @@
           <p:cNvPr id="2" name="Cím 1">
             <a:extLst>
               <a:ext uri="{FF2B5EF4-FFF2-40B4-BE49-F238E27FC236}">
-                <a16:creationId xmlns:a16="http://schemas.microsoft.com/office/drawing/2014/main" xmlns="" id="{95731D92-F354-2090-8D62-55510B014160}"/>
+                <a16:creationId xmlns="" xmlns:a16="http://schemas.microsoft.com/office/drawing/2014/main" id="{95731D92-F354-2090-8D62-55510B014160}"/>
               </a:ext>
             </a:extLst>
           </p:cNvPr>
@@ -3387,7 +3391,7 @@
           <p:cNvPr id="3" name="Alcím 2">
             <a:extLst>
               <a:ext uri="{FF2B5EF4-FFF2-40B4-BE49-F238E27FC236}">
-                <a16:creationId xmlns:a16="http://schemas.microsoft.com/office/drawing/2014/main" xmlns="" id="{65EE1472-BB5A-0178-9305-A8F1C398355C}"/>
+                <a16:creationId xmlns="" xmlns:a16="http://schemas.microsoft.com/office/drawing/2014/main" id="{65EE1472-BB5A-0178-9305-A8F1C398355C}"/>
               </a:ext>
             </a:extLst>
           </p:cNvPr>
@@ -3416,6 +3420,577 @@
     <p:extLst>
       <p:ext uri="{BB962C8B-B14F-4D97-AF65-F5344CB8AC3E}">
         <p14:creationId xmlns:p14="http://schemas.microsoft.com/office/powerpoint/2010/main" val="1661837079"/>
+      </p:ext>
+    </p:extLst>
+  </p:cSld>
+  <p:clrMapOvr>
+    <a:masterClrMapping/>
+  </p:clrMapOvr>
+  <p:timing>
+    <p:tnLst>
+      <p:par>
+        <p:cTn id="1" dur="indefinite" restart="never" nodeType="tmRoot"/>
+      </p:par>
+    </p:tnLst>
+  </p:timing>
+</p:sld>
+</file>
+
+<file path=ppt/slides/slide10.xml><?xml version="1.0" encoding="utf-8"?>
+<p:sld xmlns:a="http://schemas.openxmlformats.org/drawingml/2006/main" xmlns:r="http://schemas.openxmlformats.org/officeDocument/2006/relationships" xmlns:p="http://schemas.openxmlformats.org/presentationml/2006/main">
+  <p:cSld>
+    <p:spTree>
+      <p:nvGrpSpPr>
+        <p:cNvPr id="1" name=""/>
+        <p:cNvGrpSpPr/>
+        <p:nvPr/>
+      </p:nvGrpSpPr>
+      <p:grpSpPr>
+        <a:xfrm>
+          <a:off x="0" y="0"/>
+          <a:ext cx="0" cy="0"/>
+          <a:chOff x="0" y="0"/>
+          <a:chExt cx="0" cy="0"/>
+        </a:xfrm>
+      </p:grpSpPr>
+      <p:sp>
+        <p:nvSpPr>
+          <p:cNvPr id="2" name="Cím 1">
+            <a:extLst>
+              <a:ext uri="{FF2B5EF4-FFF2-40B4-BE49-F238E27FC236}">
+                <a16:creationId xmlns="" xmlns:a16="http://schemas.microsoft.com/office/drawing/2014/main" id="{2102A77B-DBE6-2814-3699-0C88D708B2FB}"/>
+              </a:ext>
+            </a:extLst>
+          </p:cNvPr>
+          <p:cNvSpPr>
+            <a:spLocks noGrp="1"/>
+          </p:cNvSpPr>
+          <p:nvPr>
+            <p:ph type="title"/>
+          </p:nvPr>
+        </p:nvSpPr>
+        <p:spPr/>
+        <p:txBody>
+          <a:bodyPr/>
+          <a:lstStyle/>
+          <a:p>
+            <a:r>
+              <a:rPr lang="hu-HU" dirty="0" smtClean="0"/>
+              <a:t>Tesztelés</a:t>
+            </a:r>
+            <a:endParaRPr lang="hu-HU" dirty="0"/>
+          </a:p>
+        </p:txBody>
+      </p:sp>
+      <p:pic>
+        <p:nvPicPr>
+          <p:cNvPr id="4" name="Tartalom helye 3"/>
+          <p:cNvPicPr>
+            <a:picLocks noGrp="1" noChangeAspect="1"/>
+          </p:cNvPicPr>
+          <p:nvPr>
+            <p:ph idx="1"/>
+          </p:nvPr>
+        </p:nvPicPr>
+        <p:blipFill>
+          <a:blip r:embed="rId2">
+            <a:extLst>
+              <a:ext uri="{28A0092B-C50C-407E-A947-70E740481C1C}">
+                <a14:useLocalDpi xmlns:a14="http://schemas.microsoft.com/office/drawing/2010/main" val="0"/>
+              </a:ext>
+            </a:extLst>
+          </a:blip>
+          <a:stretch>
+            <a:fillRect/>
+          </a:stretch>
+        </p:blipFill>
+        <p:spPr>
+          <a:xfrm>
+            <a:off x="3057207" y="1690688"/>
+            <a:ext cx="6077586" cy="4351338"/>
+          </a:xfrm>
+        </p:spPr>
+      </p:pic>
+      <p:pic>
+        <p:nvPicPr>
+          <p:cNvPr id="6" name="Kép 5"/>
+          <p:cNvPicPr>
+            <a:picLocks noChangeAspect="1"/>
+          </p:cNvPicPr>
+          <p:nvPr/>
+        </p:nvPicPr>
+        <p:blipFill>
+          <a:blip r:embed="rId3"/>
+          <a:stretch>
+            <a:fillRect/>
+          </a:stretch>
+        </p:blipFill>
+        <p:spPr>
+          <a:xfrm>
+            <a:off x="4051160" y="1027906"/>
+            <a:ext cx="7518680" cy="4715444"/>
+          </a:xfrm>
+          <a:prstGeom prst="rect">
+            <a:avLst/>
+          </a:prstGeom>
+        </p:spPr>
+      </p:pic>
+      <p:pic>
+        <p:nvPicPr>
+          <p:cNvPr id="7" name="Kép 6"/>
+          <p:cNvPicPr>
+            <a:picLocks noChangeAspect="1"/>
+          </p:cNvPicPr>
+          <p:nvPr/>
+        </p:nvPicPr>
+        <p:blipFill>
+          <a:blip r:embed="rId4"/>
+          <a:stretch>
+            <a:fillRect/>
+          </a:stretch>
+        </p:blipFill>
+        <p:spPr>
+          <a:xfrm>
+            <a:off x="368862" y="3703484"/>
+            <a:ext cx="10984938" cy="4677083"/>
+          </a:xfrm>
+          <a:prstGeom prst="rect">
+            <a:avLst/>
+          </a:prstGeom>
+        </p:spPr>
+      </p:pic>
+    </p:spTree>
+    <p:extLst>
+      <p:ext uri="{BB962C8B-B14F-4D97-AF65-F5344CB8AC3E}">
+        <p14:creationId xmlns:p14="http://schemas.microsoft.com/office/powerpoint/2010/main" val="3089664467"/>
+      </p:ext>
+    </p:extLst>
+  </p:cSld>
+  <p:clrMapOvr>
+    <a:masterClrMapping/>
+  </p:clrMapOvr>
+  <p:timing>
+    <p:tnLst>
+      <p:par>
+        <p:cTn id="1" dur="indefinite" restart="never" nodeType="tmRoot">
+          <p:childTnLst>
+            <p:seq concurrent="1" nextAc="seek">
+              <p:cTn id="2" dur="indefinite" nodeType="mainSeq">
+                <p:childTnLst>
+                  <p:par>
+                    <p:cTn id="3" fill="hold">
+                      <p:stCondLst>
+                        <p:cond delay="indefinite"/>
+                      </p:stCondLst>
+                      <p:childTnLst>
+                        <p:par>
+                          <p:cTn id="4" fill="hold">
+                            <p:stCondLst>
+                              <p:cond delay="0"/>
+                            </p:stCondLst>
+                            <p:childTnLst>
+                              <p:par>
+                                <p:cTn id="5" presetID="1" presetClass="exit" presetSubtype="0" fill="hold" nodeType="clickEffect">
+                                  <p:stCondLst>
+                                    <p:cond delay="0"/>
+                                  </p:stCondLst>
+                                  <p:childTnLst>
+                                    <p:set>
+                                      <p:cBhvr>
+                                        <p:cTn id="6" dur="1" fill="hold">
+                                          <p:stCondLst>
+                                            <p:cond delay="0"/>
+                                          </p:stCondLst>
+                                        </p:cTn>
+                                        <p:tgtEl>
+                                          <p:spTgt spid="4"/>
+                                        </p:tgtEl>
+                                        <p:attrNameLst>
+                                          <p:attrName>style.visibility</p:attrName>
+                                        </p:attrNameLst>
+                                      </p:cBhvr>
+                                      <p:to>
+                                        <p:strVal val="hidden"/>
+                                      </p:to>
+                                    </p:set>
+                                  </p:childTnLst>
+                                </p:cTn>
+                              </p:par>
+                            </p:childTnLst>
+                          </p:cTn>
+                        </p:par>
+                      </p:childTnLst>
+                    </p:cTn>
+                  </p:par>
+                  <p:par>
+                    <p:cTn id="7" fill="hold">
+                      <p:stCondLst>
+                        <p:cond delay="indefinite"/>
+                      </p:stCondLst>
+                      <p:childTnLst>
+                        <p:par>
+                          <p:cTn id="8" fill="hold">
+                            <p:stCondLst>
+                              <p:cond delay="0"/>
+                            </p:stCondLst>
+                            <p:childTnLst>
+                              <p:par>
+                                <p:cTn id="9" presetID="1" presetClass="exit" presetSubtype="0" fill="hold" nodeType="clickEffect">
+                                  <p:stCondLst>
+                                    <p:cond delay="0"/>
+                                  </p:stCondLst>
+                                  <p:childTnLst>
+                                    <p:set>
+                                      <p:cBhvr>
+                                        <p:cTn id="10" dur="1" fill="hold">
+                                          <p:stCondLst>
+                                            <p:cond delay="0"/>
+                                          </p:stCondLst>
+                                        </p:cTn>
+                                        <p:tgtEl>
+                                          <p:spTgt spid="6"/>
+                                        </p:tgtEl>
+                                        <p:attrNameLst>
+                                          <p:attrName>style.visibility</p:attrName>
+                                        </p:attrNameLst>
+                                      </p:cBhvr>
+                                      <p:to>
+                                        <p:strVal val="hidden"/>
+                                      </p:to>
+                                    </p:set>
+                                  </p:childTnLst>
+                                </p:cTn>
+                              </p:par>
+                            </p:childTnLst>
+                          </p:cTn>
+                        </p:par>
+                      </p:childTnLst>
+                    </p:cTn>
+                  </p:par>
+                  <p:par>
+                    <p:cTn id="11" fill="hold">
+                      <p:stCondLst>
+                        <p:cond delay="indefinite"/>
+                      </p:stCondLst>
+                      <p:childTnLst>
+                        <p:par>
+                          <p:cTn id="12" fill="hold">
+                            <p:stCondLst>
+                              <p:cond delay="0"/>
+                            </p:stCondLst>
+                            <p:childTnLst>
+                              <p:par>
+                                <p:cTn id="13" presetID="1" presetClass="entr" presetSubtype="0" fill="hold" nodeType="clickEffect">
+                                  <p:stCondLst>
+                                    <p:cond delay="0"/>
+                                  </p:stCondLst>
+                                  <p:childTnLst>
+                                    <p:set>
+                                      <p:cBhvr>
+                                        <p:cTn id="14" dur="1" fill="hold">
+                                          <p:stCondLst>
+                                            <p:cond delay="0"/>
+                                          </p:stCondLst>
+                                        </p:cTn>
+                                        <p:tgtEl>
+                                          <p:spTgt spid="7"/>
+                                        </p:tgtEl>
+                                        <p:attrNameLst>
+                                          <p:attrName>style.visibility</p:attrName>
+                                        </p:attrNameLst>
+                                      </p:cBhvr>
+                                      <p:to>
+                                        <p:strVal val="visible"/>
+                                      </p:to>
+                                    </p:set>
+                                  </p:childTnLst>
+                                </p:cTn>
+                              </p:par>
+                            </p:childTnLst>
+                          </p:cTn>
+                        </p:par>
+                      </p:childTnLst>
+                    </p:cTn>
+                  </p:par>
+                </p:childTnLst>
+              </p:cTn>
+              <p:prevCondLst>
+                <p:cond evt="onPrev" delay="0">
+                  <p:tgtEl>
+                    <p:sldTgt/>
+                  </p:tgtEl>
+                </p:cond>
+              </p:prevCondLst>
+              <p:nextCondLst>
+                <p:cond evt="onNext" delay="0">
+                  <p:tgtEl>
+                    <p:sldTgt/>
+                  </p:tgtEl>
+                </p:cond>
+              </p:nextCondLst>
+            </p:seq>
+          </p:childTnLst>
+        </p:cTn>
+      </p:par>
+    </p:tnLst>
+  </p:timing>
+</p:sld>
+</file>
+
+<file path=ppt/slides/slide11.xml><?xml version="1.0" encoding="utf-8"?>
+<p:sld xmlns:a="http://schemas.openxmlformats.org/drawingml/2006/main" xmlns:r="http://schemas.openxmlformats.org/officeDocument/2006/relationships" xmlns:p="http://schemas.openxmlformats.org/presentationml/2006/main">
+  <p:cSld>
+    <p:spTree>
+      <p:nvGrpSpPr>
+        <p:cNvPr id="1" name=""/>
+        <p:cNvGrpSpPr/>
+        <p:nvPr/>
+      </p:nvGrpSpPr>
+      <p:grpSpPr>
+        <a:xfrm>
+          <a:off x="0" y="0"/>
+          <a:ext cx="0" cy="0"/>
+          <a:chOff x="0" y="0"/>
+          <a:chExt cx="0" cy="0"/>
+        </a:xfrm>
+      </p:grpSpPr>
+      <p:sp>
+        <p:nvSpPr>
+          <p:cNvPr id="3" name="Cím 2"/>
+          <p:cNvSpPr>
+            <a:spLocks noGrp="1"/>
+          </p:cNvSpPr>
+          <p:nvPr>
+            <p:ph type="title"/>
+          </p:nvPr>
+        </p:nvSpPr>
+        <p:spPr/>
+        <p:txBody>
+          <a:bodyPr/>
+          <a:lstStyle/>
+          <a:p>
+            <a:r>
+              <a:rPr lang="en-GB" dirty="0" err="1"/>
+              <a:t>Továbbfejlesztési</a:t>
+            </a:r>
+            <a:r>
+              <a:rPr lang="en-GB" dirty="0"/>
+              <a:t> </a:t>
+            </a:r>
+            <a:r>
+              <a:rPr lang="en-GB" dirty="0" err="1" smtClean="0"/>
+              <a:t>lehetőségek</a:t>
+            </a:r>
+            <a:endParaRPr lang="hu-HU" dirty="0"/>
+          </a:p>
+        </p:txBody>
+      </p:sp>
+      <p:pic>
+        <p:nvPicPr>
+          <p:cNvPr id="6" name="Tartalom helye 5"/>
+          <p:cNvPicPr>
+            <a:picLocks noGrp="1"/>
+          </p:cNvPicPr>
+          <p:nvPr>
+            <p:ph idx="1"/>
+          </p:nvPr>
+        </p:nvPicPr>
+        <p:blipFill>
+          <a:blip r:embed="rId2">
+            <a:extLst>
+              <a:ext uri="{28A0092B-C50C-407E-A947-70E740481C1C}">
+                <a14:useLocalDpi xmlns:a14="http://schemas.microsoft.com/office/drawing/2010/main" val="0"/>
+              </a:ext>
+            </a:extLst>
+          </a:blip>
+          <a:stretch>
+            <a:fillRect/>
+          </a:stretch>
+        </p:blipFill>
+        <p:spPr bwMode="auto">
+          <a:xfrm>
+            <a:off x="838200" y="1690688"/>
+            <a:ext cx="4293328" cy="4351338"/>
+          </a:xfrm>
+          <a:prstGeom prst="rect">
+            <a:avLst/>
+          </a:prstGeom>
+          <a:noFill/>
+        </p:spPr>
+      </p:pic>
+      <p:pic>
+        <p:nvPicPr>
+          <p:cNvPr id="2050" name="Picture 2" descr="QR Codes vs. Barcodes: Which One Is Better? - Tourmaline Enterprises"/>
+          <p:cNvPicPr>
+            <a:picLocks noChangeAspect="1" noChangeArrowheads="1"/>
+          </p:cNvPicPr>
+          <p:nvPr/>
+        </p:nvPicPr>
+        <p:blipFill>
+          <a:blip r:embed="rId3">
+            <a:extLst>
+              <a:ext uri="{28A0092B-C50C-407E-A947-70E740481C1C}">
+                <a14:useLocalDpi xmlns:a14="http://schemas.microsoft.com/office/drawing/2010/main" val="0"/>
+              </a:ext>
+            </a:extLst>
+          </a:blip>
+          <a:srcRect/>
+          <a:stretch>
+            <a:fillRect/>
+          </a:stretch>
+        </p:blipFill>
+        <p:spPr bwMode="auto">
+          <a:xfrm>
+            <a:off x="6346370" y="2386857"/>
+            <a:ext cx="5007430" cy="3004458"/>
+          </a:xfrm>
+          <a:prstGeom prst="rect">
+            <a:avLst/>
+          </a:prstGeom>
+          <a:noFill/>
+          <a:extLst>
+            <a:ext uri="{909E8E84-426E-40DD-AFC4-6F175D3DCCD1}">
+              <a14:hiddenFill xmlns:a14="http://schemas.microsoft.com/office/drawing/2010/main">
+                <a:solidFill>
+                  <a:srgbClr val="FFFFFF"/>
+                </a:solidFill>
+              </a14:hiddenFill>
+            </a:ext>
+          </a:extLst>
+        </p:spPr>
+      </p:pic>
+    </p:spTree>
+    <p:extLst>
+      <p:ext uri="{BB962C8B-B14F-4D97-AF65-F5344CB8AC3E}">
+        <p14:creationId xmlns:p14="http://schemas.microsoft.com/office/powerpoint/2010/main" val="1650070298"/>
+      </p:ext>
+    </p:extLst>
+  </p:cSld>
+  <p:clrMapOvr>
+    <a:masterClrMapping/>
+  </p:clrMapOvr>
+  <p:timing>
+    <p:tnLst>
+      <p:par>
+        <p:cTn id="1" dur="indefinite" restart="never" nodeType="tmRoot"/>
+      </p:par>
+    </p:tnLst>
+  </p:timing>
+</p:sld>
+</file>
+
+<file path=ppt/slides/slide12.xml><?xml version="1.0" encoding="utf-8"?>
+<p:sld xmlns:a="http://schemas.openxmlformats.org/drawingml/2006/main" xmlns:r="http://schemas.openxmlformats.org/officeDocument/2006/relationships" xmlns:p="http://schemas.openxmlformats.org/presentationml/2006/main">
+  <p:cSld>
+    <p:spTree>
+      <p:nvGrpSpPr>
+        <p:cNvPr id="1" name=""/>
+        <p:cNvGrpSpPr/>
+        <p:nvPr/>
+      </p:nvGrpSpPr>
+      <p:grpSpPr>
+        <a:xfrm>
+          <a:off x="0" y="0"/>
+          <a:ext cx="0" cy="0"/>
+          <a:chOff x="0" y="0"/>
+          <a:chExt cx="0" cy="0"/>
+        </a:xfrm>
+      </p:grpSpPr>
+      <p:sp>
+        <p:nvSpPr>
+          <p:cNvPr id="3" name="Cím 2"/>
+          <p:cNvSpPr>
+            <a:spLocks noGrp="1"/>
+          </p:cNvSpPr>
+          <p:nvPr>
+            <p:ph type="title"/>
+          </p:nvPr>
+        </p:nvSpPr>
+        <p:spPr/>
+        <p:txBody>
+          <a:bodyPr/>
+          <a:lstStyle/>
+          <a:p>
+            <a:r>
+              <a:rPr lang="en-GB" dirty="0" err="1"/>
+              <a:t>Továbbfejlesztési</a:t>
+            </a:r>
+            <a:r>
+              <a:rPr lang="en-GB" dirty="0"/>
+              <a:t> </a:t>
+            </a:r>
+            <a:r>
+              <a:rPr lang="en-GB" dirty="0" err="1" smtClean="0"/>
+              <a:t>lehetőségek</a:t>
+            </a:r>
+            <a:endParaRPr lang="hu-HU" dirty="0"/>
+          </a:p>
+        </p:txBody>
+      </p:sp>
+      <p:pic>
+        <p:nvPicPr>
+          <p:cNvPr id="2050" name="Picture 2" descr="QR Codes vs. Barcodes: Which One Is Better? - Tourmaline Enterprises"/>
+          <p:cNvPicPr>
+            <a:picLocks noChangeAspect="1" noChangeArrowheads="1"/>
+          </p:cNvPicPr>
+          <p:nvPr/>
+        </p:nvPicPr>
+        <p:blipFill>
+          <a:blip r:embed="rId2">
+            <a:extLst>
+              <a:ext uri="{28A0092B-C50C-407E-A947-70E740481C1C}">
+                <a14:useLocalDpi xmlns:a14="http://schemas.microsoft.com/office/drawing/2010/main" val="0"/>
+              </a:ext>
+            </a:extLst>
+          </a:blip>
+          <a:srcRect/>
+          <a:stretch>
+            <a:fillRect/>
+          </a:stretch>
+        </p:blipFill>
+        <p:spPr bwMode="auto">
+          <a:xfrm>
+            <a:off x="6346370" y="2386857"/>
+            <a:ext cx="5007430" cy="3004458"/>
+          </a:xfrm>
+          <a:prstGeom prst="rect">
+            <a:avLst/>
+          </a:prstGeom>
+          <a:noFill/>
+          <a:extLst>
+            <a:ext uri="{909E8E84-426E-40DD-AFC4-6F175D3DCCD1}">
+              <a14:hiddenFill xmlns:a14="http://schemas.microsoft.com/office/drawing/2010/main">
+                <a:solidFill>
+                  <a:srgbClr val="FFFFFF"/>
+                </a:solidFill>
+              </a14:hiddenFill>
+            </a:ext>
+          </a:extLst>
+        </p:spPr>
+      </p:pic>
+      <p:sp>
+        <p:nvSpPr>
+          <p:cNvPr id="2" name="Tartalom helye 1"/>
+          <p:cNvSpPr>
+            <a:spLocks noGrp="1"/>
+          </p:cNvSpPr>
+          <p:nvPr>
+            <p:ph idx="1"/>
+          </p:nvPr>
+        </p:nvSpPr>
+        <p:spPr/>
+        <p:txBody>
+          <a:bodyPr/>
+          <a:lstStyle/>
+          <a:p>
+            <a:endParaRPr lang="hu-HU" dirty="0"/>
+          </a:p>
+        </p:txBody>
+      </p:sp>
+    </p:spTree>
+    <p:extLst>
+      <p:ext uri="{BB962C8B-B14F-4D97-AF65-F5344CB8AC3E}">
+        <p14:creationId xmlns:p14="http://schemas.microsoft.com/office/powerpoint/2010/main" val="4219795528"/>
       </p:ext>
     </p:extLst>
   </p:cSld>
@@ -3454,7 +4029,7 @@
           <p:cNvPr id="2" name="Cím 1">
             <a:extLst>
               <a:ext uri="{FF2B5EF4-FFF2-40B4-BE49-F238E27FC236}">
-                <a16:creationId xmlns:a16="http://schemas.microsoft.com/office/drawing/2014/main" xmlns="" id="{EA970709-3BCE-5144-9A69-45E15E3D51C0}"/>
+                <a16:creationId xmlns="" xmlns:a16="http://schemas.microsoft.com/office/drawing/2014/main" id="{EA970709-3BCE-5144-9A69-45E15E3D51C0}"/>
               </a:ext>
             </a:extLst>
           </p:cNvPr>
@@ -3489,7 +4064,7 @@
           <p:cNvPr id="3" name="Tartalom helye 2">
             <a:extLst>
               <a:ext uri="{FF2B5EF4-FFF2-40B4-BE49-F238E27FC236}">
-                <a16:creationId xmlns:a16="http://schemas.microsoft.com/office/drawing/2014/main" xmlns="" id="{A6F78135-C67A-3A8A-13BD-EA557CD9DBE4}"/>
+                <a16:creationId xmlns="" xmlns:a16="http://schemas.microsoft.com/office/drawing/2014/main" id="{A6F78135-C67A-3A8A-13BD-EA557CD9DBE4}"/>
               </a:ext>
             </a:extLst>
           </p:cNvPr>
@@ -3503,7 +4078,7 @@
         <p:spPr/>
         <p:txBody>
           <a:bodyPr>
-            <a:normAutofit fontScale="92500" lnSpcReduction="10000"/>
+            <a:normAutofit fontScale="85000" lnSpcReduction="10000"/>
           </a:bodyPr>
           <a:lstStyle/>
           <a:p>
@@ -3583,6 +4158,30 @@
               <a:rPr lang="en-GB" noProof="0" dirty="0" err="1" smtClean="0"/>
               <a:t>felület</a:t>
             </a:r>
+            <a:endParaRPr lang="hu-HU" noProof="0" dirty="0" smtClean="0"/>
+          </a:p>
+          <a:p>
+            <a:pPr lvl="1">
+              <a:lnSpc>
+                <a:spcPct val="150000"/>
+              </a:lnSpc>
+            </a:pPr>
+            <a:r>
+              <a:rPr lang="hu-HU" dirty="0" smtClean="0"/>
+              <a:t>Kód</a:t>
+            </a:r>
+            <a:endParaRPr lang="hu-HU" noProof="0" dirty="0" smtClean="0"/>
+          </a:p>
+          <a:p>
+            <a:pPr lvl="1">
+              <a:lnSpc>
+                <a:spcPct val="150000"/>
+              </a:lnSpc>
+            </a:pPr>
+            <a:r>
+              <a:rPr lang="hu-HU" noProof="0" dirty="0" smtClean="0"/>
+              <a:t>Tesztelés</a:t>
+            </a:r>
             <a:endParaRPr lang="hu-HU" noProof="0" dirty="0"/>
           </a:p>
           <a:p>
@@ -3606,22 +4205,11 @@
             <a:endParaRPr lang="hu-HU" dirty="0" smtClean="0"/>
           </a:p>
           <a:p>
-            <a:pPr>
+            <a:pPr marL="0" indent="0">
               <a:lnSpc>
                 <a:spcPct val="150000"/>
               </a:lnSpc>
-            </a:pPr>
-            <a:r>
-              <a:rPr lang="hu-HU" dirty="0" smtClean="0"/>
-              <a:t>Kód</a:t>
-            </a:r>
-            <a:endParaRPr lang="hu-HU" dirty="0" smtClean="0"/>
-          </a:p>
-          <a:p>
-            <a:pPr>
-              <a:lnSpc>
-                <a:spcPct val="150000"/>
-              </a:lnSpc>
+              <a:buNone/>
             </a:pPr>
             <a:endParaRPr lang="hu-HU" noProof="0" dirty="0"/>
           </a:p>
@@ -3669,7 +4257,7 @@
           <p:cNvPr id="2" name="Cím 1">
             <a:extLst>
               <a:ext uri="{FF2B5EF4-FFF2-40B4-BE49-F238E27FC236}">
-                <a16:creationId xmlns:a16="http://schemas.microsoft.com/office/drawing/2014/main" xmlns="" id="{2C5C7AAD-F2C5-6C79-6297-677583C5C0FD}"/>
+                <a16:creationId xmlns="" xmlns:a16="http://schemas.microsoft.com/office/drawing/2014/main" id="{2C5C7AAD-F2C5-6C79-6297-677583C5C0FD}"/>
               </a:ext>
             </a:extLst>
           </p:cNvPr>
@@ -3699,7 +4287,7 @@
           <p:cNvPr id="3" name="Tartalom helye 2">
             <a:extLst>
               <a:ext uri="{FF2B5EF4-FFF2-40B4-BE49-F238E27FC236}">
-                <a16:creationId xmlns:a16="http://schemas.microsoft.com/office/drawing/2014/main" xmlns="" id="{D1300D89-F45B-0B16-AE8D-F67C1B031217}"/>
+                <a16:creationId xmlns="" xmlns:a16="http://schemas.microsoft.com/office/drawing/2014/main" id="{D1300D89-F45B-0B16-AE8D-F67C1B031217}"/>
               </a:ext>
             </a:extLst>
           </p:cNvPr>
@@ -3796,7 +4384,7 @@
           <p:cNvPr id="2" name="Cím 1">
             <a:extLst>
               <a:ext uri="{FF2B5EF4-FFF2-40B4-BE49-F238E27FC236}">
-                <a16:creationId xmlns:a16="http://schemas.microsoft.com/office/drawing/2014/main" xmlns="" id="{245EA668-FC36-240B-2891-997517891F95}"/>
+                <a16:creationId xmlns="" xmlns:a16="http://schemas.microsoft.com/office/drawing/2014/main" id="{245EA668-FC36-240B-2891-997517891F95}"/>
               </a:ext>
             </a:extLst>
           </p:cNvPr>
@@ -3825,7 +4413,7 @@
           <p:cNvPr id="5" name="Tartalom helye 4">
             <a:extLst>
               <a:ext uri="{FF2B5EF4-FFF2-40B4-BE49-F238E27FC236}">
-                <a16:creationId xmlns:a16="http://schemas.microsoft.com/office/drawing/2014/main" xmlns="" id="{BA1D8273-E9E8-818D-3A94-81D744FCD986}"/>
+                <a16:creationId xmlns="" xmlns:a16="http://schemas.microsoft.com/office/drawing/2014/main" id="{BA1D8273-E9E8-818D-3A94-81D744FCD986}"/>
               </a:ext>
             </a:extLst>
           </p:cNvPr>
@@ -3854,7 +4442,7 @@
           <p:cNvPr id="9" name="Kép 8">
             <a:extLst>
               <a:ext uri="{FF2B5EF4-FFF2-40B4-BE49-F238E27FC236}">
-                <a16:creationId xmlns:a16="http://schemas.microsoft.com/office/drawing/2014/main" xmlns="" id="{1866824C-47CD-9344-D8C1-15DC0E9BD721}"/>
+                <a16:creationId xmlns="" xmlns:a16="http://schemas.microsoft.com/office/drawing/2014/main" id="{1866824C-47CD-9344-D8C1-15DC0E9BD721}"/>
               </a:ext>
             </a:extLst>
           </p:cNvPr>
@@ -4016,7 +4604,7 @@
           <p:cNvPr id="7" name="Kép 6">
             <a:extLst>
               <a:ext uri="{FF2B5EF4-FFF2-40B4-BE49-F238E27FC236}">
-                <a16:creationId xmlns:a16="http://schemas.microsoft.com/office/drawing/2014/main" xmlns="" id="{252B1897-D80D-921E-3E37-F29611969CE9}"/>
+                <a16:creationId xmlns="" xmlns:a16="http://schemas.microsoft.com/office/drawing/2014/main" id="{252B1897-D80D-921E-3E37-F29611969CE9}"/>
               </a:ext>
             </a:extLst>
           </p:cNvPr>
@@ -4046,7 +4634,7 @@
           <p:cNvPr id="9" name="Kép 8">
             <a:extLst>
               <a:ext uri="{FF2B5EF4-FFF2-40B4-BE49-F238E27FC236}">
-                <a16:creationId xmlns:a16="http://schemas.microsoft.com/office/drawing/2014/main" xmlns="" id="{EAD5090D-7793-BC25-D41B-D1309502ACD9}"/>
+                <a16:creationId xmlns="" xmlns:a16="http://schemas.microsoft.com/office/drawing/2014/main" id="{EAD5090D-7793-BC25-D41B-D1309502ACD9}"/>
               </a:ext>
             </a:extLst>
           </p:cNvPr>
@@ -4076,7 +4664,7 @@
           <p:cNvPr id="11" name="Kép 10">
             <a:extLst>
               <a:ext uri="{FF2B5EF4-FFF2-40B4-BE49-F238E27FC236}">
-                <a16:creationId xmlns:a16="http://schemas.microsoft.com/office/drawing/2014/main" xmlns="" id="{F56C9E0B-641E-9C29-FD59-8F4AA8FE2F8B}"/>
+                <a16:creationId xmlns="" xmlns:a16="http://schemas.microsoft.com/office/drawing/2014/main" id="{F56C9E0B-641E-9C29-FD59-8F4AA8FE2F8B}"/>
               </a:ext>
             </a:extLst>
           </p:cNvPr>
@@ -4106,7 +4694,7 @@
           <p:cNvPr id="17" name="Szövegdoboz 16">
             <a:extLst>
               <a:ext uri="{FF2B5EF4-FFF2-40B4-BE49-F238E27FC236}">
-                <a16:creationId xmlns:a16="http://schemas.microsoft.com/office/drawing/2014/main" xmlns="" id="{0AC3402A-F2E6-AAAC-B5D4-E8E741B2766E}"/>
+                <a16:creationId xmlns="" xmlns:a16="http://schemas.microsoft.com/office/drawing/2014/main" id="{0AC3402A-F2E6-AAAC-B5D4-E8E741B2766E}"/>
               </a:ext>
             </a:extLst>
           </p:cNvPr>
@@ -4142,7 +4730,7 @@
           <p:cNvPr id="18" name="Szövegdoboz 17">
             <a:extLst>
               <a:ext uri="{FF2B5EF4-FFF2-40B4-BE49-F238E27FC236}">
-                <a16:creationId xmlns:a16="http://schemas.microsoft.com/office/drawing/2014/main" xmlns="" id="{071C04A1-0E02-0FE0-3478-1DF958168D3B}"/>
+                <a16:creationId xmlns="" xmlns:a16="http://schemas.microsoft.com/office/drawing/2014/main" id="{071C04A1-0E02-0FE0-3478-1DF958168D3B}"/>
               </a:ext>
             </a:extLst>
           </p:cNvPr>
@@ -4186,7 +4774,7 @@
           <p:cNvPr id="19" name="Szövegdoboz 18">
             <a:extLst>
               <a:ext uri="{FF2B5EF4-FFF2-40B4-BE49-F238E27FC236}">
-                <a16:creationId xmlns:a16="http://schemas.microsoft.com/office/drawing/2014/main" xmlns="" id="{5B3B5F66-E36E-17AE-25D4-646B2DEF276D}"/>
+                <a16:creationId xmlns="" xmlns:a16="http://schemas.microsoft.com/office/drawing/2014/main" id="{5B3B5F66-E36E-17AE-25D4-646B2DEF276D}"/>
               </a:ext>
             </a:extLst>
           </p:cNvPr>
@@ -4446,7 +5034,7 @@
           <p:cNvPr id="2" name="Cím 1">
             <a:extLst>
               <a:ext uri="{FF2B5EF4-FFF2-40B4-BE49-F238E27FC236}">
-                <a16:creationId xmlns:a16="http://schemas.microsoft.com/office/drawing/2014/main" xmlns="" id="{F112EA45-9EA5-0DCB-9C88-DB772AFA2B75}"/>
+                <a16:creationId xmlns="" xmlns:a16="http://schemas.microsoft.com/office/drawing/2014/main" id="{F112EA45-9EA5-0DCB-9C88-DB772AFA2B75}"/>
               </a:ext>
             </a:extLst>
           </p:cNvPr>
@@ -4474,7 +5062,7 @@
           <p:cNvPr id="9" name="Kép 8">
             <a:extLst>
               <a:ext uri="{FF2B5EF4-FFF2-40B4-BE49-F238E27FC236}">
-                <a16:creationId xmlns:a16="http://schemas.microsoft.com/office/drawing/2014/main" xmlns="" id="{8C990788-A662-6A78-2401-8B6CB704384A}"/>
+                <a16:creationId xmlns="" xmlns:a16="http://schemas.microsoft.com/office/drawing/2014/main" id="{8C990788-A662-6A78-2401-8B6CB704384A}"/>
               </a:ext>
             </a:extLst>
           </p:cNvPr>
@@ -4504,7 +5092,7 @@
           <p:cNvPr id="13" name="Kép 12">
             <a:extLst>
               <a:ext uri="{FF2B5EF4-FFF2-40B4-BE49-F238E27FC236}">
-                <a16:creationId xmlns:a16="http://schemas.microsoft.com/office/drawing/2014/main" xmlns="" id="{2A0D0057-78FD-89E4-C000-F46D0216D3E1}"/>
+                <a16:creationId xmlns="" xmlns:a16="http://schemas.microsoft.com/office/drawing/2014/main" id="{2A0D0057-78FD-89E4-C000-F46D0216D3E1}"/>
               </a:ext>
             </a:extLst>
           </p:cNvPr>
@@ -4666,7 +5254,7 @@
           <p:cNvPr id="2" name="Cím 1">
             <a:extLst>
               <a:ext uri="{FF2B5EF4-FFF2-40B4-BE49-F238E27FC236}">
-                <a16:creationId xmlns:a16="http://schemas.microsoft.com/office/drawing/2014/main" xmlns="" id="{77523038-2A0E-2292-08BC-685F1238E0E3}"/>
+                <a16:creationId xmlns="" xmlns:a16="http://schemas.microsoft.com/office/drawing/2014/main" id="{77523038-2A0E-2292-08BC-685F1238E0E3}"/>
               </a:ext>
             </a:extLst>
           </p:cNvPr>
@@ -4695,7 +5283,7 @@
           <p:cNvPr id="5" name="Tartalom helye 4">
             <a:extLst>
               <a:ext uri="{FF2B5EF4-FFF2-40B4-BE49-F238E27FC236}">
-                <a16:creationId xmlns:a16="http://schemas.microsoft.com/office/drawing/2014/main" xmlns="" id="{FF8DF6C7-92E9-B5FA-D180-E81D84A9D980}"/>
+                <a16:creationId xmlns="" xmlns:a16="http://schemas.microsoft.com/office/drawing/2014/main" id="{FF8DF6C7-92E9-B5FA-D180-E81D84A9D980}"/>
               </a:ext>
             </a:extLst>
           </p:cNvPr>
@@ -4724,7 +5312,7 @@
           <p:cNvPr id="7" name="Kép 6">
             <a:extLst>
               <a:ext uri="{FF2B5EF4-FFF2-40B4-BE49-F238E27FC236}">
-                <a16:creationId xmlns:a16="http://schemas.microsoft.com/office/drawing/2014/main" xmlns="" id="{F013B305-6F0A-5D50-C51E-DF51244DFFF9}"/>
+                <a16:creationId xmlns="" xmlns:a16="http://schemas.microsoft.com/office/drawing/2014/main" id="{F013B305-6F0A-5D50-C51E-DF51244DFFF9}"/>
               </a:ext>
             </a:extLst>
           </p:cNvPr>
@@ -4754,7 +5342,7 @@
           <p:cNvPr id="11" name="Kép 10">
             <a:extLst>
               <a:ext uri="{FF2B5EF4-FFF2-40B4-BE49-F238E27FC236}">
-                <a16:creationId xmlns:a16="http://schemas.microsoft.com/office/drawing/2014/main" xmlns="" id="{0DF894E4-E167-8EEB-994D-298E283AF3C1}"/>
+                <a16:creationId xmlns="" xmlns:a16="http://schemas.microsoft.com/office/drawing/2014/main" id="{0DF894E4-E167-8EEB-994D-298E283AF3C1}"/>
               </a:ext>
             </a:extLst>
           </p:cNvPr>
@@ -4784,7 +5372,7 @@
           <p:cNvPr id="18" name="Kép 17">
             <a:extLst>
               <a:ext uri="{FF2B5EF4-FFF2-40B4-BE49-F238E27FC236}">
-                <a16:creationId xmlns:a16="http://schemas.microsoft.com/office/drawing/2014/main" xmlns="" id="{7592C0F7-37F7-2964-DC05-56DED86CEC4E}"/>
+                <a16:creationId xmlns="" xmlns:a16="http://schemas.microsoft.com/office/drawing/2014/main" id="{7592C0F7-37F7-2964-DC05-56DED86CEC4E}"/>
               </a:ext>
             </a:extLst>
           </p:cNvPr>
@@ -4814,7 +5402,7 @@
           <p:cNvPr id="21" name="Kép 20">
             <a:extLst>
               <a:ext uri="{FF2B5EF4-FFF2-40B4-BE49-F238E27FC236}">
-                <a16:creationId xmlns:a16="http://schemas.microsoft.com/office/drawing/2014/main" xmlns="" id="{12413BDF-7A02-151B-E6E1-C302D1278151}"/>
+                <a16:creationId xmlns="" xmlns:a16="http://schemas.microsoft.com/office/drawing/2014/main" id="{12413BDF-7A02-151B-E6E1-C302D1278151}"/>
               </a:ext>
             </a:extLst>
           </p:cNvPr>
@@ -5129,7 +5717,112 @@
           <p:cNvPr id="2" name="Cím 1">
             <a:extLst>
               <a:ext uri="{FF2B5EF4-FFF2-40B4-BE49-F238E27FC236}">
-                <a16:creationId xmlns:a16="http://schemas.microsoft.com/office/drawing/2014/main" xmlns="" id="{2102A77B-DBE6-2814-3699-0C88D708B2FB}"/>
+                <a16:creationId xmlns="" xmlns:a16="http://schemas.microsoft.com/office/drawing/2014/main" id="{2102A77B-DBE6-2814-3699-0C88D708B2FB}"/>
+              </a:ext>
+            </a:extLst>
+          </p:cNvPr>
+          <p:cNvSpPr>
+            <a:spLocks noGrp="1"/>
+          </p:cNvSpPr>
+          <p:nvPr>
+            <p:ph type="title"/>
+          </p:nvPr>
+        </p:nvSpPr>
+        <p:spPr/>
+        <p:txBody>
+          <a:bodyPr/>
+          <a:lstStyle/>
+          <a:p>
+            <a:endParaRPr lang="hu-HU" dirty="0"/>
+          </a:p>
+        </p:txBody>
+      </p:sp>
+      <p:pic>
+        <p:nvPicPr>
+          <p:cNvPr id="4" name="Picture 2" descr="https://cdn.discordapp.com/attachments/1266335986896338966/1376619683339436152/image.png?ex=6835fc7c&amp;is=6834aafc&amp;hm=ce13e41766c16723081f562ecf57ae60ea5f6084ba4e3103258aa574bcc9fd5b&amp;"/>
+          <p:cNvPicPr>
+            <a:picLocks noGrp="1" noChangeAspect="1" noChangeArrowheads="1"/>
+          </p:cNvPicPr>
+          <p:nvPr>
+            <p:ph idx="1"/>
+          </p:nvPr>
+        </p:nvPicPr>
+        <p:blipFill>
+          <a:blip r:embed="rId2">
+            <a:extLst>
+              <a:ext uri="{28A0092B-C50C-407E-A947-70E740481C1C}">
+                <a14:useLocalDpi xmlns:a14="http://schemas.microsoft.com/office/drawing/2010/main" val="0"/>
+              </a:ext>
+            </a:extLst>
+          </a:blip>
+          <a:srcRect/>
+          <a:stretch>
+            <a:fillRect/>
+          </a:stretch>
+        </p:blipFill>
+        <p:spPr bwMode="auto">
+          <a:xfrm>
+            <a:off x="2147887" y="2248694"/>
+            <a:ext cx="7896225" cy="3505200"/>
+          </a:xfrm>
+          <a:prstGeom prst="rect">
+            <a:avLst/>
+          </a:prstGeom>
+          <a:noFill/>
+          <a:extLst>
+            <a:ext uri="{909E8E84-426E-40DD-AFC4-6F175D3DCCD1}">
+              <a14:hiddenFill xmlns:a14="http://schemas.microsoft.com/office/drawing/2010/main">
+                <a:solidFill>
+                  <a:srgbClr val="FFFFFF"/>
+                </a:solidFill>
+              </a14:hiddenFill>
+            </a:ext>
+          </a:extLst>
+        </p:spPr>
+      </p:pic>
+    </p:spTree>
+    <p:extLst>
+      <p:ext uri="{BB962C8B-B14F-4D97-AF65-F5344CB8AC3E}">
+        <p14:creationId xmlns:p14="http://schemas.microsoft.com/office/powerpoint/2010/main" val="2527869773"/>
+      </p:ext>
+    </p:extLst>
+  </p:cSld>
+  <p:clrMapOvr>
+    <a:masterClrMapping/>
+  </p:clrMapOvr>
+  <p:timing>
+    <p:tnLst>
+      <p:par>
+        <p:cTn id="1" dur="indefinite" restart="never" nodeType="tmRoot"/>
+      </p:par>
+    </p:tnLst>
+  </p:timing>
+</p:sld>
+</file>
+
+<file path=ppt/slides/slide9.xml><?xml version="1.0" encoding="utf-8"?>
+<p:sld xmlns:a="http://schemas.openxmlformats.org/drawingml/2006/main" xmlns:r="http://schemas.openxmlformats.org/officeDocument/2006/relationships" xmlns:p="http://schemas.openxmlformats.org/presentationml/2006/main">
+  <p:cSld>
+    <p:spTree>
+      <p:nvGrpSpPr>
+        <p:cNvPr id="1" name=""/>
+        <p:cNvGrpSpPr/>
+        <p:nvPr/>
+      </p:nvGrpSpPr>
+      <p:grpSpPr>
+        <a:xfrm>
+          <a:off x="0" y="0"/>
+          <a:ext cx="0" cy="0"/>
+          <a:chOff x="0" y="0"/>
+          <a:chExt cx="0" cy="0"/>
+        </a:xfrm>
+      </p:grpSpPr>
+      <p:sp>
+        <p:nvSpPr>
+          <p:cNvPr id="2" name="Cím 1">
+            <a:extLst>
+              <a:ext uri="{FF2B5EF4-FFF2-40B4-BE49-F238E27FC236}">
+                <a16:creationId xmlns="" xmlns:a16="http://schemas.microsoft.com/office/drawing/2014/main" id="{2102A77B-DBE6-2814-3699-0C88D708B2FB}"/>
               </a:ext>
             </a:extLst>
           </p:cNvPr>

--- a/BZSH Külker Leltár.pptx
+++ b/BZSH Külker Leltár.pptx
@@ -16,7 +16,6 @@
     <p:sldId id="265" r:id="rId10"/>
     <p:sldId id="266" r:id="rId11"/>
     <p:sldId id="268" r:id="rId12"/>
-    <p:sldId id="269" r:id="rId13"/>
   </p:sldIdLst>
   <p:sldSz cx="12192000" cy="6858000"/>
   <p:notesSz cx="6858000" cy="9144000"/>
@@ -153,7 +152,7 @@
           <p:cNvPr id="2" name="Cím 1">
             <a:extLst>
               <a:ext uri="{FF2B5EF4-FFF2-40B4-BE49-F238E27FC236}">
-                <a16:creationId xmlns="" xmlns:a16="http://schemas.microsoft.com/office/drawing/2014/main" id="{F43D28F1-0D94-238D-34C2-FE2B13D96739}"/>
+                <a16:creationId xmlns:a16="http://schemas.microsoft.com/office/drawing/2014/main" xmlns="" id="{F43D28F1-0D94-238D-34C2-FE2B13D96739}"/>
               </a:ext>
             </a:extLst>
           </p:cNvPr>
@@ -190,7 +189,7 @@
           <p:cNvPr id="3" name="Alcím 2">
             <a:extLst>
               <a:ext uri="{FF2B5EF4-FFF2-40B4-BE49-F238E27FC236}">
-                <a16:creationId xmlns="" xmlns:a16="http://schemas.microsoft.com/office/drawing/2014/main" id="{CC8680F3-0D1D-D736-672C-86648D955D28}"/>
+                <a16:creationId xmlns:a16="http://schemas.microsoft.com/office/drawing/2014/main" xmlns="" id="{CC8680F3-0D1D-D736-672C-86648D955D28}"/>
               </a:ext>
             </a:extLst>
           </p:cNvPr>
@@ -260,7 +259,7 @@
           <p:cNvPr id="4" name="Dátum helye 3">
             <a:extLst>
               <a:ext uri="{FF2B5EF4-FFF2-40B4-BE49-F238E27FC236}">
-                <a16:creationId xmlns="" xmlns:a16="http://schemas.microsoft.com/office/drawing/2014/main" id="{6E938D85-B098-E16F-A84F-785B1028F96E}"/>
+                <a16:creationId xmlns:a16="http://schemas.microsoft.com/office/drawing/2014/main" xmlns="" id="{6E938D85-B098-E16F-A84F-785B1028F96E}"/>
               </a:ext>
             </a:extLst>
           </p:cNvPr>
@@ -289,7 +288,7 @@
           <p:cNvPr id="5" name="Élőláb helye 4">
             <a:extLst>
               <a:ext uri="{FF2B5EF4-FFF2-40B4-BE49-F238E27FC236}">
-                <a16:creationId xmlns="" xmlns:a16="http://schemas.microsoft.com/office/drawing/2014/main" id="{ED1DD9C6-B4CE-10D8-7BAC-3C3BD2AADD5B}"/>
+                <a16:creationId xmlns:a16="http://schemas.microsoft.com/office/drawing/2014/main" xmlns="" id="{ED1DD9C6-B4CE-10D8-7BAC-3C3BD2AADD5B}"/>
               </a:ext>
             </a:extLst>
           </p:cNvPr>
@@ -314,7 +313,7 @@
           <p:cNvPr id="6" name="Dia számának helye 5">
             <a:extLst>
               <a:ext uri="{FF2B5EF4-FFF2-40B4-BE49-F238E27FC236}">
-                <a16:creationId xmlns="" xmlns:a16="http://schemas.microsoft.com/office/drawing/2014/main" id="{796CDBEB-AAAB-9A09-4E4D-621CD58DBB1D}"/>
+                <a16:creationId xmlns:a16="http://schemas.microsoft.com/office/drawing/2014/main" xmlns="" id="{796CDBEB-AAAB-9A09-4E4D-621CD58DBB1D}"/>
               </a:ext>
             </a:extLst>
           </p:cNvPr>
@@ -373,7 +372,7 @@
           <p:cNvPr id="2" name="Cím 1">
             <a:extLst>
               <a:ext uri="{FF2B5EF4-FFF2-40B4-BE49-F238E27FC236}">
-                <a16:creationId xmlns="" xmlns:a16="http://schemas.microsoft.com/office/drawing/2014/main" id="{BB5E1BBF-530D-C58D-C641-012AF8454339}"/>
+                <a16:creationId xmlns:a16="http://schemas.microsoft.com/office/drawing/2014/main" xmlns="" id="{BB5E1BBF-530D-C58D-C641-012AF8454339}"/>
               </a:ext>
             </a:extLst>
           </p:cNvPr>
@@ -401,7 +400,7 @@
           <p:cNvPr id="3" name="Függőleges szöveg helye 2">
             <a:extLst>
               <a:ext uri="{FF2B5EF4-FFF2-40B4-BE49-F238E27FC236}">
-                <a16:creationId xmlns="" xmlns:a16="http://schemas.microsoft.com/office/drawing/2014/main" id="{8F144DCE-A322-A30F-9E12-6E469BF50B2A}"/>
+                <a16:creationId xmlns:a16="http://schemas.microsoft.com/office/drawing/2014/main" xmlns="" id="{8F144DCE-A322-A30F-9E12-6E469BF50B2A}"/>
               </a:ext>
             </a:extLst>
           </p:cNvPr>
@@ -458,7 +457,7 @@
           <p:cNvPr id="4" name="Dátum helye 3">
             <a:extLst>
               <a:ext uri="{FF2B5EF4-FFF2-40B4-BE49-F238E27FC236}">
-                <a16:creationId xmlns="" xmlns:a16="http://schemas.microsoft.com/office/drawing/2014/main" id="{91C83273-C185-67EC-5C55-0A140848355A}"/>
+                <a16:creationId xmlns:a16="http://schemas.microsoft.com/office/drawing/2014/main" xmlns="" id="{91C83273-C185-67EC-5C55-0A140848355A}"/>
               </a:ext>
             </a:extLst>
           </p:cNvPr>
@@ -487,7 +486,7 @@
           <p:cNvPr id="5" name="Élőláb helye 4">
             <a:extLst>
               <a:ext uri="{FF2B5EF4-FFF2-40B4-BE49-F238E27FC236}">
-                <a16:creationId xmlns="" xmlns:a16="http://schemas.microsoft.com/office/drawing/2014/main" id="{4B4E6BA0-D993-9AD2-D50C-666D8B9642EE}"/>
+                <a16:creationId xmlns:a16="http://schemas.microsoft.com/office/drawing/2014/main" xmlns="" id="{4B4E6BA0-D993-9AD2-D50C-666D8B9642EE}"/>
               </a:ext>
             </a:extLst>
           </p:cNvPr>
@@ -512,7 +511,7 @@
           <p:cNvPr id="6" name="Dia számának helye 5">
             <a:extLst>
               <a:ext uri="{FF2B5EF4-FFF2-40B4-BE49-F238E27FC236}">
-                <a16:creationId xmlns="" xmlns:a16="http://schemas.microsoft.com/office/drawing/2014/main" id="{5DCD11B6-E8F2-B688-5C5B-62F6E9229279}"/>
+                <a16:creationId xmlns:a16="http://schemas.microsoft.com/office/drawing/2014/main" xmlns="" id="{5DCD11B6-E8F2-B688-5C5B-62F6E9229279}"/>
               </a:ext>
             </a:extLst>
           </p:cNvPr>
@@ -571,7 +570,7 @@
           <p:cNvPr id="2" name="Függőleges cím 1">
             <a:extLst>
               <a:ext uri="{FF2B5EF4-FFF2-40B4-BE49-F238E27FC236}">
-                <a16:creationId xmlns="" xmlns:a16="http://schemas.microsoft.com/office/drawing/2014/main" id="{8C0A087C-65BE-9C56-C7DA-AEE02471E67E}"/>
+                <a16:creationId xmlns:a16="http://schemas.microsoft.com/office/drawing/2014/main" xmlns="" id="{8C0A087C-65BE-9C56-C7DA-AEE02471E67E}"/>
               </a:ext>
             </a:extLst>
           </p:cNvPr>
@@ -604,7 +603,7 @@
           <p:cNvPr id="3" name="Függőleges szöveg helye 2">
             <a:extLst>
               <a:ext uri="{FF2B5EF4-FFF2-40B4-BE49-F238E27FC236}">
-                <a16:creationId xmlns="" xmlns:a16="http://schemas.microsoft.com/office/drawing/2014/main" id="{6F43C972-63A6-9E92-1554-663A1D556A7A}"/>
+                <a16:creationId xmlns:a16="http://schemas.microsoft.com/office/drawing/2014/main" xmlns="" id="{6F43C972-63A6-9E92-1554-663A1D556A7A}"/>
               </a:ext>
             </a:extLst>
           </p:cNvPr>
@@ -666,7 +665,7 @@
           <p:cNvPr id="4" name="Dátum helye 3">
             <a:extLst>
               <a:ext uri="{FF2B5EF4-FFF2-40B4-BE49-F238E27FC236}">
-                <a16:creationId xmlns="" xmlns:a16="http://schemas.microsoft.com/office/drawing/2014/main" id="{D0E41B63-7D2A-24A4-AB61-0AC5AF8F0C4A}"/>
+                <a16:creationId xmlns:a16="http://schemas.microsoft.com/office/drawing/2014/main" xmlns="" id="{D0E41B63-7D2A-24A4-AB61-0AC5AF8F0C4A}"/>
               </a:ext>
             </a:extLst>
           </p:cNvPr>
@@ -695,7 +694,7 @@
           <p:cNvPr id="5" name="Élőláb helye 4">
             <a:extLst>
               <a:ext uri="{FF2B5EF4-FFF2-40B4-BE49-F238E27FC236}">
-                <a16:creationId xmlns="" xmlns:a16="http://schemas.microsoft.com/office/drawing/2014/main" id="{AC1BD6AB-3F08-CFAB-6DB1-805058A1B70F}"/>
+                <a16:creationId xmlns:a16="http://schemas.microsoft.com/office/drawing/2014/main" xmlns="" id="{AC1BD6AB-3F08-CFAB-6DB1-805058A1B70F}"/>
               </a:ext>
             </a:extLst>
           </p:cNvPr>
@@ -720,7 +719,7 @@
           <p:cNvPr id="6" name="Dia számának helye 5">
             <a:extLst>
               <a:ext uri="{FF2B5EF4-FFF2-40B4-BE49-F238E27FC236}">
-                <a16:creationId xmlns="" xmlns:a16="http://schemas.microsoft.com/office/drawing/2014/main" id="{5AF40C4A-A27E-EB8B-2278-1FB8F7C66DFA}"/>
+                <a16:creationId xmlns:a16="http://schemas.microsoft.com/office/drawing/2014/main" xmlns="" id="{5AF40C4A-A27E-EB8B-2278-1FB8F7C66DFA}"/>
               </a:ext>
             </a:extLst>
           </p:cNvPr>
@@ -779,7 +778,7 @@
           <p:cNvPr id="2" name="Cím 1">
             <a:extLst>
               <a:ext uri="{FF2B5EF4-FFF2-40B4-BE49-F238E27FC236}">
-                <a16:creationId xmlns="" xmlns:a16="http://schemas.microsoft.com/office/drawing/2014/main" id="{72BE27F1-A3F7-05D6-4450-E78AD211EFFA}"/>
+                <a16:creationId xmlns:a16="http://schemas.microsoft.com/office/drawing/2014/main" xmlns="" id="{72BE27F1-A3F7-05D6-4450-E78AD211EFFA}"/>
               </a:ext>
             </a:extLst>
           </p:cNvPr>
@@ -807,7 +806,7 @@
           <p:cNvPr id="3" name="Tartalom helye 2">
             <a:extLst>
               <a:ext uri="{FF2B5EF4-FFF2-40B4-BE49-F238E27FC236}">
-                <a16:creationId xmlns="" xmlns:a16="http://schemas.microsoft.com/office/drawing/2014/main" id="{6485F2B7-A39B-4B9A-B527-DAC98AB0790C}"/>
+                <a16:creationId xmlns:a16="http://schemas.microsoft.com/office/drawing/2014/main" xmlns="" id="{6485F2B7-A39B-4B9A-B527-DAC98AB0790C}"/>
               </a:ext>
             </a:extLst>
           </p:cNvPr>
@@ -864,7 +863,7 @@
           <p:cNvPr id="4" name="Dátum helye 3">
             <a:extLst>
               <a:ext uri="{FF2B5EF4-FFF2-40B4-BE49-F238E27FC236}">
-                <a16:creationId xmlns="" xmlns:a16="http://schemas.microsoft.com/office/drawing/2014/main" id="{676CE1DF-3837-FE1D-901A-A742A19A7C11}"/>
+                <a16:creationId xmlns:a16="http://schemas.microsoft.com/office/drawing/2014/main" xmlns="" id="{676CE1DF-3837-FE1D-901A-A742A19A7C11}"/>
               </a:ext>
             </a:extLst>
           </p:cNvPr>
@@ -893,7 +892,7 @@
           <p:cNvPr id="5" name="Élőláb helye 4">
             <a:extLst>
               <a:ext uri="{FF2B5EF4-FFF2-40B4-BE49-F238E27FC236}">
-                <a16:creationId xmlns="" xmlns:a16="http://schemas.microsoft.com/office/drawing/2014/main" id="{BA390FFD-FA87-E57A-BD00-E54A51A7E1D9}"/>
+                <a16:creationId xmlns:a16="http://schemas.microsoft.com/office/drawing/2014/main" xmlns="" id="{BA390FFD-FA87-E57A-BD00-E54A51A7E1D9}"/>
               </a:ext>
             </a:extLst>
           </p:cNvPr>
@@ -918,7 +917,7 @@
           <p:cNvPr id="6" name="Dia számának helye 5">
             <a:extLst>
               <a:ext uri="{FF2B5EF4-FFF2-40B4-BE49-F238E27FC236}">
-                <a16:creationId xmlns="" xmlns:a16="http://schemas.microsoft.com/office/drawing/2014/main" id="{D97EC763-AF94-46BF-7460-B966094315B9}"/>
+                <a16:creationId xmlns:a16="http://schemas.microsoft.com/office/drawing/2014/main" xmlns="" id="{D97EC763-AF94-46BF-7460-B966094315B9}"/>
               </a:ext>
             </a:extLst>
           </p:cNvPr>
@@ -977,7 +976,7 @@
           <p:cNvPr id="2" name="Cím 1">
             <a:extLst>
               <a:ext uri="{FF2B5EF4-FFF2-40B4-BE49-F238E27FC236}">
-                <a16:creationId xmlns="" xmlns:a16="http://schemas.microsoft.com/office/drawing/2014/main" id="{CF8913D7-85C4-2A22-F3C6-98E4BD6B1D29}"/>
+                <a16:creationId xmlns:a16="http://schemas.microsoft.com/office/drawing/2014/main" xmlns="" id="{CF8913D7-85C4-2A22-F3C6-98E4BD6B1D29}"/>
               </a:ext>
             </a:extLst>
           </p:cNvPr>
@@ -1014,7 +1013,7 @@
           <p:cNvPr id="3" name="Szöveg helye 2">
             <a:extLst>
               <a:ext uri="{FF2B5EF4-FFF2-40B4-BE49-F238E27FC236}">
-                <a16:creationId xmlns="" xmlns:a16="http://schemas.microsoft.com/office/drawing/2014/main" id="{1611F5D2-4F9A-94EA-B791-E48941D49EB1}"/>
+                <a16:creationId xmlns:a16="http://schemas.microsoft.com/office/drawing/2014/main" xmlns="" id="{1611F5D2-4F9A-94EA-B791-E48941D49EB1}"/>
               </a:ext>
             </a:extLst>
           </p:cNvPr>
@@ -1139,7 +1138,7 @@
           <p:cNvPr id="4" name="Dátum helye 3">
             <a:extLst>
               <a:ext uri="{FF2B5EF4-FFF2-40B4-BE49-F238E27FC236}">
-                <a16:creationId xmlns="" xmlns:a16="http://schemas.microsoft.com/office/drawing/2014/main" id="{5AF5DE06-1A8D-91BB-EE70-6D64240C2A93}"/>
+                <a16:creationId xmlns:a16="http://schemas.microsoft.com/office/drawing/2014/main" xmlns="" id="{5AF5DE06-1A8D-91BB-EE70-6D64240C2A93}"/>
               </a:ext>
             </a:extLst>
           </p:cNvPr>
@@ -1168,7 +1167,7 @@
           <p:cNvPr id="5" name="Élőláb helye 4">
             <a:extLst>
               <a:ext uri="{FF2B5EF4-FFF2-40B4-BE49-F238E27FC236}">
-                <a16:creationId xmlns="" xmlns:a16="http://schemas.microsoft.com/office/drawing/2014/main" id="{CC9F8B4C-3835-D694-EE34-821C8C99DEEC}"/>
+                <a16:creationId xmlns:a16="http://schemas.microsoft.com/office/drawing/2014/main" xmlns="" id="{CC9F8B4C-3835-D694-EE34-821C8C99DEEC}"/>
               </a:ext>
             </a:extLst>
           </p:cNvPr>
@@ -1193,7 +1192,7 @@
           <p:cNvPr id="6" name="Dia számának helye 5">
             <a:extLst>
               <a:ext uri="{FF2B5EF4-FFF2-40B4-BE49-F238E27FC236}">
-                <a16:creationId xmlns="" xmlns:a16="http://schemas.microsoft.com/office/drawing/2014/main" id="{40512473-C685-9E59-3906-9AB4AE745D5F}"/>
+                <a16:creationId xmlns:a16="http://schemas.microsoft.com/office/drawing/2014/main" xmlns="" id="{40512473-C685-9E59-3906-9AB4AE745D5F}"/>
               </a:ext>
             </a:extLst>
           </p:cNvPr>
@@ -1252,7 +1251,7 @@
           <p:cNvPr id="2" name="Cím 1">
             <a:extLst>
               <a:ext uri="{FF2B5EF4-FFF2-40B4-BE49-F238E27FC236}">
-                <a16:creationId xmlns="" xmlns:a16="http://schemas.microsoft.com/office/drawing/2014/main" id="{F68920D2-C1B1-B8A5-3420-8B5D2B9BB320}"/>
+                <a16:creationId xmlns:a16="http://schemas.microsoft.com/office/drawing/2014/main" xmlns="" id="{F68920D2-C1B1-B8A5-3420-8B5D2B9BB320}"/>
               </a:ext>
             </a:extLst>
           </p:cNvPr>
@@ -1280,7 +1279,7 @@
           <p:cNvPr id="3" name="Tartalom helye 2">
             <a:extLst>
               <a:ext uri="{FF2B5EF4-FFF2-40B4-BE49-F238E27FC236}">
-                <a16:creationId xmlns="" xmlns:a16="http://schemas.microsoft.com/office/drawing/2014/main" id="{D43CFDB4-F2B9-8712-C624-B45F13EAF33D}"/>
+                <a16:creationId xmlns:a16="http://schemas.microsoft.com/office/drawing/2014/main" xmlns="" id="{D43CFDB4-F2B9-8712-C624-B45F13EAF33D}"/>
               </a:ext>
             </a:extLst>
           </p:cNvPr>
@@ -1342,7 +1341,7 @@
           <p:cNvPr id="4" name="Tartalom helye 3">
             <a:extLst>
               <a:ext uri="{FF2B5EF4-FFF2-40B4-BE49-F238E27FC236}">
-                <a16:creationId xmlns="" xmlns:a16="http://schemas.microsoft.com/office/drawing/2014/main" id="{A3C85B65-1B1F-8EE0-909F-C8B67296919E}"/>
+                <a16:creationId xmlns:a16="http://schemas.microsoft.com/office/drawing/2014/main" xmlns="" id="{A3C85B65-1B1F-8EE0-909F-C8B67296919E}"/>
               </a:ext>
             </a:extLst>
           </p:cNvPr>
@@ -1404,7 +1403,7 @@
           <p:cNvPr id="5" name="Dátum helye 4">
             <a:extLst>
               <a:ext uri="{FF2B5EF4-FFF2-40B4-BE49-F238E27FC236}">
-                <a16:creationId xmlns="" xmlns:a16="http://schemas.microsoft.com/office/drawing/2014/main" id="{4557A5C6-41D5-D457-A8A9-40F05F560E33}"/>
+                <a16:creationId xmlns:a16="http://schemas.microsoft.com/office/drawing/2014/main" xmlns="" id="{4557A5C6-41D5-D457-A8A9-40F05F560E33}"/>
               </a:ext>
             </a:extLst>
           </p:cNvPr>
@@ -1433,7 +1432,7 @@
           <p:cNvPr id="6" name="Élőláb helye 5">
             <a:extLst>
               <a:ext uri="{FF2B5EF4-FFF2-40B4-BE49-F238E27FC236}">
-                <a16:creationId xmlns="" xmlns:a16="http://schemas.microsoft.com/office/drawing/2014/main" id="{98BCDB77-34DE-8FA1-D105-FAD3651F6A46}"/>
+                <a16:creationId xmlns:a16="http://schemas.microsoft.com/office/drawing/2014/main" xmlns="" id="{98BCDB77-34DE-8FA1-D105-FAD3651F6A46}"/>
               </a:ext>
             </a:extLst>
           </p:cNvPr>
@@ -1458,7 +1457,7 @@
           <p:cNvPr id="7" name="Dia számának helye 6">
             <a:extLst>
               <a:ext uri="{FF2B5EF4-FFF2-40B4-BE49-F238E27FC236}">
-                <a16:creationId xmlns="" xmlns:a16="http://schemas.microsoft.com/office/drawing/2014/main" id="{390BBE7A-D307-555E-AB12-0B41EEA253D6}"/>
+                <a16:creationId xmlns:a16="http://schemas.microsoft.com/office/drawing/2014/main" xmlns="" id="{390BBE7A-D307-555E-AB12-0B41EEA253D6}"/>
               </a:ext>
             </a:extLst>
           </p:cNvPr>
@@ -1517,7 +1516,7 @@
           <p:cNvPr id="2" name="Cím 1">
             <a:extLst>
               <a:ext uri="{FF2B5EF4-FFF2-40B4-BE49-F238E27FC236}">
-                <a16:creationId xmlns="" xmlns:a16="http://schemas.microsoft.com/office/drawing/2014/main" id="{07EA2236-15AE-DDD2-4BA6-89D4702F1F31}"/>
+                <a16:creationId xmlns:a16="http://schemas.microsoft.com/office/drawing/2014/main" xmlns="" id="{07EA2236-15AE-DDD2-4BA6-89D4702F1F31}"/>
               </a:ext>
             </a:extLst>
           </p:cNvPr>
@@ -1550,7 +1549,7 @@
           <p:cNvPr id="3" name="Szöveg helye 2">
             <a:extLst>
               <a:ext uri="{FF2B5EF4-FFF2-40B4-BE49-F238E27FC236}">
-                <a16:creationId xmlns="" xmlns:a16="http://schemas.microsoft.com/office/drawing/2014/main" id="{BB583008-9EE5-B737-672F-BD71CB49EBE6}"/>
+                <a16:creationId xmlns:a16="http://schemas.microsoft.com/office/drawing/2014/main" xmlns="" id="{BB583008-9EE5-B737-672F-BD71CB49EBE6}"/>
               </a:ext>
             </a:extLst>
           </p:cNvPr>
@@ -1621,7 +1620,7 @@
           <p:cNvPr id="4" name="Tartalom helye 3">
             <a:extLst>
               <a:ext uri="{FF2B5EF4-FFF2-40B4-BE49-F238E27FC236}">
-                <a16:creationId xmlns="" xmlns:a16="http://schemas.microsoft.com/office/drawing/2014/main" id="{624AC8C2-EBA4-169C-1443-DC6E649194DF}"/>
+                <a16:creationId xmlns:a16="http://schemas.microsoft.com/office/drawing/2014/main" xmlns="" id="{624AC8C2-EBA4-169C-1443-DC6E649194DF}"/>
               </a:ext>
             </a:extLst>
           </p:cNvPr>
@@ -1683,7 +1682,7 @@
           <p:cNvPr id="5" name="Szöveg helye 4">
             <a:extLst>
               <a:ext uri="{FF2B5EF4-FFF2-40B4-BE49-F238E27FC236}">
-                <a16:creationId xmlns="" xmlns:a16="http://schemas.microsoft.com/office/drawing/2014/main" id="{A372FB06-0713-22DF-F416-4F98CC820171}"/>
+                <a16:creationId xmlns:a16="http://schemas.microsoft.com/office/drawing/2014/main" xmlns="" id="{A372FB06-0713-22DF-F416-4F98CC820171}"/>
               </a:ext>
             </a:extLst>
           </p:cNvPr>
@@ -1754,7 +1753,7 @@
           <p:cNvPr id="6" name="Tartalom helye 5">
             <a:extLst>
               <a:ext uri="{FF2B5EF4-FFF2-40B4-BE49-F238E27FC236}">
-                <a16:creationId xmlns="" xmlns:a16="http://schemas.microsoft.com/office/drawing/2014/main" id="{44044FD2-F5CB-3AD9-8D3B-D6D9CAD8003A}"/>
+                <a16:creationId xmlns:a16="http://schemas.microsoft.com/office/drawing/2014/main" xmlns="" id="{44044FD2-F5CB-3AD9-8D3B-D6D9CAD8003A}"/>
               </a:ext>
             </a:extLst>
           </p:cNvPr>
@@ -1816,7 +1815,7 @@
           <p:cNvPr id="7" name="Dátum helye 6">
             <a:extLst>
               <a:ext uri="{FF2B5EF4-FFF2-40B4-BE49-F238E27FC236}">
-                <a16:creationId xmlns="" xmlns:a16="http://schemas.microsoft.com/office/drawing/2014/main" id="{0F34A2A3-1490-B255-AA40-4FBAA6ED1F39}"/>
+                <a16:creationId xmlns:a16="http://schemas.microsoft.com/office/drawing/2014/main" xmlns="" id="{0F34A2A3-1490-B255-AA40-4FBAA6ED1F39}"/>
               </a:ext>
             </a:extLst>
           </p:cNvPr>
@@ -1845,7 +1844,7 @@
           <p:cNvPr id="8" name="Élőláb helye 7">
             <a:extLst>
               <a:ext uri="{FF2B5EF4-FFF2-40B4-BE49-F238E27FC236}">
-                <a16:creationId xmlns="" xmlns:a16="http://schemas.microsoft.com/office/drawing/2014/main" id="{4D7A472D-2CFC-082D-72CC-54CFA4243196}"/>
+                <a16:creationId xmlns:a16="http://schemas.microsoft.com/office/drawing/2014/main" xmlns="" id="{4D7A472D-2CFC-082D-72CC-54CFA4243196}"/>
               </a:ext>
             </a:extLst>
           </p:cNvPr>
@@ -1870,7 +1869,7 @@
           <p:cNvPr id="9" name="Dia számának helye 8">
             <a:extLst>
               <a:ext uri="{FF2B5EF4-FFF2-40B4-BE49-F238E27FC236}">
-                <a16:creationId xmlns="" xmlns:a16="http://schemas.microsoft.com/office/drawing/2014/main" id="{C7BC0E91-0D57-BCDA-5227-885B1E39CC7E}"/>
+                <a16:creationId xmlns:a16="http://schemas.microsoft.com/office/drawing/2014/main" xmlns="" id="{C7BC0E91-0D57-BCDA-5227-885B1E39CC7E}"/>
               </a:ext>
             </a:extLst>
           </p:cNvPr>
@@ -1929,7 +1928,7 @@
           <p:cNvPr id="2" name="Cím 1">
             <a:extLst>
               <a:ext uri="{FF2B5EF4-FFF2-40B4-BE49-F238E27FC236}">
-                <a16:creationId xmlns="" xmlns:a16="http://schemas.microsoft.com/office/drawing/2014/main" id="{9DDE6F42-0F86-68AD-8520-02C1DC540C0C}"/>
+                <a16:creationId xmlns:a16="http://schemas.microsoft.com/office/drawing/2014/main" xmlns="" id="{9DDE6F42-0F86-68AD-8520-02C1DC540C0C}"/>
               </a:ext>
             </a:extLst>
           </p:cNvPr>
@@ -1957,7 +1956,7 @@
           <p:cNvPr id="3" name="Dátum helye 2">
             <a:extLst>
               <a:ext uri="{FF2B5EF4-FFF2-40B4-BE49-F238E27FC236}">
-                <a16:creationId xmlns="" xmlns:a16="http://schemas.microsoft.com/office/drawing/2014/main" id="{8D787FCC-5084-9DFC-BF9F-5640729133DD}"/>
+                <a16:creationId xmlns:a16="http://schemas.microsoft.com/office/drawing/2014/main" xmlns="" id="{8D787FCC-5084-9DFC-BF9F-5640729133DD}"/>
               </a:ext>
             </a:extLst>
           </p:cNvPr>
@@ -1986,7 +1985,7 @@
           <p:cNvPr id="4" name="Élőláb helye 3">
             <a:extLst>
               <a:ext uri="{FF2B5EF4-FFF2-40B4-BE49-F238E27FC236}">
-                <a16:creationId xmlns="" xmlns:a16="http://schemas.microsoft.com/office/drawing/2014/main" id="{624E877A-30FF-4EBA-2B4B-EFAB852B7B2F}"/>
+                <a16:creationId xmlns:a16="http://schemas.microsoft.com/office/drawing/2014/main" xmlns="" id="{624E877A-30FF-4EBA-2B4B-EFAB852B7B2F}"/>
               </a:ext>
             </a:extLst>
           </p:cNvPr>
@@ -2011,7 +2010,7 @@
           <p:cNvPr id="5" name="Dia számának helye 4">
             <a:extLst>
               <a:ext uri="{FF2B5EF4-FFF2-40B4-BE49-F238E27FC236}">
-                <a16:creationId xmlns="" xmlns:a16="http://schemas.microsoft.com/office/drawing/2014/main" id="{31443C7A-9198-3E1E-F393-14841977E35D}"/>
+                <a16:creationId xmlns:a16="http://schemas.microsoft.com/office/drawing/2014/main" xmlns="" id="{31443C7A-9198-3E1E-F393-14841977E35D}"/>
               </a:ext>
             </a:extLst>
           </p:cNvPr>
@@ -2070,7 +2069,7 @@
           <p:cNvPr id="2" name="Dátum helye 1">
             <a:extLst>
               <a:ext uri="{FF2B5EF4-FFF2-40B4-BE49-F238E27FC236}">
-                <a16:creationId xmlns="" xmlns:a16="http://schemas.microsoft.com/office/drawing/2014/main" id="{1AE7904D-A8B9-303A-E6B9-ED09FA2061D0}"/>
+                <a16:creationId xmlns:a16="http://schemas.microsoft.com/office/drawing/2014/main" xmlns="" id="{1AE7904D-A8B9-303A-E6B9-ED09FA2061D0}"/>
               </a:ext>
             </a:extLst>
           </p:cNvPr>
@@ -2099,7 +2098,7 @@
           <p:cNvPr id="3" name="Élőláb helye 2">
             <a:extLst>
               <a:ext uri="{FF2B5EF4-FFF2-40B4-BE49-F238E27FC236}">
-                <a16:creationId xmlns="" xmlns:a16="http://schemas.microsoft.com/office/drawing/2014/main" id="{EB7F6395-785F-8D9D-A0B2-D5FA4B1CB867}"/>
+                <a16:creationId xmlns:a16="http://schemas.microsoft.com/office/drawing/2014/main" xmlns="" id="{EB7F6395-785F-8D9D-A0B2-D5FA4B1CB867}"/>
               </a:ext>
             </a:extLst>
           </p:cNvPr>
@@ -2124,7 +2123,7 @@
           <p:cNvPr id="4" name="Dia számának helye 3">
             <a:extLst>
               <a:ext uri="{FF2B5EF4-FFF2-40B4-BE49-F238E27FC236}">
-                <a16:creationId xmlns="" xmlns:a16="http://schemas.microsoft.com/office/drawing/2014/main" id="{A2347D24-7D32-EF92-86E3-3D9B194C8B3E}"/>
+                <a16:creationId xmlns:a16="http://schemas.microsoft.com/office/drawing/2014/main" xmlns="" id="{A2347D24-7D32-EF92-86E3-3D9B194C8B3E}"/>
               </a:ext>
             </a:extLst>
           </p:cNvPr>
@@ -2183,7 +2182,7 @@
           <p:cNvPr id="2" name="Cím 1">
             <a:extLst>
               <a:ext uri="{FF2B5EF4-FFF2-40B4-BE49-F238E27FC236}">
-                <a16:creationId xmlns="" xmlns:a16="http://schemas.microsoft.com/office/drawing/2014/main" id="{1E360EAC-2FD8-97BA-05D0-359BBF3FEFB6}"/>
+                <a16:creationId xmlns:a16="http://schemas.microsoft.com/office/drawing/2014/main" xmlns="" id="{1E360EAC-2FD8-97BA-05D0-359BBF3FEFB6}"/>
               </a:ext>
             </a:extLst>
           </p:cNvPr>
@@ -2220,7 +2219,7 @@
           <p:cNvPr id="3" name="Tartalom helye 2">
             <a:extLst>
               <a:ext uri="{FF2B5EF4-FFF2-40B4-BE49-F238E27FC236}">
-                <a16:creationId xmlns="" xmlns:a16="http://schemas.microsoft.com/office/drawing/2014/main" id="{854D6F55-A988-5133-0B07-DA2DDE1AB0AD}"/>
+                <a16:creationId xmlns:a16="http://schemas.microsoft.com/office/drawing/2014/main" xmlns="" id="{854D6F55-A988-5133-0B07-DA2DDE1AB0AD}"/>
               </a:ext>
             </a:extLst>
           </p:cNvPr>
@@ -2310,7 +2309,7 @@
           <p:cNvPr id="4" name="Szöveg helye 3">
             <a:extLst>
               <a:ext uri="{FF2B5EF4-FFF2-40B4-BE49-F238E27FC236}">
-                <a16:creationId xmlns="" xmlns:a16="http://schemas.microsoft.com/office/drawing/2014/main" id="{5DB63E90-A431-1E0B-B372-727DE151ECAA}"/>
+                <a16:creationId xmlns:a16="http://schemas.microsoft.com/office/drawing/2014/main" xmlns="" id="{5DB63E90-A431-1E0B-B372-727DE151ECAA}"/>
               </a:ext>
             </a:extLst>
           </p:cNvPr>
@@ -2381,7 +2380,7 @@
           <p:cNvPr id="5" name="Dátum helye 4">
             <a:extLst>
               <a:ext uri="{FF2B5EF4-FFF2-40B4-BE49-F238E27FC236}">
-                <a16:creationId xmlns="" xmlns:a16="http://schemas.microsoft.com/office/drawing/2014/main" id="{B03E9A80-B675-E2BB-E59D-4034E54368B3}"/>
+                <a16:creationId xmlns:a16="http://schemas.microsoft.com/office/drawing/2014/main" xmlns="" id="{B03E9A80-B675-E2BB-E59D-4034E54368B3}"/>
               </a:ext>
             </a:extLst>
           </p:cNvPr>
@@ -2410,7 +2409,7 @@
           <p:cNvPr id="6" name="Élőláb helye 5">
             <a:extLst>
               <a:ext uri="{FF2B5EF4-FFF2-40B4-BE49-F238E27FC236}">
-                <a16:creationId xmlns="" xmlns:a16="http://schemas.microsoft.com/office/drawing/2014/main" id="{E57FBA2A-E6F3-B32C-E43C-6E9DF62464E3}"/>
+                <a16:creationId xmlns:a16="http://schemas.microsoft.com/office/drawing/2014/main" xmlns="" id="{E57FBA2A-E6F3-B32C-E43C-6E9DF62464E3}"/>
               </a:ext>
             </a:extLst>
           </p:cNvPr>
@@ -2435,7 +2434,7 @@
           <p:cNvPr id="7" name="Dia számának helye 6">
             <a:extLst>
               <a:ext uri="{FF2B5EF4-FFF2-40B4-BE49-F238E27FC236}">
-                <a16:creationId xmlns="" xmlns:a16="http://schemas.microsoft.com/office/drawing/2014/main" id="{076A9DA0-EACF-1A4A-AD8A-95D949D22BD9}"/>
+                <a16:creationId xmlns:a16="http://schemas.microsoft.com/office/drawing/2014/main" xmlns="" id="{076A9DA0-EACF-1A4A-AD8A-95D949D22BD9}"/>
               </a:ext>
             </a:extLst>
           </p:cNvPr>
@@ -2494,7 +2493,7 @@
           <p:cNvPr id="2" name="Cím 1">
             <a:extLst>
               <a:ext uri="{FF2B5EF4-FFF2-40B4-BE49-F238E27FC236}">
-                <a16:creationId xmlns="" xmlns:a16="http://schemas.microsoft.com/office/drawing/2014/main" id="{D9CBA1E7-1BD1-E0BA-ADEF-35435472D52C}"/>
+                <a16:creationId xmlns:a16="http://schemas.microsoft.com/office/drawing/2014/main" xmlns="" id="{D9CBA1E7-1BD1-E0BA-ADEF-35435472D52C}"/>
               </a:ext>
             </a:extLst>
           </p:cNvPr>
@@ -2531,7 +2530,7 @@
           <p:cNvPr id="3" name="Kép helye 2">
             <a:extLst>
               <a:ext uri="{FF2B5EF4-FFF2-40B4-BE49-F238E27FC236}">
-                <a16:creationId xmlns="" xmlns:a16="http://schemas.microsoft.com/office/drawing/2014/main" id="{4C869A2D-CF1C-26BE-7B33-EE901B1A16C1}"/>
+                <a16:creationId xmlns:a16="http://schemas.microsoft.com/office/drawing/2014/main" xmlns="" id="{4C869A2D-CF1C-26BE-7B33-EE901B1A16C1}"/>
               </a:ext>
             </a:extLst>
           </p:cNvPr>
@@ -2598,7 +2597,7 @@
           <p:cNvPr id="4" name="Szöveg helye 3">
             <a:extLst>
               <a:ext uri="{FF2B5EF4-FFF2-40B4-BE49-F238E27FC236}">
-                <a16:creationId xmlns="" xmlns:a16="http://schemas.microsoft.com/office/drawing/2014/main" id="{67BC8E21-25BB-6C38-6AAB-8FD4A369DE60}"/>
+                <a16:creationId xmlns:a16="http://schemas.microsoft.com/office/drawing/2014/main" xmlns="" id="{67BC8E21-25BB-6C38-6AAB-8FD4A369DE60}"/>
               </a:ext>
             </a:extLst>
           </p:cNvPr>
@@ -2669,7 +2668,7 @@
           <p:cNvPr id="5" name="Dátum helye 4">
             <a:extLst>
               <a:ext uri="{FF2B5EF4-FFF2-40B4-BE49-F238E27FC236}">
-                <a16:creationId xmlns="" xmlns:a16="http://schemas.microsoft.com/office/drawing/2014/main" id="{C1D36AC9-2581-EB4B-123F-AF6151CF37E1}"/>
+                <a16:creationId xmlns:a16="http://schemas.microsoft.com/office/drawing/2014/main" xmlns="" id="{C1D36AC9-2581-EB4B-123F-AF6151CF37E1}"/>
               </a:ext>
             </a:extLst>
           </p:cNvPr>
@@ -2698,7 +2697,7 @@
           <p:cNvPr id="6" name="Élőláb helye 5">
             <a:extLst>
               <a:ext uri="{FF2B5EF4-FFF2-40B4-BE49-F238E27FC236}">
-                <a16:creationId xmlns="" xmlns:a16="http://schemas.microsoft.com/office/drawing/2014/main" id="{27A25DD1-4872-EB8C-9A15-958F390F123D}"/>
+                <a16:creationId xmlns:a16="http://schemas.microsoft.com/office/drawing/2014/main" xmlns="" id="{27A25DD1-4872-EB8C-9A15-958F390F123D}"/>
               </a:ext>
             </a:extLst>
           </p:cNvPr>
@@ -2723,7 +2722,7 @@
           <p:cNvPr id="7" name="Dia számának helye 6">
             <a:extLst>
               <a:ext uri="{FF2B5EF4-FFF2-40B4-BE49-F238E27FC236}">
-                <a16:creationId xmlns="" xmlns:a16="http://schemas.microsoft.com/office/drawing/2014/main" id="{6EC02751-8DD0-BA93-ECE2-EF4E1B01D2EA}"/>
+                <a16:creationId xmlns:a16="http://schemas.microsoft.com/office/drawing/2014/main" xmlns="" id="{6EC02751-8DD0-BA93-ECE2-EF4E1B01D2EA}"/>
               </a:ext>
             </a:extLst>
           </p:cNvPr>
@@ -2790,7 +2789,7 @@
           <p:cNvPr id="2" name="Cím helye 1">
             <a:extLst>
               <a:ext uri="{FF2B5EF4-FFF2-40B4-BE49-F238E27FC236}">
-                <a16:creationId xmlns="" xmlns:a16="http://schemas.microsoft.com/office/drawing/2014/main" id="{240D39A3-B419-CDDA-9D50-27EBF0920DCB}"/>
+                <a16:creationId xmlns:a16="http://schemas.microsoft.com/office/drawing/2014/main" xmlns="" id="{240D39A3-B419-CDDA-9D50-27EBF0920DCB}"/>
               </a:ext>
             </a:extLst>
           </p:cNvPr>
@@ -2828,7 +2827,7 @@
           <p:cNvPr id="3" name="Szöveg helye 2">
             <a:extLst>
               <a:ext uri="{FF2B5EF4-FFF2-40B4-BE49-F238E27FC236}">
-                <a16:creationId xmlns="" xmlns:a16="http://schemas.microsoft.com/office/drawing/2014/main" id="{F21D3007-480D-2651-9C5B-E1491807286A}"/>
+                <a16:creationId xmlns:a16="http://schemas.microsoft.com/office/drawing/2014/main" xmlns="" id="{F21D3007-480D-2651-9C5B-E1491807286A}"/>
               </a:ext>
             </a:extLst>
           </p:cNvPr>
@@ -2895,7 +2894,7 @@
           <p:cNvPr id="4" name="Dátum helye 3">
             <a:extLst>
               <a:ext uri="{FF2B5EF4-FFF2-40B4-BE49-F238E27FC236}">
-                <a16:creationId xmlns="" xmlns:a16="http://schemas.microsoft.com/office/drawing/2014/main" id="{DD214F30-DDAE-58D6-13BC-ADD239443915}"/>
+                <a16:creationId xmlns:a16="http://schemas.microsoft.com/office/drawing/2014/main" xmlns="" id="{DD214F30-DDAE-58D6-13BC-ADD239443915}"/>
               </a:ext>
             </a:extLst>
           </p:cNvPr>
@@ -2942,7 +2941,7 @@
           <p:cNvPr id="5" name="Élőláb helye 4">
             <a:extLst>
               <a:ext uri="{FF2B5EF4-FFF2-40B4-BE49-F238E27FC236}">
-                <a16:creationId xmlns="" xmlns:a16="http://schemas.microsoft.com/office/drawing/2014/main" id="{135BDBAC-551C-9370-3599-C43BA5A89CFF}"/>
+                <a16:creationId xmlns:a16="http://schemas.microsoft.com/office/drawing/2014/main" xmlns="" id="{135BDBAC-551C-9370-3599-C43BA5A89CFF}"/>
               </a:ext>
             </a:extLst>
           </p:cNvPr>
@@ -2985,7 +2984,7 @@
           <p:cNvPr id="6" name="Dia számának helye 5">
             <a:extLst>
               <a:ext uri="{FF2B5EF4-FFF2-40B4-BE49-F238E27FC236}">
-                <a16:creationId xmlns="" xmlns:a16="http://schemas.microsoft.com/office/drawing/2014/main" id="{5D05E3A7-8777-D047-CD84-4552368DAD49}"/>
+                <a16:creationId xmlns:a16="http://schemas.microsoft.com/office/drawing/2014/main" xmlns="" id="{5D05E3A7-8777-D047-CD84-4552368DAD49}"/>
               </a:ext>
             </a:extLst>
           </p:cNvPr>
@@ -3361,7 +3360,7 @@
           <p:cNvPr id="2" name="Cím 1">
             <a:extLst>
               <a:ext uri="{FF2B5EF4-FFF2-40B4-BE49-F238E27FC236}">
-                <a16:creationId xmlns="" xmlns:a16="http://schemas.microsoft.com/office/drawing/2014/main" id="{95731D92-F354-2090-8D62-55510B014160}"/>
+                <a16:creationId xmlns:a16="http://schemas.microsoft.com/office/drawing/2014/main" xmlns="" id="{95731D92-F354-2090-8D62-55510B014160}"/>
               </a:ext>
             </a:extLst>
           </p:cNvPr>
@@ -3391,7 +3390,7 @@
           <p:cNvPr id="3" name="Alcím 2">
             <a:extLst>
               <a:ext uri="{FF2B5EF4-FFF2-40B4-BE49-F238E27FC236}">
-                <a16:creationId xmlns="" xmlns:a16="http://schemas.microsoft.com/office/drawing/2014/main" id="{65EE1472-BB5A-0178-9305-A8F1C398355C}"/>
+                <a16:creationId xmlns:a16="http://schemas.microsoft.com/office/drawing/2014/main" xmlns="" id="{65EE1472-BB5A-0178-9305-A8F1C398355C}"/>
               </a:ext>
             </a:extLst>
           </p:cNvPr>
@@ -3458,7 +3457,7 @@
           <p:cNvPr id="2" name="Cím 1">
             <a:extLst>
               <a:ext uri="{FF2B5EF4-FFF2-40B4-BE49-F238E27FC236}">
-                <a16:creationId xmlns="" xmlns:a16="http://schemas.microsoft.com/office/drawing/2014/main" id="{2102A77B-DBE6-2814-3699-0C88D708B2FB}"/>
+                <a16:creationId xmlns:a16="http://schemas.microsoft.com/office/drawing/2014/main" xmlns="" id="{2102A77B-DBE6-2814-3699-0C88D708B2FB}"/>
               </a:ext>
             </a:extLst>
           </p:cNvPr>
@@ -3527,7 +3526,7 @@
         </p:blipFill>
         <p:spPr>
           <a:xfrm>
-            <a:off x="4051160" y="1027906"/>
+            <a:off x="2653183" y="1508635"/>
             <a:ext cx="7518680" cy="4715444"/>
           </a:xfrm>
           <a:prstGeom prst="rect">
@@ -3551,7 +3550,7 @@
         </p:blipFill>
         <p:spPr>
           <a:xfrm>
-            <a:off x="368862" y="3703484"/>
+            <a:off x="920054" y="1546996"/>
             <a:ext cx="10984938" cy="4677083"/>
           </a:xfrm>
           <a:prstGeom prst="rect">
@@ -3616,6 +3615,33 @@
                                   </p:childTnLst>
                                 </p:cTn>
                               </p:par>
+                              <p:par>
+                                <p:cTn id="7" presetID="1" presetClass="entr" presetSubtype="0" fill="hold" nodeType="withEffect">
+                                  <p:stCondLst>
+                                    <p:cond delay="0"/>
+                                  </p:stCondLst>
+                                  <p:childTnLst>
+                                    <p:set>
+                                      <p:cBhvr>
+                                        <p:cTn id="8" dur="1" fill="hold">
+                                          <p:stCondLst>
+                                            <p:cond delay="0"/>
+                                          </p:stCondLst>
+                                        </p:cTn>
+                                        <p:tgtEl>
+                                          <p:spTgt spid="6"/>
+                                        </p:tgtEl>
+                                        <p:attrNameLst>
+                                          <p:attrName>style.visibility</p:attrName>
+                                        </p:attrNameLst>
+                                      </p:cBhvr>
+                                      <p:to>
+                                        <p:strVal val="visible"/>
+                                      </p:to>
+                                    </p:set>
+                                  </p:childTnLst>
+                                </p:cTn>
+                              </p:par>
                             </p:childTnLst>
                           </p:cTn>
                         </p:par>
@@ -3623,26 +3649,26 @@
                     </p:cTn>
                   </p:par>
                   <p:par>
-                    <p:cTn id="7" fill="hold">
+                    <p:cTn id="9" fill="hold">
                       <p:stCondLst>
                         <p:cond delay="indefinite"/>
                       </p:stCondLst>
                       <p:childTnLst>
                         <p:par>
-                          <p:cTn id="8" fill="hold">
+                          <p:cTn id="10" fill="hold">
                             <p:stCondLst>
                               <p:cond delay="0"/>
                             </p:stCondLst>
                             <p:childTnLst>
                               <p:par>
-                                <p:cTn id="9" presetID="1" presetClass="exit" presetSubtype="0" fill="hold" nodeType="clickEffect">
+                                <p:cTn id="11" presetID="1" presetClass="exit" presetSubtype="0" fill="hold" nodeType="clickEffect">
                                   <p:stCondLst>
                                     <p:cond delay="0"/>
                                   </p:stCondLst>
                                   <p:childTnLst>
                                     <p:set>
                                       <p:cBhvr>
-                                        <p:cTn id="10" dur="1" fill="hold">
+                                        <p:cTn id="12" dur="1" fill="hold">
                                           <p:stCondLst>
                                             <p:cond delay="0"/>
                                           </p:stCondLst>
@@ -3661,26 +3687,8 @@
                                   </p:childTnLst>
                                 </p:cTn>
                               </p:par>
-                            </p:childTnLst>
-                          </p:cTn>
-                        </p:par>
-                      </p:childTnLst>
-                    </p:cTn>
-                  </p:par>
-                  <p:par>
-                    <p:cTn id="11" fill="hold">
-                      <p:stCondLst>
-                        <p:cond delay="indefinite"/>
-                      </p:stCondLst>
-                      <p:childTnLst>
-                        <p:par>
-                          <p:cTn id="12" fill="hold">
-                            <p:stCondLst>
-                              <p:cond delay="0"/>
-                            </p:stCondLst>
-                            <p:childTnLst>
                               <p:par>
-                                <p:cTn id="13" presetID="1" presetClass="entr" presetSubtype="0" fill="hold" nodeType="clickEffect">
+                                <p:cTn id="13" presetID="1" presetClass="entr" presetSubtype="0" fill="hold" nodeType="withEffect">
                                   <p:stCondLst>
                                     <p:cond delay="0"/>
                                   </p:stCondLst>
@@ -3879,134 +3887,6 @@
 </p:sld>
 </file>
 
-<file path=ppt/slides/slide12.xml><?xml version="1.0" encoding="utf-8"?>
-<p:sld xmlns:a="http://schemas.openxmlformats.org/drawingml/2006/main" xmlns:r="http://schemas.openxmlformats.org/officeDocument/2006/relationships" xmlns:p="http://schemas.openxmlformats.org/presentationml/2006/main">
-  <p:cSld>
-    <p:spTree>
-      <p:nvGrpSpPr>
-        <p:cNvPr id="1" name=""/>
-        <p:cNvGrpSpPr/>
-        <p:nvPr/>
-      </p:nvGrpSpPr>
-      <p:grpSpPr>
-        <a:xfrm>
-          <a:off x="0" y="0"/>
-          <a:ext cx="0" cy="0"/>
-          <a:chOff x="0" y="0"/>
-          <a:chExt cx="0" cy="0"/>
-        </a:xfrm>
-      </p:grpSpPr>
-      <p:sp>
-        <p:nvSpPr>
-          <p:cNvPr id="3" name="Cím 2"/>
-          <p:cNvSpPr>
-            <a:spLocks noGrp="1"/>
-          </p:cNvSpPr>
-          <p:nvPr>
-            <p:ph type="title"/>
-          </p:nvPr>
-        </p:nvSpPr>
-        <p:spPr/>
-        <p:txBody>
-          <a:bodyPr/>
-          <a:lstStyle/>
-          <a:p>
-            <a:r>
-              <a:rPr lang="en-GB" dirty="0" err="1"/>
-              <a:t>Továbbfejlesztési</a:t>
-            </a:r>
-            <a:r>
-              <a:rPr lang="en-GB" dirty="0"/>
-              <a:t> </a:t>
-            </a:r>
-            <a:r>
-              <a:rPr lang="en-GB" dirty="0" err="1" smtClean="0"/>
-              <a:t>lehetőségek</a:t>
-            </a:r>
-            <a:endParaRPr lang="hu-HU" dirty="0"/>
-          </a:p>
-        </p:txBody>
-      </p:sp>
-      <p:pic>
-        <p:nvPicPr>
-          <p:cNvPr id="2050" name="Picture 2" descr="QR Codes vs. Barcodes: Which One Is Better? - Tourmaline Enterprises"/>
-          <p:cNvPicPr>
-            <a:picLocks noChangeAspect="1" noChangeArrowheads="1"/>
-          </p:cNvPicPr>
-          <p:nvPr/>
-        </p:nvPicPr>
-        <p:blipFill>
-          <a:blip r:embed="rId2">
-            <a:extLst>
-              <a:ext uri="{28A0092B-C50C-407E-A947-70E740481C1C}">
-                <a14:useLocalDpi xmlns:a14="http://schemas.microsoft.com/office/drawing/2010/main" val="0"/>
-              </a:ext>
-            </a:extLst>
-          </a:blip>
-          <a:srcRect/>
-          <a:stretch>
-            <a:fillRect/>
-          </a:stretch>
-        </p:blipFill>
-        <p:spPr bwMode="auto">
-          <a:xfrm>
-            <a:off x="6346370" y="2386857"/>
-            <a:ext cx="5007430" cy="3004458"/>
-          </a:xfrm>
-          <a:prstGeom prst="rect">
-            <a:avLst/>
-          </a:prstGeom>
-          <a:noFill/>
-          <a:extLst>
-            <a:ext uri="{909E8E84-426E-40DD-AFC4-6F175D3DCCD1}">
-              <a14:hiddenFill xmlns:a14="http://schemas.microsoft.com/office/drawing/2010/main">
-                <a:solidFill>
-                  <a:srgbClr val="FFFFFF"/>
-                </a:solidFill>
-              </a14:hiddenFill>
-            </a:ext>
-          </a:extLst>
-        </p:spPr>
-      </p:pic>
-      <p:sp>
-        <p:nvSpPr>
-          <p:cNvPr id="2" name="Tartalom helye 1"/>
-          <p:cNvSpPr>
-            <a:spLocks noGrp="1"/>
-          </p:cNvSpPr>
-          <p:nvPr>
-            <p:ph idx="1"/>
-          </p:nvPr>
-        </p:nvSpPr>
-        <p:spPr/>
-        <p:txBody>
-          <a:bodyPr/>
-          <a:lstStyle/>
-          <a:p>
-            <a:endParaRPr lang="hu-HU" dirty="0"/>
-          </a:p>
-        </p:txBody>
-      </p:sp>
-    </p:spTree>
-    <p:extLst>
-      <p:ext uri="{BB962C8B-B14F-4D97-AF65-F5344CB8AC3E}">
-        <p14:creationId xmlns:p14="http://schemas.microsoft.com/office/powerpoint/2010/main" val="4219795528"/>
-      </p:ext>
-    </p:extLst>
-  </p:cSld>
-  <p:clrMapOvr>
-    <a:masterClrMapping/>
-  </p:clrMapOvr>
-  <p:timing>
-    <p:tnLst>
-      <p:par>
-        <p:cTn id="1" dur="indefinite" restart="never" nodeType="tmRoot"/>
-      </p:par>
-    </p:tnLst>
-  </p:timing>
-</p:sld>
-</file>
-
 <file path=ppt/slides/slide2.xml><?xml version="1.0" encoding="utf-8"?>
 <p:sld xmlns:a="http://schemas.openxmlformats.org/drawingml/2006/main" xmlns:r="http://schemas.openxmlformats.org/officeDocument/2006/relationships" xmlns:p="http://schemas.openxmlformats.org/presentationml/2006/main">
   <p:cSld>
@@ -4029,7 +3909,7 @@
           <p:cNvPr id="2" name="Cím 1">
             <a:extLst>
               <a:ext uri="{FF2B5EF4-FFF2-40B4-BE49-F238E27FC236}">
-                <a16:creationId xmlns="" xmlns:a16="http://schemas.microsoft.com/office/drawing/2014/main" id="{EA970709-3BCE-5144-9A69-45E15E3D51C0}"/>
+                <a16:creationId xmlns:a16="http://schemas.microsoft.com/office/drawing/2014/main" xmlns="" id="{EA970709-3BCE-5144-9A69-45E15E3D51C0}"/>
               </a:ext>
             </a:extLst>
           </p:cNvPr>
@@ -4064,7 +3944,7 @@
           <p:cNvPr id="3" name="Tartalom helye 2">
             <a:extLst>
               <a:ext uri="{FF2B5EF4-FFF2-40B4-BE49-F238E27FC236}">
-                <a16:creationId xmlns="" xmlns:a16="http://schemas.microsoft.com/office/drawing/2014/main" id="{A6F78135-C67A-3A8A-13BD-EA557CD9DBE4}"/>
+                <a16:creationId xmlns:a16="http://schemas.microsoft.com/office/drawing/2014/main" xmlns="" id="{A6F78135-C67A-3A8A-13BD-EA557CD9DBE4}"/>
               </a:ext>
             </a:extLst>
           </p:cNvPr>
@@ -4257,7 +4137,7 @@
           <p:cNvPr id="2" name="Cím 1">
             <a:extLst>
               <a:ext uri="{FF2B5EF4-FFF2-40B4-BE49-F238E27FC236}">
-                <a16:creationId xmlns="" xmlns:a16="http://schemas.microsoft.com/office/drawing/2014/main" id="{2C5C7AAD-F2C5-6C79-6297-677583C5C0FD}"/>
+                <a16:creationId xmlns:a16="http://schemas.microsoft.com/office/drawing/2014/main" xmlns="" id="{2C5C7AAD-F2C5-6C79-6297-677583C5C0FD}"/>
               </a:ext>
             </a:extLst>
           </p:cNvPr>
@@ -4287,7 +4167,7 @@
           <p:cNvPr id="3" name="Tartalom helye 2">
             <a:extLst>
               <a:ext uri="{FF2B5EF4-FFF2-40B4-BE49-F238E27FC236}">
-                <a16:creationId xmlns="" xmlns:a16="http://schemas.microsoft.com/office/drawing/2014/main" id="{D1300D89-F45B-0B16-AE8D-F67C1B031217}"/>
+                <a16:creationId xmlns:a16="http://schemas.microsoft.com/office/drawing/2014/main" xmlns="" id="{D1300D89-F45B-0B16-AE8D-F67C1B031217}"/>
               </a:ext>
             </a:extLst>
           </p:cNvPr>
@@ -4384,7 +4264,7 @@
           <p:cNvPr id="2" name="Cím 1">
             <a:extLst>
               <a:ext uri="{FF2B5EF4-FFF2-40B4-BE49-F238E27FC236}">
-                <a16:creationId xmlns="" xmlns:a16="http://schemas.microsoft.com/office/drawing/2014/main" id="{245EA668-FC36-240B-2891-997517891F95}"/>
+                <a16:creationId xmlns:a16="http://schemas.microsoft.com/office/drawing/2014/main" xmlns="" id="{245EA668-FC36-240B-2891-997517891F95}"/>
               </a:ext>
             </a:extLst>
           </p:cNvPr>
@@ -4413,7 +4293,7 @@
           <p:cNvPr id="5" name="Tartalom helye 4">
             <a:extLst>
               <a:ext uri="{FF2B5EF4-FFF2-40B4-BE49-F238E27FC236}">
-                <a16:creationId xmlns="" xmlns:a16="http://schemas.microsoft.com/office/drawing/2014/main" id="{BA1D8273-E9E8-818D-3A94-81D744FCD986}"/>
+                <a16:creationId xmlns:a16="http://schemas.microsoft.com/office/drawing/2014/main" xmlns="" id="{BA1D8273-E9E8-818D-3A94-81D744FCD986}"/>
               </a:ext>
             </a:extLst>
           </p:cNvPr>
@@ -4442,7 +4322,7 @@
           <p:cNvPr id="9" name="Kép 8">
             <a:extLst>
               <a:ext uri="{FF2B5EF4-FFF2-40B4-BE49-F238E27FC236}">
-                <a16:creationId xmlns="" xmlns:a16="http://schemas.microsoft.com/office/drawing/2014/main" id="{1866824C-47CD-9344-D8C1-15DC0E9BD721}"/>
+                <a16:creationId xmlns:a16="http://schemas.microsoft.com/office/drawing/2014/main" xmlns="" id="{1866824C-47CD-9344-D8C1-15DC0E9BD721}"/>
               </a:ext>
             </a:extLst>
           </p:cNvPr>
@@ -4604,7 +4484,7 @@
           <p:cNvPr id="7" name="Kép 6">
             <a:extLst>
               <a:ext uri="{FF2B5EF4-FFF2-40B4-BE49-F238E27FC236}">
-                <a16:creationId xmlns="" xmlns:a16="http://schemas.microsoft.com/office/drawing/2014/main" id="{252B1897-D80D-921E-3E37-F29611969CE9}"/>
+                <a16:creationId xmlns:a16="http://schemas.microsoft.com/office/drawing/2014/main" xmlns="" id="{252B1897-D80D-921E-3E37-F29611969CE9}"/>
               </a:ext>
             </a:extLst>
           </p:cNvPr>
@@ -4621,7 +4501,7 @@
         </p:blipFill>
         <p:spPr>
           <a:xfrm>
-            <a:off x="838200" y="1540509"/>
+            <a:off x="909637" y="1517412"/>
             <a:ext cx="3457575" cy="4591050"/>
           </a:xfrm>
           <a:prstGeom prst="rect">
@@ -4634,7 +4514,7 @@
           <p:cNvPr id="9" name="Kép 8">
             <a:extLst>
               <a:ext uri="{FF2B5EF4-FFF2-40B4-BE49-F238E27FC236}">
-                <a16:creationId xmlns="" xmlns:a16="http://schemas.microsoft.com/office/drawing/2014/main" id="{EAD5090D-7793-BC25-D41B-D1309502ACD9}"/>
+                <a16:creationId xmlns:a16="http://schemas.microsoft.com/office/drawing/2014/main" xmlns="" id="{EAD5090D-7793-BC25-D41B-D1309502ACD9}"/>
               </a:ext>
             </a:extLst>
           </p:cNvPr>
@@ -4664,7 +4544,7 @@
           <p:cNvPr id="11" name="Kép 10">
             <a:extLst>
               <a:ext uri="{FF2B5EF4-FFF2-40B4-BE49-F238E27FC236}">
-                <a16:creationId xmlns="" xmlns:a16="http://schemas.microsoft.com/office/drawing/2014/main" id="{F56C9E0B-641E-9C29-FD59-8F4AA8FE2F8B}"/>
+                <a16:creationId xmlns:a16="http://schemas.microsoft.com/office/drawing/2014/main" xmlns="" id="{F56C9E0B-641E-9C29-FD59-8F4AA8FE2F8B}"/>
               </a:ext>
             </a:extLst>
           </p:cNvPr>
@@ -4694,7 +4574,7 @@
           <p:cNvPr id="17" name="Szövegdoboz 16">
             <a:extLst>
               <a:ext uri="{FF2B5EF4-FFF2-40B4-BE49-F238E27FC236}">
-                <a16:creationId xmlns="" xmlns:a16="http://schemas.microsoft.com/office/drawing/2014/main" id="{0AC3402A-F2E6-AAAC-B5D4-E8E741B2766E}"/>
+                <a16:creationId xmlns:a16="http://schemas.microsoft.com/office/drawing/2014/main" xmlns="" id="{0AC3402A-F2E6-AAAC-B5D4-E8E741B2766E}"/>
               </a:ext>
             </a:extLst>
           </p:cNvPr>
@@ -4703,7 +4583,7 @@
         </p:nvSpPr>
         <p:spPr>
           <a:xfrm>
-            <a:off x="1557063" y="1055747"/>
+            <a:off x="1417926" y="1085571"/>
             <a:ext cx="2019848" cy="461665"/>
           </a:xfrm>
           <a:prstGeom prst="rect">
@@ -4730,7 +4610,7 @@
           <p:cNvPr id="18" name="Szövegdoboz 17">
             <a:extLst>
               <a:ext uri="{FF2B5EF4-FFF2-40B4-BE49-F238E27FC236}">
-                <a16:creationId xmlns="" xmlns:a16="http://schemas.microsoft.com/office/drawing/2014/main" id="{071C04A1-0E02-0FE0-3478-1DF958168D3B}"/>
+                <a16:creationId xmlns:a16="http://schemas.microsoft.com/office/drawing/2014/main" xmlns="" id="{071C04A1-0E02-0FE0-3478-1DF958168D3B}"/>
               </a:ext>
             </a:extLst>
           </p:cNvPr>
@@ -4739,7 +4619,7 @@
         </p:nvSpPr>
         <p:spPr>
           <a:xfrm>
-            <a:off x="4783909" y="1035427"/>
+            <a:off x="4367212" y="1055746"/>
             <a:ext cx="2624180" cy="461665"/>
           </a:xfrm>
           <a:prstGeom prst="rect">
@@ -4774,7 +4654,7 @@
           <p:cNvPr id="19" name="Szövegdoboz 18">
             <a:extLst>
               <a:ext uri="{FF2B5EF4-FFF2-40B4-BE49-F238E27FC236}">
-                <a16:creationId xmlns="" xmlns:a16="http://schemas.microsoft.com/office/drawing/2014/main" id="{5B3B5F66-E36E-17AE-25D4-646B2DEF276D}"/>
+                <a16:creationId xmlns:a16="http://schemas.microsoft.com/office/drawing/2014/main" xmlns="" id="{5B3B5F66-E36E-17AE-25D4-646B2DEF276D}"/>
               </a:ext>
             </a:extLst>
           </p:cNvPr>
@@ -4783,7 +4663,7 @@
         </p:nvSpPr>
         <p:spPr>
           <a:xfrm>
-            <a:off x="8615087" y="1055747"/>
+            <a:off x="7920830" y="1055745"/>
             <a:ext cx="2269467" cy="461665"/>
           </a:xfrm>
           <a:prstGeom prst="rect">
@@ -5034,7 +4914,7 @@
           <p:cNvPr id="2" name="Cím 1">
             <a:extLst>
               <a:ext uri="{FF2B5EF4-FFF2-40B4-BE49-F238E27FC236}">
-                <a16:creationId xmlns="" xmlns:a16="http://schemas.microsoft.com/office/drawing/2014/main" id="{F112EA45-9EA5-0DCB-9C88-DB772AFA2B75}"/>
+                <a16:creationId xmlns:a16="http://schemas.microsoft.com/office/drawing/2014/main" xmlns="" id="{F112EA45-9EA5-0DCB-9C88-DB772AFA2B75}"/>
               </a:ext>
             </a:extLst>
           </p:cNvPr>
@@ -5062,7 +4942,7 @@
           <p:cNvPr id="9" name="Kép 8">
             <a:extLst>
               <a:ext uri="{FF2B5EF4-FFF2-40B4-BE49-F238E27FC236}">
-                <a16:creationId xmlns="" xmlns:a16="http://schemas.microsoft.com/office/drawing/2014/main" id="{8C990788-A662-6A78-2401-8B6CB704384A}"/>
+                <a16:creationId xmlns:a16="http://schemas.microsoft.com/office/drawing/2014/main" xmlns="" id="{8C990788-A662-6A78-2401-8B6CB704384A}"/>
               </a:ext>
             </a:extLst>
           </p:cNvPr>
@@ -5092,7 +4972,7 @@
           <p:cNvPr id="13" name="Kép 12">
             <a:extLst>
               <a:ext uri="{FF2B5EF4-FFF2-40B4-BE49-F238E27FC236}">
-                <a16:creationId xmlns="" xmlns:a16="http://schemas.microsoft.com/office/drawing/2014/main" id="{2A0D0057-78FD-89E4-C000-F46D0216D3E1}"/>
+                <a16:creationId xmlns:a16="http://schemas.microsoft.com/office/drawing/2014/main" xmlns="" id="{2A0D0057-78FD-89E4-C000-F46D0216D3E1}"/>
               </a:ext>
             </a:extLst>
           </p:cNvPr>
@@ -5254,7 +5134,7 @@
           <p:cNvPr id="2" name="Cím 1">
             <a:extLst>
               <a:ext uri="{FF2B5EF4-FFF2-40B4-BE49-F238E27FC236}">
-                <a16:creationId xmlns="" xmlns:a16="http://schemas.microsoft.com/office/drawing/2014/main" id="{77523038-2A0E-2292-08BC-685F1238E0E3}"/>
+                <a16:creationId xmlns:a16="http://schemas.microsoft.com/office/drawing/2014/main" xmlns="" id="{77523038-2A0E-2292-08BC-685F1238E0E3}"/>
               </a:ext>
             </a:extLst>
           </p:cNvPr>
@@ -5283,7 +5163,7 @@
           <p:cNvPr id="5" name="Tartalom helye 4">
             <a:extLst>
               <a:ext uri="{FF2B5EF4-FFF2-40B4-BE49-F238E27FC236}">
-                <a16:creationId xmlns="" xmlns:a16="http://schemas.microsoft.com/office/drawing/2014/main" id="{FF8DF6C7-92E9-B5FA-D180-E81D84A9D980}"/>
+                <a16:creationId xmlns:a16="http://schemas.microsoft.com/office/drawing/2014/main" xmlns="" id="{FF8DF6C7-92E9-B5FA-D180-E81D84A9D980}"/>
               </a:ext>
             </a:extLst>
           </p:cNvPr>
@@ -5312,7 +5192,7 @@
           <p:cNvPr id="7" name="Kép 6">
             <a:extLst>
               <a:ext uri="{FF2B5EF4-FFF2-40B4-BE49-F238E27FC236}">
-                <a16:creationId xmlns="" xmlns:a16="http://schemas.microsoft.com/office/drawing/2014/main" id="{F013B305-6F0A-5D50-C51E-DF51244DFFF9}"/>
+                <a16:creationId xmlns:a16="http://schemas.microsoft.com/office/drawing/2014/main" xmlns="" id="{F013B305-6F0A-5D50-C51E-DF51244DFFF9}"/>
               </a:ext>
             </a:extLst>
           </p:cNvPr>
@@ -5342,7 +5222,7 @@
           <p:cNvPr id="11" name="Kép 10">
             <a:extLst>
               <a:ext uri="{FF2B5EF4-FFF2-40B4-BE49-F238E27FC236}">
-                <a16:creationId xmlns="" xmlns:a16="http://schemas.microsoft.com/office/drawing/2014/main" id="{0DF894E4-E167-8EEB-994D-298E283AF3C1}"/>
+                <a16:creationId xmlns:a16="http://schemas.microsoft.com/office/drawing/2014/main" xmlns="" id="{0DF894E4-E167-8EEB-994D-298E283AF3C1}"/>
               </a:ext>
             </a:extLst>
           </p:cNvPr>
@@ -5372,7 +5252,7 @@
           <p:cNvPr id="18" name="Kép 17">
             <a:extLst>
               <a:ext uri="{FF2B5EF4-FFF2-40B4-BE49-F238E27FC236}">
-                <a16:creationId xmlns="" xmlns:a16="http://schemas.microsoft.com/office/drawing/2014/main" id="{7592C0F7-37F7-2964-DC05-56DED86CEC4E}"/>
+                <a16:creationId xmlns:a16="http://schemas.microsoft.com/office/drawing/2014/main" xmlns="" id="{7592C0F7-37F7-2964-DC05-56DED86CEC4E}"/>
               </a:ext>
             </a:extLst>
           </p:cNvPr>
@@ -5402,7 +5282,7 @@
           <p:cNvPr id="21" name="Kép 20">
             <a:extLst>
               <a:ext uri="{FF2B5EF4-FFF2-40B4-BE49-F238E27FC236}">
-                <a16:creationId xmlns="" xmlns:a16="http://schemas.microsoft.com/office/drawing/2014/main" id="{12413BDF-7A02-151B-E6E1-C302D1278151}"/>
+                <a16:creationId xmlns:a16="http://schemas.microsoft.com/office/drawing/2014/main" xmlns="" id="{12413BDF-7A02-151B-E6E1-C302D1278151}"/>
               </a:ext>
             </a:extLst>
           </p:cNvPr>
@@ -5717,7 +5597,7 @@
           <p:cNvPr id="2" name="Cím 1">
             <a:extLst>
               <a:ext uri="{FF2B5EF4-FFF2-40B4-BE49-F238E27FC236}">
-                <a16:creationId xmlns="" xmlns:a16="http://schemas.microsoft.com/office/drawing/2014/main" id="{2102A77B-DBE6-2814-3699-0C88D708B2FB}"/>
+                <a16:creationId xmlns:a16="http://schemas.microsoft.com/office/drawing/2014/main" xmlns="" id="{2102A77B-DBE6-2814-3699-0C88D708B2FB}"/>
               </a:ext>
             </a:extLst>
           </p:cNvPr>
@@ -5822,7 +5702,7 @@
           <p:cNvPr id="2" name="Cím 1">
             <a:extLst>
               <a:ext uri="{FF2B5EF4-FFF2-40B4-BE49-F238E27FC236}">
-                <a16:creationId xmlns="" xmlns:a16="http://schemas.microsoft.com/office/drawing/2014/main" id="{2102A77B-DBE6-2814-3699-0C88D708B2FB}"/>
+                <a16:creationId xmlns:a16="http://schemas.microsoft.com/office/drawing/2014/main" xmlns="" id="{2102A77B-DBE6-2814-3699-0C88D708B2FB}"/>
               </a:ext>
             </a:extLst>
           </p:cNvPr>
